--- a/power point - gradient descent newton lm.pptx
+++ b/power point - gradient descent newton lm.pptx
@@ -6,10 +6,10 @@
     <p:sldMasterId id="2147483730" r:id="rId2"/>
   </p:sldMasterIdLst>
   <p:notesMasterIdLst>
-    <p:notesMasterId r:id="rId23"/>
+    <p:notesMasterId r:id="rId25"/>
   </p:notesMasterIdLst>
   <p:handoutMasterIdLst>
-    <p:handoutMasterId r:id="rId24"/>
+    <p:handoutMasterId r:id="rId26"/>
   </p:handoutMasterIdLst>
   <p:sldIdLst>
     <p:sldId id="256" r:id="rId3"/>
@@ -25,13 +25,15 @@
     <p:sldId id="269" r:id="rId13"/>
     <p:sldId id="270" r:id="rId14"/>
     <p:sldId id="271" r:id="rId15"/>
-    <p:sldId id="272" r:id="rId16"/>
-    <p:sldId id="273" r:id="rId17"/>
-    <p:sldId id="274" r:id="rId18"/>
-    <p:sldId id="275" r:id="rId19"/>
-    <p:sldId id="264" r:id="rId20"/>
-    <p:sldId id="265" r:id="rId21"/>
-    <p:sldId id="258" r:id="rId22"/>
+    <p:sldId id="276" r:id="rId16"/>
+    <p:sldId id="277" r:id="rId17"/>
+    <p:sldId id="278" r:id="rId18"/>
+    <p:sldId id="272" r:id="rId19"/>
+    <p:sldId id="273" r:id="rId20"/>
+    <p:sldId id="274" r:id="rId21"/>
+    <p:sldId id="275" r:id="rId22"/>
+    <p:sldId id="265" r:id="rId23"/>
+    <p:sldId id="258" r:id="rId24"/>
   </p:sldIdLst>
   <p:sldSz cx="12192000" cy="6858000"/>
   <p:notesSz cx="6858000" cy="9144000"/>
@@ -815,6 +817,139 @@
         <p:cNvPr id="1" name="">
           <a:extLst>
             <a:ext uri="{FF2B5EF4-FFF2-40B4-BE49-F238E27FC236}">
+              <a16:creationId xmlns:a16="http://schemas.microsoft.com/office/drawing/2014/main" id="{4755540F-EF11-34C8-0D77-D1ACE2FF194E}"/>
+            </a:ext>
+          </a:extLst>
+        </p:cNvPr>
+        <p:cNvGrpSpPr/>
+        <p:nvPr/>
+      </p:nvGrpSpPr>
+      <p:grpSpPr>
+        <a:xfrm>
+          <a:off x="0" y="0"/>
+          <a:ext cx="0" cy="0"/>
+          <a:chOff x="0" y="0"/>
+          <a:chExt cx="0" cy="0"/>
+        </a:xfrm>
+      </p:grpSpPr>
+      <p:sp>
+        <p:nvSpPr>
+          <p:cNvPr id="2" name="Segnaposto immagine diapositiva 1">
+            <a:extLst>
+              <a:ext uri="{FF2B5EF4-FFF2-40B4-BE49-F238E27FC236}">
+                <a16:creationId xmlns:a16="http://schemas.microsoft.com/office/drawing/2014/main" id="{A2F331BF-53C8-C78F-E31A-BAB8C2768E20}"/>
+              </a:ext>
+            </a:extLst>
+          </p:cNvPr>
+          <p:cNvSpPr>
+            <a:spLocks noGrp="1" noRot="1" noChangeAspect="1"/>
+          </p:cNvSpPr>
+          <p:nvPr>
+            <p:ph type="sldImg"/>
+          </p:nvPr>
+        </p:nvSpPr>
+        <p:spPr/>
+      </p:sp>
+      <p:sp>
+        <p:nvSpPr>
+          <p:cNvPr id="3" name="Segnaposto note 2">
+            <a:extLst>
+              <a:ext uri="{FF2B5EF4-FFF2-40B4-BE49-F238E27FC236}">
+                <a16:creationId xmlns:a16="http://schemas.microsoft.com/office/drawing/2014/main" id="{612C9DFD-622B-4338-5CB2-3BB4B8F1FE39}"/>
+              </a:ext>
+            </a:extLst>
+          </p:cNvPr>
+          <p:cNvSpPr>
+            <a:spLocks noGrp="1"/>
+          </p:cNvSpPr>
+          <p:nvPr>
+            <p:ph type="body" idx="1"/>
+          </p:nvPr>
+        </p:nvSpPr>
+        <p:spPr/>
+        <p:txBody>
+          <a:bodyPr/>
+          <a:lstStyle/>
+          <a:p>
+            <a:endParaRPr lang="en-GB" dirty="0"/>
+          </a:p>
+        </p:txBody>
+      </p:sp>
+      <p:sp>
+        <p:nvSpPr>
+          <p:cNvPr id="4" name="Segnaposto numero diapositiva 3">
+            <a:extLst>
+              <a:ext uri="{FF2B5EF4-FFF2-40B4-BE49-F238E27FC236}">
+                <a16:creationId xmlns:a16="http://schemas.microsoft.com/office/drawing/2014/main" id="{1AA1D8F7-C4FB-D0A4-5D7A-73093C8D693C}"/>
+              </a:ext>
+            </a:extLst>
+          </p:cNvPr>
+          <p:cNvSpPr>
+            <a:spLocks noGrp="1"/>
+          </p:cNvSpPr>
+          <p:nvPr>
+            <p:ph type="sldNum" sz="quarter" idx="5"/>
+          </p:nvPr>
+        </p:nvSpPr>
+        <p:spPr/>
+        <p:txBody>
+          <a:bodyPr/>
+          <a:lstStyle/>
+          <a:p>
+            <a:fld id="{9CDF745B-B3CB-4281-BB1A-F01DDA96301C}" type="slidenum">
+              <a:rPr lang="en-GB" smtClean="0"/>
+              <a:t>11</a:t>
+            </a:fld>
+            <a:endParaRPr lang="en-GB"/>
+          </a:p>
+        </p:txBody>
+      </p:sp>
+      <p:sp>
+        <p:nvSpPr>
+          <p:cNvPr id="5" name="Segnaposto piè di pagina 4">
+            <a:extLst>
+              <a:ext uri="{FF2B5EF4-FFF2-40B4-BE49-F238E27FC236}">
+                <a16:creationId xmlns:a16="http://schemas.microsoft.com/office/drawing/2014/main" id="{B59CCDFA-0ABC-C76A-1366-9D9337145B43}"/>
+              </a:ext>
+            </a:extLst>
+          </p:cNvPr>
+          <p:cNvSpPr>
+            <a:spLocks noGrp="1"/>
+          </p:cNvSpPr>
+          <p:nvPr>
+            <p:ph type="ftr" sz="quarter" idx="4"/>
+          </p:nvPr>
+        </p:nvSpPr>
+        <p:spPr/>
+        <p:txBody>
+          <a:bodyPr/>
+          <a:lstStyle/>
+          <a:p>
+            <a:endParaRPr lang="en-GB"/>
+          </a:p>
+        </p:txBody>
+      </p:sp>
+    </p:spTree>
+    <p:extLst>
+      <p:ext uri="{BB962C8B-B14F-4D97-AF65-F5344CB8AC3E}">
+        <p14:creationId xmlns:p14="http://schemas.microsoft.com/office/powerpoint/2010/main" val="2503364141"/>
+      </p:ext>
+    </p:extLst>
+  </p:cSld>
+  <p:clrMapOvr>
+    <a:masterClrMapping/>
+  </p:clrMapOvr>
+</p:notes>
+</file>
+
+<file path=ppt/notesSlides/notesSlide11.xml><?xml version="1.0" encoding="utf-8"?>
+<p:notes xmlns:a="http://schemas.openxmlformats.org/drawingml/2006/main" xmlns:r="http://schemas.openxmlformats.org/officeDocument/2006/relationships" xmlns:p="http://schemas.openxmlformats.org/presentationml/2006/main">
+  <p:cSld>
+    <p:spTree>
+      <p:nvGrpSpPr>
+        <p:cNvPr id="1" name="">
+          <a:extLst>
+            <a:ext uri="{FF2B5EF4-FFF2-40B4-BE49-F238E27FC236}">
               <a16:creationId xmlns:a16="http://schemas.microsoft.com/office/drawing/2014/main" id="{18116690-CA9D-6A4E-DCA7-CA347B736B4D}"/>
             </a:ext>
           </a:extLst>
@@ -1030,7 +1165,7 @@
 </p:notes>
 </file>
 
-<file path=ppt/notesSlides/notesSlide11.xml><?xml version="1.0" encoding="utf-8"?>
+<file path=ppt/notesSlides/notesSlide12.xml><?xml version="1.0" encoding="utf-8"?>
 <p:notes xmlns:a="http://schemas.openxmlformats.org/drawingml/2006/main" xmlns:r="http://schemas.openxmlformats.org/officeDocument/2006/relationships" xmlns:p="http://schemas.openxmlformats.org/presentationml/2006/main">
   <p:cSld>
     <p:spTree>
@@ -1253,7 +1388,406 @@
 </p:notes>
 </file>
 
-<file path=ppt/notesSlides/notesSlide12.xml><?xml version="1.0" encoding="utf-8"?>
+<file path=ppt/notesSlides/notesSlide13.xml><?xml version="1.0" encoding="utf-8"?>
+<p:notes xmlns:a="http://schemas.openxmlformats.org/drawingml/2006/main" xmlns:r="http://schemas.openxmlformats.org/officeDocument/2006/relationships" xmlns:p="http://schemas.openxmlformats.org/presentationml/2006/main">
+  <p:cSld>
+    <p:spTree>
+      <p:nvGrpSpPr>
+        <p:cNvPr id="1" name="">
+          <a:extLst>
+            <a:ext uri="{FF2B5EF4-FFF2-40B4-BE49-F238E27FC236}">
+              <a16:creationId xmlns:a16="http://schemas.microsoft.com/office/drawing/2014/main" id="{AC5A14A0-3BE9-6065-AE08-E37213AE85DF}"/>
+            </a:ext>
+          </a:extLst>
+        </p:cNvPr>
+        <p:cNvGrpSpPr/>
+        <p:nvPr/>
+      </p:nvGrpSpPr>
+      <p:grpSpPr>
+        <a:xfrm>
+          <a:off x="0" y="0"/>
+          <a:ext cx="0" cy="0"/>
+          <a:chOff x="0" y="0"/>
+          <a:chExt cx="0" cy="0"/>
+        </a:xfrm>
+      </p:grpSpPr>
+      <p:sp>
+        <p:nvSpPr>
+          <p:cNvPr id="2" name="Segnaposto immagine diapositiva 1">
+            <a:extLst>
+              <a:ext uri="{FF2B5EF4-FFF2-40B4-BE49-F238E27FC236}">
+                <a16:creationId xmlns:a16="http://schemas.microsoft.com/office/drawing/2014/main" id="{6B903CAA-ADBE-4441-7ED3-40FF6DB04203}"/>
+              </a:ext>
+            </a:extLst>
+          </p:cNvPr>
+          <p:cNvSpPr>
+            <a:spLocks noGrp="1" noRot="1" noChangeAspect="1"/>
+          </p:cNvSpPr>
+          <p:nvPr>
+            <p:ph type="sldImg"/>
+          </p:nvPr>
+        </p:nvSpPr>
+        <p:spPr/>
+      </p:sp>
+      <p:sp>
+        <p:nvSpPr>
+          <p:cNvPr id="3" name="Segnaposto note 2">
+            <a:extLst>
+              <a:ext uri="{FF2B5EF4-FFF2-40B4-BE49-F238E27FC236}">
+                <a16:creationId xmlns:a16="http://schemas.microsoft.com/office/drawing/2014/main" id="{0DBDE0C6-FBAC-E308-EF19-A948D217B541}"/>
+              </a:ext>
+            </a:extLst>
+          </p:cNvPr>
+          <p:cNvSpPr>
+            <a:spLocks noGrp="1"/>
+          </p:cNvSpPr>
+          <p:nvPr>
+            <p:ph type="body" idx="1"/>
+          </p:nvPr>
+        </p:nvSpPr>
+        <p:spPr/>
+        <p:txBody>
+          <a:bodyPr/>
+          <a:lstStyle/>
+          <a:p>
+            <a:endParaRPr lang="en-GB" dirty="0"/>
+          </a:p>
+        </p:txBody>
+      </p:sp>
+      <p:sp>
+        <p:nvSpPr>
+          <p:cNvPr id="4" name="Segnaposto numero diapositiva 3">
+            <a:extLst>
+              <a:ext uri="{FF2B5EF4-FFF2-40B4-BE49-F238E27FC236}">
+                <a16:creationId xmlns:a16="http://schemas.microsoft.com/office/drawing/2014/main" id="{27162C7B-F9D1-6F37-35E5-DF02EFC822BE}"/>
+              </a:ext>
+            </a:extLst>
+          </p:cNvPr>
+          <p:cNvSpPr>
+            <a:spLocks noGrp="1"/>
+          </p:cNvSpPr>
+          <p:nvPr>
+            <p:ph type="sldNum" sz="quarter" idx="5"/>
+          </p:nvPr>
+        </p:nvSpPr>
+        <p:spPr/>
+        <p:txBody>
+          <a:bodyPr/>
+          <a:lstStyle/>
+          <a:p>
+            <a:fld id="{9CDF745B-B3CB-4281-BB1A-F01DDA96301C}" type="slidenum">
+              <a:rPr lang="en-GB" smtClean="0"/>
+              <a:t>14</a:t>
+            </a:fld>
+            <a:endParaRPr lang="en-GB"/>
+          </a:p>
+        </p:txBody>
+      </p:sp>
+      <p:sp>
+        <p:nvSpPr>
+          <p:cNvPr id="5" name="Segnaposto piè di pagina 4">
+            <a:extLst>
+              <a:ext uri="{FF2B5EF4-FFF2-40B4-BE49-F238E27FC236}">
+                <a16:creationId xmlns:a16="http://schemas.microsoft.com/office/drawing/2014/main" id="{D8C7B35D-EBBD-BCF8-91F2-5DA49FFCEF46}"/>
+              </a:ext>
+            </a:extLst>
+          </p:cNvPr>
+          <p:cNvSpPr>
+            <a:spLocks noGrp="1"/>
+          </p:cNvSpPr>
+          <p:nvPr>
+            <p:ph type="ftr" sz="quarter" idx="4"/>
+          </p:nvPr>
+        </p:nvSpPr>
+        <p:spPr/>
+        <p:txBody>
+          <a:bodyPr/>
+          <a:lstStyle/>
+          <a:p>
+            <a:endParaRPr lang="en-GB"/>
+          </a:p>
+        </p:txBody>
+      </p:sp>
+    </p:spTree>
+    <p:extLst>
+      <p:ext uri="{BB962C8B-B14F-4D97-AF65-F5344CB8AC3E}">
+        <p14:creationId xmlns:p14="http://schemas.microsoft.com/office/powerpoint/2010/main" val="945775450"/>
+      </p:ext>
+    </p:extLst>
+  </p:cSld>
+  <p:clrMapOvr>
+    <a:masterClrMapping/>
+  </p:clrMapOvr>
+</p:notes>
+</file>
+
+<file path=ppt/notesSlides/notesSlide14.xml><?xml version="1.0" encoding="utf-8"?>
+<p:notes xmlns:a="http://schemas.openxmlformats.org/drawingml/2006/main" xmlns:r="http://schemas.openxmlformats.org/officeDocument/2006/relationships" xmlns:p="http://schemas.openxmlformats.org/presentationml/2006/main">
+  <p:cSld>
+    <p:spTree>
+      <p:nvGrpSpPr>
+        <p:cNvPr id="1" name="">
+          <a:extLst>
+            <a:ext uri="{FF2B5EF4-FFF2-40B4-BE49-F238E27FC236}">
+              <a16:creationId xmlns:a16="http://schemas.microsoft.com/office/drawing/2014/main" id="{AC5A14A0-3BE9-6065-AE08-E37213AE85DF}"/>
+            </a:ext>
+          </a:extLst>
+        </p:cNvPr>
+        <p:cNvGrpSpPr/>
+        <p:nvPr/>
+      </p:nvGrpSpPr>
+      <p:grpSpPr>
+        <a:xfrm>
+          <a:off x="0" y="0"/>
+          <a:ext cx="0" cy="0"/>
+          <a:chOff x="0" y="0"/>
+          <a:chExt cx="0" cy="0"/>
+        </a:xfrm>
+      </p:grpSpPr>
+      <p:sp>
+        <p:nvSpPr>
+          <p:cNvPr id="2" name="Segnaposto immagine diapositiva 1">
+            <a:extLst>
+              <a:ext uri="{FF2B5EF4-FFF2-40B4-BE49-F238E27FC236}">
+                <a16:creationId xmlns:a16="http://schemas.microsoft.com/office/drawing/2014/main" id="{6B903CAA-ADBE-4441-7ED3-40FF6DB04203}"/>
+              </a:ext>
+            </a:extLst>
+          </p:cNvPr>
+          <p:cNvSpPr>
+            <a:spLocks noGrp="1" noRot="1" noChangeAspect="1"/>
+          </p:cNvSpPr>
+          <p:nvPr>
+            <p:ph type="sldImg"/>
+          </p:nvPr>
+        </p:nvSpPr>
+        <p:spPr/>
+      </p:sp>
+      <p:sp>
+        <p:nvSpPr>
+          <p:cNvPr id="3" name="Segnaposto note 2">
+            <a:extLst>
+              <a:ext uri="{FF2B5EF4-FFF2-40B4-BE49-F238E27FC236}">
+                <a16:creationId xmlns:a16="http://schemas.microsoft.com/office/drawing/2014/main" id="{0DBDE0C6-FBAC-E308-EF19-A948D217B541}"/>
+              </a:ext>
+            </a:extLst>
+          </p:cNvPr>
+          <p:cNvSpPr>
+            <a:spLocks noGrp="1"/>
+          </p:cNvSpPr>
+          <p:nvPr>
+            <p:ph type="body" idx="1"/>
+          </p:nvPr>
+        </p:nvSpPr>
+        <p:spPr/>
+        <p:txBody>
+          <a:bodyPr/>
+          <a:lstStyle/>
+          <a:p>
+            <a:endParaRPr lang="en-GB" dirty="0"/>
+          </a:p>
+        </p:txBody>
+      </p:sp>
+      <p:sp>
+        <p:nvSpPr>
+          <p:cNvPr id="4" name="Segnaposto numero diapositiva 3">
+            <a:extLst>
+              <a:ext uri="{FF2B5EF4-FFF2-40B4-BE49-F238E27FC236}">
+                <a16:creationId xmlns:a16="http://schemas.microsoft.com/office/drawing/2014/main" id="{27162C7B-F9D1-6F37-35E5-DF02EFC822BE}"/>
+              </a:ext>
+            </a:extLst>
+          </p:cNvPr>
+          <p:cNvSpPr>
+            <a:spLocks noGrp="1"/>
+          </p:cNvSpPr>
+          <p:nvPr>
+            <p:ph type="sldNum" sz="quarter" idx="5"/>
+          </p:nvPr>
+        </p:nvSpPr>
+        <p:spPr/>
+        <p:txBody>
+          <a:bodyPr/>
+          <a:lstStyle/>
+          <a:p>
+            <a:fld id="{9CDF745B-B3CB-4281-BB1A-F01DDA96301C}" type="slidenum">
+              <a:rPr lang="en-GB" smtClean="0"/>
+              <a:t>15</a:t>
+            </a:fld>
+            <a:endParaRPr lang="en-GB"/>
+          </a:p>
+        </p:txBody>
+      </p:sp>
+      <p:sp>
+        <p:nvSpPr>
+          <p:cNvPr id="5" name="Segnaposto piè di pagina 4">
+            <a:extLst>
+              <a:ext uri="{FF2B5EF4-FFF2-40B4-BE49-F238E27FC236}">
+                <a16:creationId xmlns:a16="http://schemas.microsoft.com/office/drawing/2014/main" id="{D8C7B35D-EBBD-BCF8-91F2-5DA49FFCEF46}"/>
+              </a:ext>
+            </a:extLst>
+          </p:cNvPr>
+          <p:cNvSpPr>
+            <a:spLocks noGrp="1"/>
+          </p:cNvSpPr>
+          <p:nvPr>
+            <p:ph type="ftr" sz="quarter" idx="4"/>
+          </p:nvPr>
+        </p:nvSpPr>
+        <p:spPr/>
+        <p:txBody>
+          <a:bodyPr/>
+          <a:lstStyle/>
+          <a:p>
+            <a:endParaRPr lang="en-GB"/>
+          </a:p>
+        </p:txBody>
+      </p:sp>
+    </p:spTree>
+    <p:extLst>
+      <p:ext uri="{BB962C8B-B14F-4D97-AF65-F5344CB8AC3E}">
+        <p14:creationId xmlns:p14="http://schemas.microsoft.com/office/powerpoint/2010/main" val="2476302912"/>
+      </p:ext>
+    </p:extLst>
+  </p:cSld>
+  <p:clrMapOvr>
+    <a:masterClrMapping/>
+  </p:clrMapOvr>
+</p:notes>
+</file>
+
+<file path=ppt/notesSlides/notesSlide15.xml><?xml version="1.0" encoding="utf-8"?>
+<p:notes xmlns:a="http://schemas.openxmlformats.org/drawingml/2006/main" xmlns:r="http://schemas.openxmlformats.org/officeDocument/2006/relationships" xmlns:p="http://schemas.openxmlformats.org/presentationml/2006/main">
+  <p:cSld>
+    <p:spTree>
+      <p:nvGrpSpPr>
+        <p:cNvPr id="1" name="">
+          <a:extLst>
+            <a:ext uri="{FF2B5EF4-FFF2-40B4-BE49-F238E27FC236}">
+              <a16:creationId xmlns:a16="http://schemas.microsoft.com/office/drawing/2014/main" id="{AC5A14A0-3BE9-6065-AE08-E37213AE85DF}"/>
+            </a:ext>
+          </a:extLst>
+        </p:cNvPr>
+        <p:cNvGrpSpPr/>
+        <p:nvPr/>
+      </p:nvGrpSpPr>
+      <p:grpSpPr>
+        <a:xfrm>
+          <a:off x="0" y="0"/>
+          <a:ext cx="0" cy="0"/>
+          <a:chOff x="0" y="0"/>
+          <a:chExt cx="0" cy="0"/>
+        </a:xfrm>
+      </p:grpSpPr>
+      <p:sp>
+        <p:nvSpPr>
+          <p:cNvPr id="2" name="Segnaposto immagine diapositiva 1">
+            <a:extLst>
+              <a:ext uri="{FF2B5EF4-FFF2-40B4-BE49-F238E27FC236}">
+                <a16:creationId xmlns:a16="http://schemas.microsoft.com/office/drawing/2014/main" id="{6B903CAA-ADBE-4441-7ED3-40FF6DB04203}"/>
+              </a:ext>
+            </a:extLst>
+          </p:cNvPr>
+          <p:cNvSpPr>
+            <a:spLocks noGrp="1" noRot="1" noChangeAspect="1"/>
+          </p:cNvSpPr>
+          <p:nvPr>
+            <p:ph type="sldImg"/>
+          </p:nvPr>
+        </p:nvSpPr>
+        <p:spPr/>
+      </p:sp>
+      <p:sp>
+        <p:nvSpPr>
+          <p:cNvPr id="3" name="Segnaposto note 2">
+            <a:extLst>
+              <a:ext uri="{FF2B5EF4-FFF2-40B4-BE49-F238E27FC236}">
+                <a16:creationId xmlns:a16="http://schemas.microsoft.com/office/drawing/2014/main" id="{0DBDE0C6-FBAC-E308-EF19-A948D217B541}"/>
+              </a:ext>
+            </a:extLst>
+          </p:cNvPr>
+          <p:cNvSpPr>
+            <a:spLocks noGrp="1"/>
+          </p:cNvSpPr>
+          <p:nvPr>
+            <p:ph type="body" idx="1"/>
+          </p:nvPr>
+        </p:nvSpPr>
+        <p:spPr/>
+        <p:txBody>
+          <a:bodyPr/>
+          <a:lstStyle/>
+          <a:p>
+            <a:endParaRPr lang="en-GB" dirty="0"/>
+          </a:p>
+        </p:txBody>
+      </p:sp>
+      <p:sp>
+        <p:nvSpPr>
+          <p:cNvPr id="4" name="Segnaposto numero diapositiva 3">
+            <a:extLst>
+              <a:ext uri="{FF2B5EF4-FFF2-40B4-BE49-F238E27FC236}">
+                <a16:creationId xmlns:a16="http://schemas.microsoft.com/office/drawing/2014/main" id="{27162C7B-F9D1-6F37-35E5-DF02EFC822BE}"/>
+              </a:ext>
+            </a:extLst>
+          </p:cNvPr>
+          <p:cNvSpPr>
+            <a:spLocks noGrp="1"/>
+          </p:cNvSpPr>
+          <p:nvPr>
+            <p:ph type="sldNum" sz="quarter" idx="5"/>
+          </p:nvPr>
+        </p:nvSpPr>
+        <p:spPr/>
+        <p:txBody>
+          <a:bodyPr/>
+          <a:lstStyle/>
+          <a:p>
+            <a:fld id="{9CDF745B-B3CB-4281-BB1A-F01DDA96301C}" type="slidenum">
+              <a:rPr lang="en-GB" smtClean="0"/>
+              <a:t>16</a:t>
+            </a:fld>
+            <a:endParaRPr lang="en-GB"/>
+          </a:p>
+        </p:txBody>
+      </p:sp>
+      <p:sp>
+        <p:nvSpPr>
+          <p:cNvPr id="5" name="Segnaposto piè di pagina 4">
+            <a:extLst>
+              <a:ext uri="{FF2B5EF4-FFF2-40B4-BE49-F238E27FC236}">
+                <a16:creationId xmlns:a16="http://schemas.microsoft.com/office/drawing/2014/main" id="{D8C7B35D-EBBD-BCF8-91F2-5DA49FFCEF46}"/>
+              </a:ext>
+            </a:extLst>
+          </p:cNvPr>
+          <p:cNvSpPr>
+            <a:spLocks noGrp="1"/>
+          </p:cNvSpPr>
+          <p:nvPr>
+            <p:ph type="ftr" sz="quarter" idx="4"/>
+          </p:nvPr>
+        </p:nvSpPr>
+        <p:spPr/>
+        <p:txBody>
+          <a:bodyPr/>
+          <a:lstStyle/>
+          <a:p>
+            <a:endParaRPr lang="en-GB"/>
+          </a:p>
+        </p:txBody>
+      </p:sp>
+    </p:spTree>
+    <p:extLst>
+      <p:ext uri="{BB962C8B-B14F-4D97-AF65-F5344CB8AC3E}">
+        <p14:creationId xmlns:p14="http://schemas.microsoft.com/office/powerpoint/2010/main" val="2538643335"/>
+      </p:ext>
+    </p:extLst>
+  </p:cSld>
+  <p:clrMapOvr>
+    <a:masterClrMapping/>
+  </p:clrMapOvr>
+</p:notes>
+</file>
+
+<file path=ppt/notesSlides/notesSlide16.xml><?xml version="1.0" encoding="utf-8"?>
 <p:notes xmlns:a="http://schemas.openxmlformats.org/drawingml/2006/main" xmlns:r="http://schemas.openxmlformats.org/officeDocument/2006/relationships" xmlns:p="http://schemas.openxmlformats.org/presentationml/2006/main">
   <p:cSld>
     <p:spTree>
@@ -1322,7 +1856,7 @@
           <a:p>
             <a:fld id="{9CDF745B-B3CB-4281-BB1A-F01DDA96301C}" type="slidenum">
               <a:rPr lang="en-GB" smtClean="0"/>
-              <a:t>20</a:t>
+              <a:t>22</a:t>
             </a:fld>
             <a:endParaRPr lang="en-GB"/>
           </a:p>
@@ -1480,6 +2014,109 @@
   <p:cSld>
     <p:spTree>
       <p:nvGrpSpPr>
+        <p:cNvPr id="1" name=""/>
+        <p:cNvGrpSpPr/>
+        <p:nvPr/>
+      </p:nvGrpSpPr>
+      <p:grpSpPr>
+        <a:xfrm>
+          <a:off x="0" y="0"/>
+          <a:ext cx="0" cy="0"/>
+          <a:chOff x="0" y="0"/>
+          <a:chExt cx="0" cy="0"/>
+        </a:xfrm>
+      </p:grpSpPr>
+      <p:sp>
+        <p:nvSpPr>
+          <p:cNvPr id="2" name="Segnaposto immagine diapositiva 1"/>
+          <p:cNvSpPr>
+            <a:spLocks noGrp="1" noRot="1" noChangeAspect="1"/>
+          </p:cNvSpPr>
+          <p:nvPr>
+            <p:ph type="sldImg"/>
+          </p:nvPr>
+        </p:nvSpPr>
+        <p:spPr/>
+      </p:sp>
+      <p:sp>
+        <p:nvSpPr>
+          <p:cNvPr id="3" name="Segnaposto note 2"/>
+          <p:cNvSpPr>
+            <a:spLocks noGrp="1"/>
+          </p:cNvSpPr>
+          <p:nvPr>
+            <p:ph type="body" idx="1"/>
+          </p:nvPr>
+        </p:nvSpPr>
+        <p:spPr/>
+        <p:txBody>
+          <a:bodyPr/>
+          <a:lstStyle/>
+          <a:p>
+            <a:endParaRPr lang="en-GB" dirty="0"/>
+          </a:p>
+        </p:txBody>
+      </p:sp>
+      <p:sp>
+        <p:nvSpPr>
+          <p:cNvPr id="4" name="Segnaposto piè di pagina 3"/>
+          <p:cNvSpPr>
+            <a:spLocks noGrp="1"/>
+          </p:cNvSpPr>
+          <p:nvPr>
+            <p:ph type="ftr" sz="quarter" idx="4"/>
+          </p:nvPr>
+        </p:nvSpPr>
+        <p:spPr/>
+        <p:txBody>
+          <a:bodyPr/>
+          <a:lstStyle/>
+          <a:p>
+            <a:endParaRPr lang="en-GB"/>
+          </a:p>
+        </p:txBody>
+      </p:sp>
+      <p:sp>
+        <p:nvSpPr>
+          <p:cNvPr id="5" name="Segnaposto numero diapositiva 4"/>
+          <p:cNvSpPr>
+            <a:spLocks noGrp="1"/>
+          </p:cNvSpPr>
+          <p:nvPr>
+            <p:ph type="sldNum" sz="quarter" idx="5"/>
+          </p:nvPr>
+        </p:nvSpPr>
+        <p:spPr/>
+        <p:txBody>
+          <a:bodyPr/>
+          <a:lstStyle/>
+          <a:p>
+            <a:fld id="{9CDF745B-B3CB-4281-BB1A-F01DDA96301C}" type="slidenum">
+              <a:rPr lang="en-GB" smtClean="0"/>
+              <a:t>3</a:t>
+            </a:fld>
+            <a:endParaRPr lang="en-GB"/>
+          </a:p>
+        </p:txBody>
+      </p:sp>
+    </p:spTree>
+    <p:extLst>
+      <p:ext uri="{BB962C8B-B14F-4D97-AF65-F5344CB8AC3E}">
+        <p14:creationId xmlns:p14="http://schemas.microsoft.com/office/powerpoint/2010/main" val="573218943"/>
+      </p:ext>
+    </p:extLst>
+  </p:cSld>
+  <p:clrMapOvr>
+    <a:masterClrMapping/>
+  </p:clrMapOvr>
+</p:notes>
+</file>
+
+<file path=ppt/notesSlides/notesSlide4.xml><?xml version="1.0" encoding="utf-8"?>
+<p:notes xmlns:a="http://schemas.openxmlformats.org/drawingml/2006/main" xmlns:r="http://schemas.openxmlformats.org/officeDocument/2006/relationships" xmlns:p="http://schemas.openxmlformats.org/presentationml/2006/main">
+  <p:cSld>
+    <p:spTree>
+      <p:nvGrpSpPr>
         <p:cNvPr id="1" name="">
           <a:extLst>
             <a:ext uri="{FF2B5EF4-FFF2-40B4-BE49-F238E27FC236}">
@@ -1608,7 +2245,7 @@
 </p:notes>
 </file>
 
-<file path=ppt/notesSlides/notesSlide4.xml><?xml version="1.0" encoding="utf-8"?>
+<file path=ppt/notesSlides/notesSlide5.xml><?xml version="1.0" encoding="utf-8"?>
 <p:notes xmlns:a="http://schemas.openxmlformats.org/drawingml/2006/main" xmlns:r="http://schemas.openxmlformats.org/officeDocument/2006/relationships" xmlns:p="http://schemas.openxmlformats.org/presentationml/2006/main">
   <p:cSld>
     <p:spTree>
@@ -1741,7 +2378,7 @@
 </p:notes>
 </file>
 
-<file path=ppt/notesSlides/notesSlide5.xml><?xml version="1.0" encoding="utf-8"?>
+<file path=ppt/notesSlides/notesSlide6.xml><?xml version="1.0" encoding="utf-8"?>
 <p:notes xmlns:a="http://schemas.openxmlformats.org/drawingml/2006/main" xmlns:r="http://schemas.openxmlformats.org/officeDocument/2006/relationships" xmlns:p="http://schemas.openxmlformats.org/presentationml/2006/main">
   <p:cSld>
     <p:spTree>
@@ -1874,7 +2511,7 @@
 </p:notes>
 </file>
 
-<file path=ppt/notesSlides/notesSlide6.xml><?xml version="1.0" encoding="utf-8"?>
+<file path=ppt/notesSlides/notesSlide7.xml><?xml version="1.0" encoding="utf-8"?>
 <p:notes xmlns:a="http://schemas.openxmlformats.org/drawingml/2006/main" xmlns:r="http://schemas.openxmlformats.org/officeDocument/2006/relationships" xmlns:p="http://schemas.openxmlformats.org/presentationml/2006/main">
   <p:cSld>
     <p:spTree>
@@ -2007,7 +2644,7 @@
 </p:notes>
 </file>
 
-<file path=ppt/notesSlides/notesSlide7.xml><?xml version="1.0" encoding="utf-8"?>
+<file path=ppt/notesSlides/notesSlide8.xml><?xml version="1.0" encoding="utf-8"?>
 <p:notes xmlns:a="http://schemas.openxmlformats.org/drawingml/2006/main" xmlns:r="http://schemas.openxmlformats.org/officeDocument/2006/relationships" xmlns:p="http://schemas.openxmlformats.org/presentationml/2006/main">
   <p:cSld>
     <p:spTree>
@@ -2140,7 +2777,7 @@
 </p:notes>
 </file>
 
-<file path=ppt/notesSlides/notesSlide8.xml><?xml version="1.0" encoding="utf-8"?>
+<file path=ppt/notesSlides/notesSlide9.xml><?xml version="1.0" encoding="utf-8"?>
 <p:notes xmlns:a="http://schemas.openxmlformats.org/drawingml/2006/main" xmlns:r="http://schemas.openxmlformats.org/officeDocument/2006/relationships" xmlns:p="http://schemas.openxmlformats.org/presentationml/2006/main">
   <p:cSld>
     <p:spTree>
@@ -2354,139 +2991,6 @@
     <p:extLst>
       <p:ext uri="{BB962C8B-B14F-4D97-AF65-F5344CB8AC3E}">
         <p14:creationId xmlns:p14="http://schemas.microsoft.com/office/powerpoint/2010/main" val="70064356"/>
-      </p:ext>
-    </p:extLst>
-  </p:cSld>
-  <p:clrMapOvr>
-    <a:masterClrMapping/>
-  </p:clrMapOvr>
-</p:notes>
-</file>
-
-<file path=ppt/notesSlides/notesSlide9.xml><?xml version="1.0" encoding="utf-8"?>
-<p:notes xmlns:a="http://schemas.openxmlformats.org/drawingml/2006/main" xmlns:r="http://schemas.openxmlformats.org/officeDocument/2006/relationships" xmlns:p="http://schemas.openxmlformats.org/presentationml/2006/main">
-  <p:cSld>
-    <p:spTree>
-      <p:nvGrpSpPr>
-        <p:cNvPr id="1" name="">
-          <a:extLst>
-            <a:ext uri="{FF2B5EF4-FFF2-40B4-BE49-F238E27FC236}">
-              <a16:creationId xmlns:a16="http://schemas.microsoft.com/office/drawing/2014/main" id="{4755540F-EF11-34C8-0D77-D1ACE2FF194E}"/>
-            </a:ext>
-          </a:extLst>
-        </p:cNvPr>
-        <p:cNvGrpSpPr/>
-        <p:nvPr/>
-      </p:nvGrpSpPr>
-      <p:grpSpPr>
-        <a:xfrm>
-          <a:off x="0" y="0"/>
-          <a:ext cx="0" cy="0"/>
-          <a:chOff x="0" y="0"/>
-          <a:chExt cx="0" cy="0"/>
-        </a:xfrm>
-      </p:grpSpPr>
-      <p:sp>
-        <p:nvSpPr>
-          <p:cNvPr id="2" name="Segnaposto immagine diapositiva 1">
-            <a:extLst>
-              <a:ext uri="{FF2B5EF4-FFF2-40B4-BE49-F238E27FC236}">
-                <a16:creationId xmlns:a16="http://schemas.microsoft.com/office/drawing/2014/main" id="{A2F331BF-53C8-C78F-E31A-BAB8C2768E20}"/>
-              </a:ext>
-            </a:extLst>
-          </p:cNvPr>
-          <p:cNvSpPr>
-            <a:spLocks noGrp="1" noRot="1" noChangeAspect="1"/>
-          </p:cNvSpPr>
-          <p:nvPr>
-            <p:ph type="sldImg"/>
-          </p:nvPr>
-        </p:nvSpPr>
-        <p:spPr/>
-      </p:sp>
-      <p:sp>
-        <p:nvSpPr>
-          <p:cNvPr id="3" name="Segnaposto note 2">
-            <a:extLst>
-              <a:ext uri="{FF2B5EF4-FFF2-40B4-BE49-F238E27FC236}">
-                <a16:creationId xmlns:a16="http://schemas.microsoft.com/office/drawing/2014/main" id="{612C9DFD-622B-4338-5CB2-3BB4B8F1FE39}"/>
-              </a:ext>
-            </a:extLst>
-          </p:cNvPr>
-          <p:cNvSpPr>
-            <a:spLocks noGrp="1"/>
-          </p:cNvSpPr>
-          <p:nvPr>
-            <p:ph type="body" idx="1"/>
-          </p:nvPr>
-        </p:nvSpPr>
-        <p:spPr/>
-        <p:txBody>
-          <a:bodyPr/>
-          <a:lstStyle/>
-          <a:p>
-            <a:endParaRPr lang="en-GB" dirty="0"/>
-          </a:p>
-        </p:txBody>
-      </p:sp>
-      <p:sp>
-        <p:nvSpPr>
-          <p:cNvPr id="4" name="Segnaposto numero diapositiva 3">
-            <a:extLst>
-              <a:ext uri="{FF2B5EF4-FFF2-40B4-BE49-F238E27FC236}">
-                <a16:creationId xmlns:a16="http://schemas.microsoft.com/office/drawing/2014/main" id="{1AA1D8F7-C4FB-D0A4-5D7A-73093C8D693C}"/>
-              </a:ext>
-            </a:extLst>
-          </p:cNvPr>
-          <p:cNvSpPr>
-            <a:spLocks noGrp="1"/>
-          </p:cNvSpPr>
-          <p:nvPr>
-            <p:ph type="sldNum" sz="quarter" idx="5"/>
-          </p:nvPr>
-        </p:nvSpPr>
-        <p:spPr/>
-        <p:txBody>
-          <a:bodyPr/>
-          <a:lstStyle/>
-          <a:p>
-            <a:fld id="{9CDF745B-B3CB-4281-BB1A-F01DDA96301C}" type="slidenum">
-              <a:rPr lang="en-GB" smtClean="0"/>
-              <a:t>11</a:t>
-            </a:fld>
-            <a:endParaRPr lang="en-GB"/>
-          </a:p>
-        </p:txBody>
-      </p:sp>
-      <p:sp>
-        <p:nvSpPr>
-          <p:cNvPr id="5" name="Segnaposto piè di pagina 4">
-            <a:extLst>
-              <a:ext uri="{FF2B5EF4-FFF2-40B4-BE49-F238E27FC236}">
-                <a16:creationId xmlns:a16="http://schemas.microsoft.com/office/drawing/2014/main" id="{B59CCDFA-0ABC-C76A-1366-9D9337145B43}"/>
-              </a:ext>
-            </a:extLst>
-          </p:cNvPr>
-          <p:cNvSpPr>
-            <a:spLocks noGrp="1"/>
-          </p:cNvSpPr>
-          <p:nvPr>
-            <p:ph type="ftr" sz="quarter" idx="4"/>
-          </p:nvPr>
-        </p:nvSpPr>
-        <p:spPr/>
-        <p:txBody>
-          <a:bodyPr/>
-          <a:lstStyle/>
-          <a:p>
-            <a:endParaRPr lang="en-GB"/>
-          </a:p>
-        </p:txBody>
-      </p:sp>
-    </p:spTree>
-    <p:extLst>
-      <p:ext uri="{BB962C8B-B14F-4D97-AF65-F5344CB8AC3E}">
-        <p14:creationId xmlns:p14="http://schemas.microsoft.com/office/powerpoint/2010/main" val="2503364141"/>
       </p:ext>
     </p:extLst>
   </p:cSld>
@@ -8982,7 +9486,7 @@
         <p:spPr>
           <a:xfrm>
             <a:off x="4727575" y="1749374"/>
-            <a:ext cx="2736850" cy="430887"/>
+            <a:ext cx="2736850" cy="461665"/>
           </a:xfrm>
           <a:prstGeom prst="rect">
             <a:avLst/>
@@ -9013,7 +9517,7 @@
               <a:defRPr/>
             </a:pPr>
             <a:r>
-              <a:rPr kumimoji="0" lang="it-IT" sz="2200" b="0" i="0" u="none" strike="noStrike" kern="1200" cap="none" spc="0" normalizeH="0" baseline="0" noProof="0" dirty="0" err="1">
+              <a:rPr kumimoji="0" lang="it-IT" sz="2400" b="0" i="0" u="none" strike="noStrike" kern="1200" cap="none" spc="0" normalizeH="0" baseline="0" noProof="0" dirty="0" err="1">
                 <a:ln>
                   <a:noFill/>
                 </a:ln>
@@ -9108,12 +9612,15 @@
           </a:bodyPr>
           <a:lstStyle/>
           <a:p>
-            <a:pPr marL="285750" indent="-285750">
+            <a:pPr marL="342900" indent="-342900">
               <a:lnSpc>
                 <a:spcPct val="150000"/>
               </a:lnSpc>
-              <a:buFont typeface="Arial" panose="020B0604020202020204" pitchFamily="34" charset="0"/>
-              <a:buChar char="•"/>
+              <a:buClr>
+                <a:srgbClr val="FF0000"/>
+              </a:buClr>
+              <a:buFont typeface="Wingdings" panose="05000000000000000000" pitchFamily="2" charset="2"/>
+              <a:buChar char="Ø"/>
             </a:pPr>
             <a:r>
               <a:rPr lang="en-US" sz="2400" dirty="0"/>
@@ -9186,12 +9693,15 @@
             <a:endParaRPr lang="it-IT" sz="2400" dirty="0"/>
           </a:p>
           <a:p>
-            <a:pPr marL="285750" indent="-285750">
+            <a:pPr marL="342900" indent="-342900">
               <a:lnSpc>
                 <a:spcPct val="150000"/>
               </a:lnSpc>
-              <a:buFont typeface="Arial" panose="020B0604020202020204" pitchFamily="34" charset="0"/>
-              <a:buChar char="•"/>
+              <a:buClr>
+                <a:srgbClr val="FF0000"/>
+              </a:buClr>
+              <a:buFont typeface="Wingdings" panose="05000000000000000000" pitchFamily="2" charset="2"/>
+              <a:buChar char="Ø"/>
             </a:pPr>
             <a:r>
               <a:rPr lang="it-IT" sz="2400" dirty="0"/>
@@ -9239,12 +9749,15 @@
             </a:r>
           </a:p>
           <a:p>
-            <a:pPr marL="285750" indent="-285750">
+            <a:pPr marL="342900" indent="-342900">
               <a:lnSpc>
                 <a:spcPct val="150000"/>
               </a:lnSpc>
-              <a:buFont typeface="Arial" panose="020B0604020202020204" pitchFamily="34" charset="0"/>
-              <a:buChar char="•"/>
+              <a:buClr>
+                <a:srgbClr val="FF0000"/>
+              </a:buClr>
+              <a:buFont typeface="Wingdings" panose="05000000000000000000" pitchFamily="2" charset="2"/>
+              <a:buChar char="Ø"/>
             </a:pPr>
             <a:r>
               <a:rPr lang="it-IT" sz="2400" dirty="0" err="1"/>
@@ -9312,12 +9825,15 @@
             </a:r>
           </a:p>
           <a:p>
-            <a:pPr marL="285750" indent="-285750">
+            <a:pPr marL="342900" indent="-342900">
               <a:lnSpc>
                 <a:spcPct val="150000"/>
               </a:lnSpc>
-              <a:buFont typeface="Arial" panose="020B0604020202020204" pitchFamily="34" charset="0"/>
-              <a:buChar char="•"/>
+              <a:buClr>
+                <a:srgbClr val="FF0000"/>
+              </a:buClr>
+              <a:buFont typeface="Wingdings" panose="05000000000000000000" pitchFamily="2" charset="2"/>
+              <a:buChar char="Ø"/>
             </a:pPr>
             <a:r>
               <a:rPr lang="it-IT" sz="2400" dirty="0" err="1"/>
@@ -9397,7 +9913,13 @@
   <p:cSld>
     <p:spTree>
       <p:nvGrpSpPr>
-        <p:cNvPr id="1" name=""/>
+        <p:cNvPr id="1" name="">
+          <a:extLst>
+            <a:ext uri="{FF2B5EF4-FFF2-40B4-BE49-F238E27FC236}">
+              <a16:creationId xmlns:a16="http://schemas.microsoft.com/office/drawing/2014/main" id="{B60EA1EE-A018-2E1C-B0EC-7DC03F3D772A}"/>
+            </a:ext>
+          </a:extLst>
+        </p:cNvPr>
         <p:cNvGrpSpPr/>
         <p:nvPr/>
       </p:nvGrpSpPr>
@@ -9411,1568 +9933,7 @@
       </p:grpSpPr>
       <p:sp>
         <p:nvSpPr>
-          <p:cNvPr id="2" name="Title 1">
-            <a:extLst>
-              <a:ext uri="{FF2B5EF4-FFF2-40B4-BE49-F238E27FC236}">
-                <a16:creationId xmlns:a16="http://schemas.microsoft.com/office/drawing/2014/main" id="{E2927949-F476-4BCE-629A-71EA451FF599}"/>
-              </a:ext>
-            </a:extLst>
-          </p:cNvPr>
-          <p:cNvSpPr>
-            <a:spLocks noGrp="1"/>
-          </p:cNvSpPr>
-          <p:nvPr>
-            <p:ph type="title"/>
-          </p:nvPr>
-        </p:nvSpPr>
-        <p:spPr>
-          <a:xfrm>
-            <a:off x="431800" y="980198"/>
-            <a:ext cx="9045832" cy="534988"/>
-          </a:xfrm>
-        </p:spPr>
-        <p:txBody>
-          <a:bodyPr>
-            <a:normAutofit/>
-          </a:bodyPr>
-          <a:lstStyle/>
-          <a:p>
-            <a:r>
-              <a:rPr lang="en-KZ" sz="1800" dirty="0">
-                <a:latin typeface="Jost Medium" pitchFamily="2" charset="77"/>
-                <a:ea typeface="Jost Medium" pitchFamily="2" charset="77"/>
-              </a:rPr>
-              <a:t>What is Levenberg-Marquardt (LM) Method?</a:t>
-            </a:r>
-          </a:p>
-        </p:txBody>
-      </p:sp>
-      <p:cxnSp>
-        <p:nvCxnSpPr>
-          <p:cNvPr id="6" name="Straight Connector 5">
-            <a:extLst>
-              <a:ext uri="{FF2B5EF4-FFF2-40B4-BE49-F238E27FC236}">
-                <a16:creationId xmlns:a16="http://schemas.microsoft.com/office/drawing/2014/main" id="{B07C22B3-5978-C3A7-2CDE-7CC5F6745853}"/>
-              </a:ext>
-            </a:extLst>
-          </p:cNvPr>
-          <p:cNvCxnSpPr>
-            <a:cxnSpLocks/>
-          </p:cNvCxnSpPr>
-          <p:nvPr/>
-        </p:nvCxnSpPr>
-        <p:spPr>
-          <a:xfrm>
-            <a:off x="431800" y="1515186"/>
-            <a:ext cx="9711558" cy="0"/>
-          </a:xfrm>
-          <a:prstGeom prst="line">
-            <a:avLst/>
-          </a:prstGeom>
-          <a:ln w="28575">
-            <a:solidFill>
-              <a:srgbClr val="8F061A"/>
-            </a:solidFill>
-          </a:ln>
-        </p:spPr>
-        <p:style>
-          <a:lnRef idx="1">
-            <a:schemeClr val="accent1"/>
-          </a:lnRef>
-          <a:fillRef idx="0">
-            <a:schemeClr val="accent1"/>
-          </a:fillRef>
-          <a:effectRef idx="0">
-            <a:schemeClr val="accent1"/>
-          </a:effectRef>
-          <a:fontRef idx="minor">
-            <a:schemeClr val="tx1"/>
-          </a:fontRef>
-        </p:style>
-      </p:cxnSp>
-      <p:grpSp>
-        <p:nvGrpSpPr>
-          <p:cNvPr id="8" name="Group 7">
-            <a:extLst>
-              <a:ext uri="{FF2B5EF4-FFF2-40B4-BE49-F238E27FC236}">
-                <a16:creationId xmlns:a16="http://schemas.microsoft.com/office/drawing/2014/main" id="{64519B29-6C2D-437F-2D5D-CCD987C4BC72}"/>
-              </a:ext>
-            </a:extLst>
-          </p:cNvPr>
-          <p:cNvGrpSpPr/>
-          <p:nvPr/>
-        </p:nvGrpSpPr>
-        <p:grpSpPr>
-          <a:xfrm flipH="1">
-            <a:off x="6014977" y="2329400"/>
-            <a:ext cx="162043" cy="3164400"/>
-            <a:chOff x="8279130" y="1995049"/>
-            <a:chExt cx="201602" cy="3932723"/>
-          </a:xfrm>
-        </p:grpSpPr>
-        <p:pic>
-          <p:nvPicPr>
-            <p:cNvPr id="9" name="Picture 8" descr="Shape&#10;&#10;Description automatically generated">
-              <a:extLst>
-                <a:ext uri="{FF2B5EF4-FFF2-40B4-BE49-F238E27FC236}">
-                  <a16:creationId xmlns:a16="http://schemas.microsoft.com/office/drawing/2014/main" id="{0DDB8537-C0D3-F7D1-5BC0-223987B18824}"/>
-                </a:ext>
-              </a:extLst>
-            </p:cNvPr>
-            <p:cNvPicPr>
-              <a:picLocks noChangeAspect="1"/>
-            </p:cNvPicPr>
-            <p:nvPr/>
-          </p:nvPicPr>
-          <p:blipFill>
-            <a:blip r:embed="rId2"/>
-            <a:stretch>
-              <a:fillRect/>
-            </a:stretch>
-          </p:blipFill>
-          <p:spPr>
-            <a:xfrm>
-              <a:off x="8279130" y="1995049"/>
-              <a:ext cx="201600" cy="201600"/>
-            </a:xfrm>
-            <a:prstGeom prst="rect">
-              <a:avLst/>
-            </a:prstGeom>
-            <a:ln>
-              <a:noFill/>
-            </a:ln>
-          </p:spPr>
-        </p:pic>
-        <p:pic>
-          <p:nvPicPr>
-            <p:cNvPr id="10" name="Picture 9" descr="Shape&#10;&#10;Description automatically generated">
-              <a:extLst>
-                <a:ext uri="{FF2B5EF4-FFF2-40B4-BE49-F238E27FC236}">
-                  <a16:creationId xmlns:a16="http://schemas.microsoft.com/office/drawing/2014/main" id="{26ABF83E-D09A-A3F9-6E67-6E93EB3513CC}"/>
-                </a:ext>
-              </a:extLst>
-            </p:cNvPr>
-            <p:cNvPicPr>
-              <a:picLocks noChangeAspect="1"/>
-            </p:cNvPicPr>
-            <p:nvPr/>
-          </p:nvPicPr>
-          <p:blipFill>
-            <a:blip r:embed="rId2"/>
-            <a:stretch>
-              <a:fillRect/>
-            </a:stretch>
-          </p:blipFill>
-          <p:spPr>
-            <a:xfrm>
-              <a:off x="8279130" y="2257443"/>
-              <a:ext cx="201600" cy="201600"/>
-            </a:xfrm>
-            <a:prstGeom prst="rect">
-              <a:avLst/>
-            </a:prstGeom>
-            <a:ln>
-              <a:noFill/>
-            </a:ln>
-          </p:spPr>
-        </p:pic>
-        <p:pic>
-          <p:nvPicPr>
-            <p:cNvPr id="11" name="Picture 10" descr="Shape&#10;&#10;Description automatically generated">
-              <a:extLst>
-                <a:ext uri="{FF2B5EF4-FFF2-40B4-BE49-F238E27FC236}">
-                  <a16:creationId xmlns:a16="http://schemas.microsoft.com/office/drawing/2014/main" id="{CCA1D584-D24E-AD4B-A5B0-44050EE6B5C8}"/>
-                </a:ext>
-              </a:extLst>
-            </p:cNvPr>
-            <p:cNvPicPr>
-              <a:picLocks noChangeAspect="1"/>
-            </p:cNvPicPr>
-            <p:nvPr/>
-          </p:nvPicPr>
-          <p:blipFill>
-            <a:blip r:embed="rId2"/>
-            <a:stretch>
-              <a:fillRect/>
-            </a:stretch>
-          </p:blipFill>
-          <p:spPr>
-            <a:xfrm>
-              <a:off x="8279130" y="2525074"/>
-              <a:ext cx="201600" cy="201600"/>
-            </a:xfrm>
-            <a:prstGeom prst="rect">
-              <a:avLst/>
-            </a:prstGeom>
-            <a:ln>
-              <a:noFill/>
-            </a:ln>
-          </p:spPr>
-        </p:pic>
-        <p:pic>
-          <p:nvPicPr>
-            <p:cNvPr id="12" name="Picture 11" descr="Shape&#10;&#10;Description automatically generated">
-              <a:extLst>
-                <a:ext uri="{FF2B5EF4-FFF2-40B4-BE49-F238E27FC236}">
-                  <a16:creationId xmlns:a16="http://schemas.microsoft.com/office/drawing/2014/main" id="{B1DEA503-2A48-D1DB-FF32-CD6871B8D9FE}"/>
-                </a:ext>
-              </a:extLst>
-            </p:cNvPr>
-            <p:cNvPicPr>
-              <a:picLocks noChangeAspect="1"/>
-            </p:cNvPicPr>
-            <p:nvPr/>
-          </p:nvPicPr>
-          <p:blipFill>
-            <a:blip r:embed="rId2"/>
-            <a:stretch>
-              <a:fillRect/>
-            </a:stretch>
-          </p:blipFill>
-          <p:spPr>
-            <a:xfrm>
-              <a:off x="8279130" y="2792705"/>
-              <a:ext cx="201600" cy="201600"/>
-            </a:xfrm>
-            <a:prstGeom prst="rect">
-              <a:avLst/>
-            </a:prstGeom>
-            <a:ln>
-              <a:noFill/>
-            </a:ln>
-          </p:spPr>
-        </p:pic>
-        <p:pic>
-          <p:nvPicPr>
-            <p:cNvPr id="13" name="Picture 12" descr="Shape&#10;&#10;Description automatically generated">
-              <a:extLst>
-                <a:ext uri="{FF2B5EF4-FFF2-40B4-BE49-F238E27FC236}">
-                  <a16:creationId xmlns:a16="http://schemas.microsoft.com/office/drawing/2014/main" id="{84306BC2-5B3B-FED3-02DA-1ABDF8045907}"/>
-                </a:ext>
-              </a:extLst>
-            </p:cNvPr>
-            <p:cNvPicPr>
-              <a:picLocks noChangeAspect="1"/>
-            </p:cNvPicPr>
-            <p:nvPr/>
-          </p:nvPicPr>
-          <p:blipFill>
-            <a:blip r:embed="rId2"/>
-            <a:stretch>
-              <a:fillRect/>
-            </a:stretch>
-          </p:blipFill>
-          <p:spPr>
-            <a:xfrm>
-              <a:off x="8279130" y="3060336"/>
-              <a:ext cx="201600" cy="201600"/>
-            </a:xfrm>
-            <a:prstGeom prst="rect">
-              <a:avLst/>
-            </a:prstGeom>
-            <a:ln>
-              <a:noFill/>
-            </a:ln>
-          </p:spPr>
-        </p:pic>
-        <p:pic>
-          <p:nvPicPr>
-            <p:cNvPr id="14" name="Picture 13" descr="Shape&#10;&#10;Description automatically generated">
-              <a:extLst>
-                <a:ext uri="{FF2B5EF4-FFF2-40B4-BE49-F238E27FC236}">
-                  <a16:creationId xmlns:a16="http://schemas.microsoft.com/office/drawing/2014/main" id="{85B62D0E-EB08-85F6-9ADE-CEB8637EBF68}"/>
-                </a:ext>
-              </a:extLst>
-            </p:cNvPr>
-            <p:cNvPicPr>
-              <a:picLocks noChangeAspect="1"/>
-            </p:cNvPicPr>
-            <p:nvPr/>
-          </p:nvPicPr>
-          <p:blipFill>
-            <a:blip r:embed="rId2"/>
-            <a:stretch>
-              <a:fillRect/>
-            </a:stretch>
-          </p:blipFill>
-          <p:spPr>
-            <a:xfrm>
-              <a:off x="8279130" y="3327967"/>
-              <a:ext cx="201600" cy="201600"/>
-            </a:xfrm>
-            <a:prstGeom prst="rect">
-              <a:avLst/>
-            </a:prstGeom>
-            <a:ln>
-              <a:noFill/>
-            </a:ln>
-          </p:spPr>
-        </p:pic>
-        <p:pic>
-          <p:nvPicPr>
-            <p:cNvPr id="15" name="Picture 14" descr="Shape&#10;&#10;Description automatically generated">
-              <a:extLst>
-                <a:ext uri="{FF2B5EF4-FFF2-40B4-BE49-F238E27FC236}">
-                  <a16:creationId xmlns:a16="http://schemas.microsoft.com/office/drawing/2014/main" id="{60228803-9B5F-FE17-AEAE-137A8081E908}"/>
-                </a:ext>
-              </a:extLst>
-            </p:cNvPr>
-            <p:cNvPicPr>
-              <a:picLocks noChangeAspect="1"/>
-            </p:cNvPicPr>
-            <p:nvPr/>
-          </p:nvPicPr>
-          <p:blipFill>
-            <a:blip r:embed="rId2"/>
-            <a:stretch>
-              <a:fillRect/>
-            </a:stretch>
-          </p:blipFill>
-          <p:spPr>
-            <a:xfrm>
-              <a:off x="8279130" y="3590361"/>
-              <a:ext cx="201600" cy="201600"/>
-            </a:xfrm>
-            <a:prstGeom prst="rect">
-              <a:avLst/>
-            </a:prstGeom>
-            <a:ln>
-              <a:noFill/>
-            </a:ln>
-          </p:spPr>
-        </p:pic>
-        <p:pic>
-          <p:nvPicPr>
-            <p:cNvPr id="16" name="Picture 15" descr="Shape&#10;&#10;Description automatically generated">
-              <a:extLst>
-                <a:ext uri="{FF2B5EF4-FFF2-40B4-BE49-F238E27FC236}">
-                  <a16:creationId xmlns:a16="http://schemas.microsoft.com/office/drawing/2014/main" id="{4BC20CFB-F86A-523D-E736-9DC5339DA0D6}"/>
-                </a:ext>
-              </a:extLst>
-            </p:cNvPr>
-            <p:cNvPicPr>
-              <a:picLocks noChangeAspect="1"/>
-            </p:cNvPicPr>
-            <p:nvPr/>
-          </p:nvPicPr>
-          <p:blipFill>
-            <a:blip r:embed="rId2"/>
-            <a:stretch>
-              <a:fillRect/>
-            </a:stretch>
-          </p:blipFill>
-          <p:spPr>
-            <a:xfrm>
-              <a:off x="8279130" y="3857992"/>
-              <a:ext cx="201600" cy="201600"/>
-            </a:xfrm>
-            <a:prstGeom prst="rect">
-              <a:avLst/>
-            </a:prstGeom>
-            <a:ln>
-              <a:noFill/>
-            </a:ln>
-          </p:spPr>
-        </p:pic>
-        <p:pic>
-          <p:nvPicPr>
-            <p:cNvPr id="17" name="Picture 16" descr="Shape&#10;&#10;Description automatically generated">
-              <a:extLst>
-                <a:ext uri="{FF2B5EF4-FFF2-40B4-BE49-F238E27FC236}">
-                  <a16:creationId xmlns:a16="http://schemas.microsoft.com/office/drawing/2014/main" id="{41BF8784-63FA-7857-DCB3-A332A29CC5F2}"/>
-                </a:ext>
-              </a:extLst>
-            </p:cNvPr>
-            <p:cNvPicPr>
-              <a:picLocks noChangeAspect="1"/>
-            </p:cNvPicPr>
-            <p:nvPr/>
-          </p:nvPicPr>
-          <p:blipFill>
-            <a:blip r:embed="rId2"/>
-            <a:stretch>
-              <a:fillRect/>
-            </a:stretch>
-          </p:blipFill>
-          <p:spPr>
-            <a:xfrm>
-              <a:off x="8279132" y="4125623"/>
-              <a:ext cx="201600" cy="201600"/>
-            </a:xfrm>
-            <a:prstGeom prst="rect">
-              <a:avLst/>
-            </a:prstGeom>
-            <a:ln>
-              <a:noFill/>
-            </a:ln>
-          </p:spPr>
-        </p:pic>
-        <p:pic>
-          <p:nvPicPr>
-            <p:cNvPr id="18" name="Picture 17" descr="Shape&#10;&#10;Description automatically generated">
-              <a:extLst>
-                <a:ext uri="{FF2B5EF4-FFF2-40B4-BE49-F238E27FC236}">
-                  <a16:creationId xmlns:a16="http://schemas.microsoft.com/office/drawing/2014/main" id="{5DF0C58E-C99A-8E73-8FFA-4AD7D24459BF}"/>
-                </a:ext>
-              </a:extLst>
-            </p:cNvPr>
-            <p:cNvPicPr>
-              <a:picLocks noChangeAspect="1"/>
-            </p:cNvPicPr>
-            <p:nvPr/>
-          </p:nvPicPr>
-          <p:blipFill>
-            <a:blip r:embed="rId2"/>
-            <a:stretch>
-              <a:fillRect/>
-            </a:stretch>
-          </p:blipFill>
-          <p:spPr>
-            <a:xfrm>
-              <a:off x="8279130" y="4393254"/>
-              <a:ext cx="201600" cy="201600"/>
-            </a:xfrm>
-            <a:prstGeom prst="rect">
-              <a:avLst/>
-            </a:prstGeom>
-            <a:ln>
-              <a:noFill/>
-            </a:ln>
-          </p:spPr>
-        </p:pic>
-        <p:pic>
-          <p:nvPicPr>
-            <p:cNvPr id="19" name="Picture 18" descr="Shape&#10;&#10;Description automatically generated">
-              <a:extLst>
-                <a:ext uri="{FF2B5EF4-FFF2-40B4-BE49-F238E27FC236}">
-                  <a16:creationId xmlns:a16="http://schemas.microsoft.com/office/drawing/2014/main" id="{15CB782F-FC33-3800-C851-1989556FDDEE}"/>
-                </a:ext>
-              </a:extLst>
-            </p:cNvPr>
-            <p:cNvPicPr>
-              <a:picLocks noChangeAspect="1"/>
-            </p:cNvPicPr>
-            <p:nvPr/>
-          </p:nvPicPr>
-          <p:blipFill>
-            <a:blip r:embed="rId2"/>
-            <a:stretch>
-              <a:fillRect/>
-            </a:stretch>
-          </p:blipFill>
-          <p:spPr>
-            <a:xfrm>
-              <a:off x="8279130" y="4660885"/>
-              <a:ext cx="201600" cy="201600"/>
-            </a:xfrm>
-            <a:prstGeom prst="rect">
-              <a:avLst/>
-            </a:prstGeom>
-            <a:ln>
-              <a:noFill/>
-            </a:ln>
-          </p:spPr>
-        </p:pic>
-        <p:pic>
-          <p:nvPicPr>
-            <p:cNvPr id="20" name="Picture 19" descr="Shape&#10;&#10;Description automatically generated">
-              <a:extLst>
-                <a:ext uri="{FF2B5EF4-FFF2-40B4-BE49-F238E27FC236}">
-                  <a16:creationId xmlns:a16="http://schemas.microsoft.com/office/drawing/2014/main" id="{9B56A7A5-D22D-3254-2F6F-FCE68B0CF6B6}"/>
-                </a:ext>
-              </a:extLst>
-            </p:cNvPr>
-            <p:cNvPicPr>
-              <a:picLocks noChangeAspect="1"/>
-            </p:cNvPicPr>
-            <p:nvPr/>
-          </p:nvPicPr>
-          <p:blipFill>
-            <a:blip r:embed="rId2"/>
-            <a:stretch>
-              <a:fillRect/>
-            </a:stretch>
-          </p:blipFill>
-          <p:spPr>
-            <a:xfrm>
-              <a:off x="8279130" y="4923279"/>
-              <a:ext cx="201600" cy="201600"/>
-            </a:xfrm>
-            <a:prstGeom prst="rect">
-              <a:avLst/>
-            </a:prstGeom>
-            <a:ln>
-              <a:noFill/>
-            </a:ln>
-          </p:spPr>
-        </p:pic>
-        <p:pic>
-          <p:nvPicPr>
-            <p:cNvPr id="21" name="Picture 20" descr="Shape&#10;&#10;Description automatically generated">
-              <a:extLst>
-                <a:ext uri="{FF2B5EF4-FFF2-40B4-BE49-F238E27FC236}">
-                  <a16:creationId xmlns:a16="http://schemas.microsoft.com/office/drawing/2014/main" id="{526A92B1-82ED-1340-D0D4-5DC2795319F0}"/>
-                </a:ext>
-              </a:extLst>
-            </p:cNvPr>
-            <p:cNvPicPr>
-              <a:picLocks noChangeAspect="1"/>
-            </p:cNvPicPr>
-            <p:nvPr/>
-          </p:nvPicPr>
-          <p:blipFill>
-            <a:blip r:embed="rId2"/>
-            <a:stretch>
-              <a:fillRect/>
-            </a:stretch>
-          </p:blipFill>
-          <p:spPr>
-            <a:xfrm>
-              <a:off x="8279130" y="5190910"/>
-              <a:ext cx="201600" cy="201600"/>
-            </a:xfrm>
-            <a:prstGeom prst="rect">
-              <a:avLst/>
-            </a:prstGeom>
-            <a:ln>
-              <a:noFill/>
-            </a:ln>
-          </p:spPr>
-        </p:pic>
-        <p:pic>
-          <p:nvPicPr>
-            <p:cNvPr id="22" name="Picture 21" descr="Shape&#10;&#10;Description automatically generated">
-              <a:extLst>
-                <a:ext uri="{FF2B5EF4-FFF2-40B4-BE49-F238E27FC236}">
-                  <a16:creationId xmlns:a16="http://schemas.microsoft.com/office/drawing/2014/main" id="{161D2925-2DBD-8A27-D9C7-7D3BFC47D65D}"/>
-                </a:ext>
-              </a:extLst>
-            </p:cNvPr>
-            <p:cNvPicPr>
-              <a:picLocks noChangeAspect="1"/>
-            </p:cNvPicPr>
-            <p:nvPr/>
-          </p:nvPicPr>
-          <p:blipFill>
-            <a:blip r:embed="rId2"/>
-            <a:stretch>
-              <a:fillRect/>
-            </a:stretch>
-          </p:blipFill>
-          <p:spPr>
-            <a:xfrm>
-              <a:off x="8279130" y="5458541"/>
-              <a:ext cx="201600" cy="201600"/>
-            </a:xfrm>
-            <a:prstGeom prst="rect">
-              <a:avLst/>
-            </a:prstGeom>
-            <a:ln>
-              <a:noFill/>
-            </a:ln>
-          </p:spPr>
-        </p:pic>
-        <p:pic>
-          <p:nvPicPr>
-            <p:cNvPr id="23" name="Picture 22" descr="Shape&#10;&#10;Description automatically generated">
-              <a:extLst>
-                <a:ext uri="{FF2B5EF4-FFF2-40B4-BE49-F238E27FC236}">
-                  <a16:creationId xmlns:a16="http://schemas.microsoft.com/office/drawing/2014/main" id="{D5D354CC-45DC-B856-7D33-E3DB07A0B8B6}"/>
-                </a:ext>
-              </a:extLst>
-            </p:cNvPr>
-            <p:cNvPicPr>
-              <a:picLocks noChangeAspect="1"/>
-            </p:cNvPicPr>
-            <p:nvPr/>
-          </p:nvPicPr>
-          <p:blipFill>
-            <a:blip r:embed="rId2"/>
-            <a:stretch>
-              <a:fillRect/>
-            </a:stretch>
-          </p:blipFill>
-          <p:spPr>
-            <a:xfrm>
-              <a:off x="8279130" y="5726172"/>
-              <a:ext cx="201600" cy="201600"/>
-            </a:xfrm>
-            <a:prstGeom prst="rect">
-              <a:avLst/>
-            </a:prstGeom>
-            <a:ln>
-              <a:noFill/>
-            </a:ln>
-          </p:spPr>
-        </p:pic>
-      </p:grpSp>
-      <p:pic>
-        <p:nvPicPr>
-          <p:cNvPr id="24" name="Picture 23" descr="A red circle with a white number on it&#10;&#10;Description automatically generated">
-            <a:extLst>
-              <a:ext uri="{FF2B5EF4-FFF2-40B4-BE49-F238E27FC236}">
-                <a16:creationId xmlns:a16="http://schemas.microsoft.com/office/drawing/2014/main" id="{B3DD1FC3-B5B2-7E83-1D33-1C6BAEBC3E4F}"/>
-              </a:ext>
-            </a:extLst>
-          </p:cNvPr>
-          <p:cNvPicPr>
-            <a:picLocks noChangeAspect="1"/>
-          </p:cNvPicPr>
-          <p:nvPr/>
-        </p:nvPicPr>
-        <p:blipFill>
-          <a:blip r:embed="rId3">
-            <a:extLst>
-              <a:ext uri="{28A0092B-C50C-407E-A947-70E740481C1C}">
-                <a14:useLocalDpi xmlns:a14="http://schemas.microsoft.com/office/drawing/2010/main" val="0"/>
-              </a:ext>
-            </a:extLst>
-          </a:blip>
-          <a:stretch>
-            <a:fillRect/>
-          </a:stretch>
-        </p:blipFill>
-        <p:spPr>
-          <a:xfrm>
-            <a:off x="277915" y="1702982"/>
-            <a:ext cx="307768" cy="307768"/>
-          </a:xfrm>
-          <a:prstGeom prst="rect">
-            <a:avLst/>
-          </a:prstGeom>
-        </p:spPr>
-      </p:pic>
-      <p:pic>
-        <p:nvPicPr>
-          <p:cNvPr id="27" name="Picture 26" descr="A red circle with a white number on it&#10;&#10;Description automatically generated">
-            <a:extLst>
-              <a:ext uri="{FF2B5EF4-FFF2-40B4-BE49-F238E27FC236}">
-                <a16:creationId xmlns:a16="http://schemas.microsoft.com/office/drawing/2014/main" id="{886AD4C8-ED94-4C94-9158-F8D0899DE07F}"/>
-              </a:ext>
-            </a:extLst>
-          </p:cNvPr>
-          <p:cNvPicPr>
-            <a:picLocks noChangeAspect="1"/>
-          </p:cNvPicPr>
-          <p:nvPr/>
-        </p:nvPicPr>
-        <p:blipFill>
-          <a:blip r:embed="rId4">
-            <a:extLst>
-              <a:ext uri="{28A0092B-C50C-407E-A947-70E740481C1C}">
-                <a14:useLocalDpi xmlns:a14="http://schemas.microsoft.com/office/drawing/2010/main" val="0"/>
-              </a:ext>
-            </a:extLst>
-          </a:blip>
-          <a:stretch>
-            <a:fillRect/>
-          </a:stretch>
-        </p:blipFill>
-        <p:spPr>
-          <a:xfrm>
-            <a:off x="6132616" y="1702982"/>
-            <a:ext cx="307767" cy="307767"/>
-          </a:xfrm>
-          <a:prstGeom prst="rect">
-            <a:avLst/>
-          </a:prstGeom>
-        </p:spPr>
-      </p:pic>
-      <p:sp>
-        <p:nvSpPr>
-          <p:cNvPr id="30" name="Rectangle 29">
-            <a:extLst>
-              <a:ext uri="{FF2B5EF4-FFF2-40B4-BE49-F238E27FC236}">
-                <a16:creationId xmlns:a16="http://schemas.microsoft.com/office/drawing/2014/main" id="{CABFE483-1013-F6EE-F8FF-B60EE1D4E60F}"/>
-              </a:ext>
-            </a:extLst>
-          </p:cNvPr>
-          <p:cNvSpPr/>
-          <p:nvPr/>
-        </p:nvSpPr>
-        <p:spPr>
-          <a:xfrm>
-            <a:off x="581605" y="1888334"/>
-            <a:ext cx="5319812" cy="4862870"/>
-          </a:xfrm>
-          <a:prstGeom prst="rect">
-            <a:avLst/>
-          </a:prstGeom>
-        </p:spPr>
-        <p:txBody>
-          <a:bodyPr wrap="square">
-            <a:spAutoFit/>
-          </a:bodyPr>
-          <a:lstStyle/>
-          <a:p>
-            <a:pPr marL="285750" indent="-285750">
-              <a:lnSpc>
-                <a:spcPct val="150000"/>
-              </a:lnSpc>
-              <a:buClr>
-                <a:srgbClr val="D50000"/>
-              </a:buClr>
-              <a:buFont typeface="Wingdings" pitchFamily="2" charset="2"/>
-              <a:buChar char="Ø"/>
-            </a:pPr>
-            <a:r>
-              <a:rPr lang="en-US" sz="1600" dirty="0">
-                <a:effectLst/>
-                <a:latin typeface="Jost Light" pitchFamily="2" charset="77"/>
-                <a:ea typeface="Jost Light" pitchFamily="2" charset="77"/>
-              </a:rPr>
-              <a:t>LM is used to solve non-linear least squares problems. </a:t>
-            </a:r>
-          </a:p>
-          <a:p>
-            <a:pPr marL="285750" indent="-285750">
-              <a:lnSpc>
-                <a:spcPct val="150000"/>
-              </a:lnSpc>
-              <a:buClr>
-                <a:srgbClr val="D50000"/>
-              </a:buClr>
-              <a:buFont typeface="Wingdings" pitchFamily="2" charset="2"/>
-              <a:buChar char="Ø"/>
-            </a:pPr>
-            <a:r>
-              <a:rPr lang="en-US" sz="1600" dirty="0">
-                <a:effectLst/>
-                <a:latin typeface="Jost Light" pitchFamily="2" charset="77"/>
-                <a:ea typeface="Jost Light" pitchFamily="2" charset="77"/>
-              </a:rPr>
-              <a:t>It combines aspects of both the gradient descent and Gauss-Newton methods </a:t>
-            </a:r>
-          </a:p>
-          <a:p>
-            <a:pPr marL="285750" indent="-285750">
-              <a:lnSpc>
-                <a:spcPct val="150000"/>
-              </a:lnSpc>
-              <a:buClr>
-                <a:srgbClr val="D50000"/>
-              </a:buClr>
-              <a:buFont typeface="Wingdings" pitchFamily="2" charset="2"/>
-              <a:buChar char="Ø"/>
-            </a:pPr>
-            <a:endParaRPr lang="en-US" sz="1600" dirty="0">
-              <a:effectLst/>
-              <a:latin typeface="Jost Light" pitchFamily="2" charset="77"/>
-              <a:ea typeface="Jost Light" pitchFamily="2" charset="77"/>
-            </a:endParaRPr>
-          </a:p>
-          <a:p>
-            <a:pPr>
-              <a:lnSpc>
-                <a:spcPct val="150000"/>
-              </a:lnSpc>
-              <a:buClr>
-                <a:srgbClr val="D50000"/>
-              </a:buClr>
-            </a:pPr>
-            <a:r>
-              <a:rPr lang="en-US" sz="1600" dirty="0">
-                <a:effectLst/>
-                <a:latin typeface="Jost Light" pitchFamily="2" charset="77"/>
-                <a:ea typeface="Jost Light" pitchFamily="2" charset="77"/>
-              </a:rPr>
-              <a:t>The main advantages are: </a:t>
-            </a:r>
-            <a:endParaRPr lang="en-US" sz="1600" dirty="0">
-              <a:latin typeface="Jost Light" pitchFamily="2" charset="77"/>
-              <a:ea typeface="Jost Light" pitchFamily="2" charset="77"/>
-            </a:endParaRPr>
-          </a:p>
-          <a:p>
-            <a:pPr marL="285750" indent="-285750">
-              <a:lnSpc>
-                <a:spcPct val="150000"/>
-              </a:lnSpc>
-              <a:buClr>
-                <a:srgbClr val="D50000"/>
-              </a:buClr>
-              <a:buFont typeface="Wingdings" pitchFamily="2" charset="2"/>
-              <a:buChar char="v"/>
-            </a:pPr>
-            <a:r>
-              <a:rPr lang="en-US" sz="1600" dirty="0">
-                <a:effectLst/>
-                <a:latin typeface="Jost Light" pitchFamily="2" charset="77"/>
-                <a:ea typeface="Jost Light" pitchFamily="2" charset="77"/>
-              </a:rPr>
-              <a:t>Fast convergence</a:t>
-            </a:r>
-          </a:p>
-          <a:p>
-            <a:pPr marL="285750" indent="-285750">
-              <a:lnSpc>
-                <a:spcPct val="150000"/>
-              </a:lnSpc>
-              <a:buClr>
-                <a:srgbClr val="D50000"/>
-              </a:buClr>
-              <a:buFont typeface="Wingdings" pitchFamily="2" charset="2"/>
-              <a:buChar char="v"/>
-            </a:pPr>
-            <a:r>
-              <a:rPr lang="en-US" sz="1600" dirty="0">
-                <a:effectLst/>
-                <a:latin typeface="Jost Light" pitchFamily="2" charset="77"/>
-                <a:ea typeface="Jost Light" pitchFamily="2" charset="77"/>
-              </a:rPr>
-              <a:t>Robustness</a:t>
-            </a:r>
-            <a:endParaRPr lang="en-US" sz="1600" dirty="0">
-              <a:latin typeface="Jost Light" pitchFamily="2" charset="77"/>
-              <a:ea typeface="Jost Light" pitchFamily="2" charset="77"/>
-            </a:endParaRPr>
-          </a:p>
-          <a:p>
-            <a:pPr marL="285750" indent="-285750">
-              <a:lnSpc>
-                <a:spcPct val="150000"/>
-              </a:lnSpc>
-              <a:buClr>
-                <a:srgbClr val="D50000"/>
-              </a:buClr>
-              <a:buFont typeface="Wingdings" pitchFamily="2" charset="2"/>
-              <a:buChar char="v"/>
-            </a:pPr>
-            <a:r>
-              <a:rPr lang="en-US" sz="1600" dirty="0">
-                <a:effectLst/>
-                <a:latin typeface="Jost Light" pitchFamily="2" charset="77"/>
-                <a:ea typeface="Jost Light" pitchFamily="2" charset="77"/>
-              </a:rPr>
-              <a:t>Efficiency in small datasets</a:t>
-            </a:r>
-          </a:p>
-          <a:p>
-            <a:pPr marL="285750" indent="-285750">
-              <a:lnSpc>
-                <a:spcPct val="150000"/>
-              </a:lnSpc>
-              <a:buClr>
-                <a:srgbClr val="D50000"/>
-              </a:buClr>
-              <a:buFont typeface="Wingdings" pitchFamily="2" charset="2"/>
-              <a:buChar char="v"/>
-            </a:pPr>
-            <a:endParaRPr lang="en-US" sz="1600" dirty="0">
-              <a:effectLst/>
-              <a:latin typeface="Jost Light" pitchFamily="2" charset="77"/>
-              <a:ea typeface="Jost Light" pitchFamily="2" charset="77"/>
-            </a:endParaRPr>
-          </a:p>
-          <a:p>
-            <a:pPr>
-              <a:lnSpc>
-                <a:spcPct val="150000"/>
-              </a:lnSpc>
-              <a:buClr>
-                <a:srgbClr val="D50000"/>
-              </a:buClr>
-            </a:pPr>
-            <a:r>
-              <a:rPr lang="en-US" sz="1600" dirty="0">
-                <a:latin typeface="Jost Light" pitchFamily="2" charset="77"/>
-                <a:ea typeface="Jost Light" pitchFamily="2" charset="77"/>
-              </a:rPr>
-              <a:t>T</a:t>
-            </a:r>
-            <a:r>
-              <a:rPr lang="en-US" sz="1600" dirty="0">
-                <a:effectLst/>
-                <a:latin typeface="Jost Light" pitchFamily="2" charset="77"/>
-                <a:ea typeface="Jost Light" pitchFamily="2" charset="77"/>
-              </a:rPr>
-              <a:t>he main limitations are:</a:t>
-            </a:r>
-          </a:p>
-          <a:p>
-            <a:pPr marL="285750" indent="-285750">
-              <a:lnSpc>
-                <a:spcPct val="150000"/>
-              </a:lnSpc>
-              <a:buClr>
-                <a:srgbClr val="D50000"/>
-              </a:buClr>
-              <a:buFont typeface="Wingdings" pitchFamily="2" charset="2"/>
-              <a:buChar char="v"/>
-            </a:pPr>
-            <a:r>
-              <a:rPr lang="en-US" sz="1600" dirty="0">
-                <a:effectLst/>
-                <a:latin typeface="Jost Light" pitchFamily="2" charset="77"/>
-                <a:ea typeface="Jost Light" pitchFamily="2" charset="77"/>
-              </a:rPr>
-              <a:t>High computational time</a:t>
-            </a:r>
-            <a:endParaRPr lang="en-US" sz="1600" dirty="0">
-              <a:latin typeface="Jost Light" pitchFamily="2" charset="77"/>
-              <a:ea typeface="Jost Light" pitchFamily="2" charset="77"/>
-            </a:endParaRPr>
-          </a:p>
-          <a:p>
-            <a:pPr marL="285750" indent="-285750">
-              <a:lnSpc>
-                <a:spcPct val="150000"/>
-              </a:lnSpc>
-              <a:buClr>
-                <a:srgbClr val="D50000"/>
-              </a:buClr>
-              <a:buFont typeface="Wingdings" pitchFamily="2" charset="2"/>
-              <a:buChar char="v"/>
-            </a:pPr>
-            <a:r>
-              <a:rPr lang="en-US" sz="1600" dirty="0">
-                <a:effectLst/>
-                <a:latin typeface="Jost Light" pitchFamily="2" charset="77"/>
-                <a:ea typeface="Jost Light" pitchFamily="2" charset="77"/>
-              </a:rPr>
-              <a:t>Calibration of lambda</a:t>
-            </a:r>
-            <a:endParaRPr lang="en-KZ" sz="1600" dirty="0">
-              <a:latin typeface="Jost Light" pitchFamily="2" charset="77"/>
-              <a:ea typeface="Jost Light" pitchFamily="2" charset="77"/>
-            </a:endParaRPr>
-          </a:p>
-          <a:p>
-            <a:pPr marL="285750" indent="-285750">
-              <a:lnSpc>
-                <a:spcPct val="150000"/>
-              </a:lnSpc>
-              <a:buClr>
-                <a:srgbClr val="D50000"/>
-              </a:buClr>
-              <a:buFont typeface="Wingdings" pitchFamily="2" charset="2"/>
-              <a:buChar char="Ø"/>
-            </a:pPr>
-            <a:endParaRPr lang="en-US" sz="1600" dirty="0">
-              <a:latin typeface="Jost Light" pitchFamily="2" charset="77"/>
-              <a:ea typeface="Jost Light" pitchFamily="2" charset="77"/>
-            </a:endParaRPr>
-          </a:p>
-        </p:txBody>
-      </p:sp>
-      <mc:AlternateContent xmlns:mc="http://schemas.openxmlformats.org/markup-compatibility/2006" xmlns:a14="http://schemas.microsoft.com/office/drawing/2010/main">
-        <mc:Choice Requires="a14">
-          <p:sp>
-            <p:nvSpPr>
-              <p:cNvPr id="31" name="Rectangle 30">
-                <a:extLst>
-                  <a:ext uri="{FF2B5EF4-FFF2-40B4-BE49-F238E27FC236}">
-                    <a16:creationId xmlns:a16="http://schemas.microsoft.com/office/drawing/2014/main" id="{3644AAE8-2BDF-AC64-480D-451F32DF0C16}"/>
-                  </a:ext>
-                </a:extLst>
-              </p:cNvPr>
-              <p:cNvSpPr/>
-              <p:nvPr/>
-            </p:nvSpPr>
-            <p:spPr>
-              <a:xfrm>
-                <a:off x="6440383" y="1888334"/>
-                <a:ext cx="5319812" cy="4869988"/>
-              </a:xfrm>
-              <a:prstGeom prst="rect">
-                <a:avLst/>
-              </a:prstGeom>
-            </p:spPr>
-            <p:txBody>
-              <a:bodyPr wrap="square">
-                <a:spAutoFit/>
-              </a:bodyPr>
-              <a:lstStyle/>
-              <a:p>
-                <a:pPr marL="285750" indent="-285750">
-                  <a:lnSpc>
-                    <a:spcPct val="150000"/>
-                  </a:lnSpc>
-                  <a:buClr>
-                    <a:srgbClr val="D50000"/>
-                  </a:buClr>
-                  <a:buFont typeface="Wingdings" pitchFamily="2" charset="2"/>
-                  <a:buChar char="v"/>
-                </a:pPr>
-                <a:r>
-                  <a:rPr lang="en-US" sz="1600" dirty="0">
-                    <a:latin typeface="Jost Light" pitchFamily="2" charset="77"/>
-                    <a:ea typeface="Jost Light" pitchFamily="2" charset="77"/>
-                  </a:rPr>
-                  <a:t>The formula is:</a:t>
-                </a:r>
-              </a:p>
-              <a:p>
-                <a:pPr>
-                  <a:lnSpc>
-                    <a:spcPct val="150000"/>
-                  </a:lnSpc>
-                  <a:buClr>
-                    <a:srgbClr val="D50000"/>
-                  </a:buClr>
-                </a:pPr>
-                <a14:m>
-                  <m:oMath xmlns:m="http://schemas.openxmlformats.org/officeDocument/2006/math">
-                    <m:r>
-                      <a:rPr lang="en-US" sz="1600" b="0" i="0" smtClean="0">
-                        <a:latin typeface="Cambria Math" panose="02040503050406030204" pitchFamily="18" charset="0"/>
-                      </a:rPr>
-                      <m:t>(</m:t>
-                    </m:r>
-                    <m:sSup>
-                      <m:sSupPr>
-                        <m:ctrlPr>
-                          <a:rPr lang="en-US" sz="1600" i="1" smtClean="0">
-                            <a:latin typeface="Cambria Math" panose="02040503050406030204" pitchFamily="18" charset="0"/>
-                          </a:rPr>
-                        </m:ctrlPr>
-                      </m:sSupPr>
-                      <m:e>
-                        <m:r>
-                          <m:rPr>
-                            <m:sty m:val="p"/>
-                          </m:rPr>
-                          <a:rPr lang="en-US" sz="1600" b="0" i="0" smtClean="0">
-                            <a:latin typeface="Cambria Math" panose="02040503050406030204" pitchFamily="18" charset="0"/>
-                          </a:rPr>
-                          <m:t>J</m:t>
-                        </m:r>
-                      </m:e>
-                      <m:sup>
-                        <m:r>
-                          <m:rPr>
-                            <m:sty m:val="p"/>
-                          </m:rPr>
-                          <a:rPr lang="en-US" sz="1600" b="0" i="0" smtClean="0">
-                            <a:latin typeface="Cambria Math" panose="02040503050406030204" pitchFamily="18" charset="0"/>
-                          </a:rPr>
-                          <m:t>T</m:t>
-                        </m:r>
-                      </m:sup>
-                    </m:sSup>
-                    <m:r>
-                      <m:rPr>
-                        <m:sty m:val="p"/>
-                      </m:rPr>
-                      <a:rPr lang="en-US" sz="1600" b="0" i="0" smtClean="0">
-                        <a:latin typeface="Cambria Math" panose="02040503050406030204" pitchFamily="18" charset="0"/>
-                      </a:rPr>
-                      <m:t>J</m:t>
-                    </m:r>
-                    <m:r>
-                      <a:rPr lang="en-US" sz="1600" b="0" i="0" smtClean="0">
-                        <a:latin typeface="Cambria Math" panose="02040503050406030204" pitchFamily="18" charset="0"/>
-                      </a:rPr>
-                      <m:t>+</m:t>
-                    </m:r>
-                    <m:r>
-                      <m:rPr>
-                        <m:sty m:val="p"/>
-                      </m:rPr>
-                      <a:rPr lang="el-GR" sz="1600" b="0" i="0" smtClean="0">
-                        <a:latin typeface="Cambria Math" panose="02040503050406030204" pitchFamily="18" charset="0"/>
-                      </a:rPr>
-                      <m:t>λ</m:t>
-                    </m:r>
-                    <m:r>
-                      <m:rPr>
-                        <m:sty m:val="p"/>
-                      </m:rPr>
-                      <a:rPr lang="en-US" sz="1600" b="0" i="0" smtClean="0">
-                        <a:latin typeface="Cambria Math" panose="02040503050406030204" pitchFamily="18" charset="0"/>
-                      </a:rPr>
-                      <m:t>I</m:t>
-                    </m:r>
-                    <m:r>
-                      <a:rPr lang="en-US" sz="1600" b="0" i="0" smtClean="0">
-                        <a:latin typeface="Cambria Math" panose="02040503050406030204" pitchFamily="18" charset="0"/>
-                      </a:rPr>
-                      <m:t>)</m:t>
-                    </m:r>
-                    <m:r>
-                      <m:rPr>
-                        <m:sty m:val="p"/>
-                      </m:rPr>
-                      <a:rPr lang="el-GR" sz="1600" b="0" i="0" smtClean="0">
-                        <a:latin typeface="Cambria Math" panose="02040503050406030204" pitchFamily="18" charset="0"/>
-                      </a:rPr>
-                      <m:t>Δ</m:t>
-                    </m:r>
-                    <m:r>
-                      <a:rPr lang="el-GR" sz="1600" b="0" i="0" smtClean="0">
-                        <a:latin typeface="Cambria Math" panose="02040503050406030204" pitchFamily="18" charset="0"/>
-                      </a:rPr>
-                      <m:t>=</m:t>
-                    </m:r>
-                    <m:sSup>
-                      <m:sSupPr>
-                        <m:ctrlPr>
-                          <a:rPr lang="en-US" sz="1600" i="1" smtClean="0">
-                            <a:latin typeface="Cambria Math" panose="02040503050406030204" pitchFamily="18" charset="0"/>
-                          </a:rPr>
-                        </m:ctrlPr>
-                      </m:sSupPr>
-                      <m:e>
-                        <m:r>
-                          <m:rPr>
-                            <m:sty m:val="p"/>
-                          </m:rPr>
-                          <a:rPr lang="en-US" sz="1600" b="0" i="0" smtClean="0">
-                            <a:latin typeface="Cambria Math" panose="02040503050406030204" pitchFamily="18" charset="0"/>
-                          </a:rPr>
-                          <m:t>J</m:t>
-                        </m:r>
-                      </m:e>
-                      <m:sup>
-                        <m:r>
-                          <m:rPr>
-                            <m:sty m:val="p"/>
-                          </m:rPr>
-                          <a:rPr lang="en-US" sz="1600" b="0" i="0" smtClean="0">
-                            <a:latin typeface="Cambria Math" panose="02040503050406030204" pitchFamily="18" charset="0"/>
-                          </a:rPr>
-                          <m:t>T</m:t>
-                        </m:r>
-                      </m:sup>
-                    </m:sSup>
-                    <m:r>
-                      <a:rPr lang="en-US" sz="1600" b="0" i="0" smtClean="0">
-                        <a:latin typeface="Cambria Math" panose="02040503050406030204" pitchFamily="18" charset="0"/>
-                      </a:rPr>
-                      <m:t>[</m:t>
-                    </m:r>
-                    <m:r>
-                      <m:rPr>
-                        <m:sty m:val="p"/>
-                      </m:rPr>
-                      <a:rPr lang="en-US" sz="1600" b="0" i="0" smtClean="0">
-                        <a:latin typeface="Cambria Math" panose="02040503050406030204" pitchFamily="18" charset="0"/>
-                      </a:rPr>
-                      <m:t>y</m:t>
-                    </m:r>
-                    <m:r>
-                      <a:rPr lang="en-US" sz="1600" b="0" i="0" smtClean="0">
-                        <a:latin typeface="Cambria Math" panose="02040503050406030204" pitchFamily="18" charset="0"/>
-                      </a:rPr>
-                      <m:t>−</m:t>
-                    </m:r>
-                    <m:r>
-                      <m:rPr>
-                        <m:sty m:val="p"/>
-                      </m:rPr>
-                      <a:rPr lang="en-US" sz="1600" b="0" i="0" smtClean="0">
-                        <a:latin typeface="Cambria Math" panose="02040503050406030204" pitchFamily="18" charset="0"/>
-                      </a:rPr>
-                      <m:t>f</m:t>
-                    </m:r>
-                    <m:r>
-                      <a:rPr lang="en-US" sz="1600" b="0" i="0" smtClean="0">
-                        <a:latin typeface="Cambria Math" panose="02040503050406030204" pitchFamily="18" charset="0"/>
-                      </a:rPr>
-                      <m:t>(</m:t>
-                    </m:r>
-                    <m:r>
-                      <m:rPr>
-                        <m:sty m:val="p"/>
-                      </m:rPr>
-                      <a:rPr lang="en-US" sz="1600" b="0" i="0" smtClean="0">
-                        <a:latin typeface="Cambria Math" panose="02040503050406030204" pitchFamily="18" charset="0"/>
-                      </a:rPr>
-                      <m:t>x</m:t>
-                    </m:r>
-                    <m:r>
-                      <a:rPr lang="en-US" sz="1600" b="0" i="0" smtClean="0">
-                        <a:latin typeface="Cambria Math" panose="02040503050406030204" pitchFamily="18" charset="0"/>
-                      </a:rPr>
-                      <m:t>,</m:t>
-                    </m:r>
-                    <m:r>
-                      <m:rPr>
-                        <m:sty m:val="p"/>
-                      </m:rPr>
-                      <a:rPr lang="el-GR" sz="1600" b="0" i="0" smtClean="0">
-                        <a:latin typeface="Cambria Math" panose="02040503050406030204" pitchFamily="18" charset="0"/>
-                      </a:rPr>
-                      <m:t>β</m:t>
-                    </m:r>
-                    <m:r>
-                      <a:rPr lang="el-GR" sz="1600" b="0" i="0" smtClean="0">
-                        <a:latin typeface="Cambria Math" panose="02040503050406030204" pitchFamily="18" charset="0"/>
-                      </a:rPr>
-                      <m:t>)]</m:t>
-                    </m:r>
-                  </m:oMath>
-                </a14:m>
-                <a:r>
-                  <a:rPr lang="en-KZ" sz="1600" dirty="0">
-                    <a:latin typeface="Jost Light" pitchFamily="2" charset="77"/>
-                    <a:ea typeface="Jost Light" pitchFamily="2" charset="77"/>
-                  </a:rPr>
-                  <a:t>, where:</a:t>
-                </a:r>
-              </a:p>
-              <a:p>
-                <a:pPr marL="285750" indent="-285750">
-                  <a:lnSpc>
-                    <a:spcPct val="150000"/>
-                  </a:lnSpc>
-                  <a:buClr>
-                    <a:srgbClr val="D50000"/>
-                  </a:buClr>
-                  <a:buFont typeface="Wingdings" pitchFamily="2" charset="2"/>
-                  <a:buChar char="Ø"/>
-                </a:pPr>
-                <a:r>
-                  <a:rPr lang="en-US" sz="1600" dirty="0">
-                    <a:latin typeface="Jost Light" pitchFamily="2" charset="77"/>
-                    <a:ea typeface="Jost Light" pitchFamily="2" charset="77"/>
-                  </a:rPr>
-                  <a:t>J is the Jacobian matrix of the function f with respect to parameters </a:t>
-                </a:r>
-                <a:r>
-                  <a:rPr lang="el-GR" sz="1600" dirty="0">
-                    <a:latin typeface="Jost Light" pitchFamily="2" charset="77"/>
-                    <a:ea typeface="Jost Light" pitchFamily="2" charset="77"/>
-                  </a:rPr>
-                  <a:t>β,</a:t>
-                </a:r>
-                <a:endParaRPr lang="en-US" sz="1600" dirty="0">
-                  <a:latin typeface="Jost Light" pitchFamily="2" charset="77"/>
-                  <a:ea typeface="Jost Light" pitchFamily="2" charset="77"/>
-                </a:endParaRPr>
-              </a:p>
-              <a:p>
-                <a:pPr marL="285750" indent="-285750">
-                  <a:lnSpc>
-                    <a:spcPct val="150000"/>
-                  </a:lnSpc>
-                  <a:buClr>
-                    <a:srgbClr val="D50000"/>
-                  </a:buClr>
-                  <a:buFont typeface="Wingdings" pitchFamily="2" charset="2"/>
-                  <a:buChar char="Ø"/>
-                </a:pPr>
-                <a:r>
-                  <a:rPr lang="en-US" sz="1600" dirty="0">
-                    <a:latin typeface="Jost Light" pitchFamily="2" charset="77"/>
-                    <a:ea typeface="Jost Light" pitchFamily="2" charset="77"/>
-                  </a:rPr>
-                  <a:t>J</a:t>
-                </a:r>
-                <a:r>
-                  <a:rPr lang="en-US" sz="1600" baseline="30000" dirty="0">
-                    <a:latin typeface="Jost Light" pitchFamily="2" charset="77"/>
-                    <a:ea typeface="Jost Light" pitchFamily="2" charset="77"/>
-                  </a:rPr>
-                  <a:t>T</a:t>
-                </a:r>
-                <a:r>
-                  <a:rPr lang="en-US" sz="1600" dirty="0">
-                    <a:latin typeface="Jost Light" pitchFamily="2" charset="77"/>
-                    <a:ea typeface="Jost Light" pitchFamily="2" charset="77"/>
-                  </a:rPr>
-                  <a:t> is the transpose of J,</a:t>
-                </a:r>
-              </a:p>
-              <a:p>
-                <a:pPr marL="285750" indent="-285750">
-                  <a:lnSpc>
-                    <a:spcPct val="150000"/>
-                  </a:lnSpc>
-                  <a:buClr>
-                    <a:srgbClr val="D50000"/>
-                  </a:buClr>
-                  <a:buFont typeface="Wingdings" pitchFamily="2" charset="2"/>
-                  <a:buChar char="Ø"/>
-                </a:pPr>
-                <a:endParaRPr lang="en-US" sz="1600" dirty="0">
-                  <a:latin typeface="Jost Light" pitchFamily="2" charset="77"/>
-                  <a:ea typeface="Jost Light" pitchFamily="2" charset="77"/>
-                </a:endParaRPr>
-              </a:p>
-              <a:p>
-                <a:pPr marL="285750" indent="-285750">
-                  <a:lnSpc>
-                    <a:spcPct val="150000"/>
-                  </a:lnSpc>
-                  <a:buClr>
-                    <a:srgbClr val="D50000"/>
-                  </a:buClr>
-                  <a:buFont typeface="Wingdings" pitchFamily="2" charset="2"/>
-                  <a:buChar char="Ø"/>
-                </a:pPr>
-                <a:r>
-                  <a:rPr lang="el-GR" sz="1600" dirty="0">
-                    <a:latin typeface="Jost Light" pitchFamily="2" charset="77"/>
-                    <a:ea typeface="Jost Light" pitchFamily="2" charset="77"/>
-                  </a:rPr>
-                  <a:t>λ </a:t>
-                </a:r>
-                <a:r>
-                  <a:rPr lang="en-US" sz="1600" dirty="0">
-                    <a:latin typeface="Jost Light" pitchFamily="2" charset="77"/>
-                    <a:ea typeface="Jost Light" pitchFamily="2" charset="77"/>
-                  </a:rPr>
-                  <a:t>is the damping factor that is adjusted iteratively,</a:t>
-                </a:r>
-              </a:p>
-              <a:p>
-                <a:pPr marL="285750" indent="-285750">
-                  <a:lnSpc>
-                    <a:spcPct val="150000"/>
-                  </a:lnSpc>
-                  <a:buClr>
-                    <a:srgbClr val="D50000"/>
-                  </a:buClr>
-                  <a:buFont typeface="Wingdings" pitchFamily="2" charset="2"/>
-                  <a:buChar char="Ø"/>
-                </a:pPr>
-                <a:r>
-                  <a:rPr lang="en-US" sz="1600" dirty="0">
-                    <a:latin typeface="Jost Light" pitchFamily="2" charset="77"/>
-                    <a:ea typeface="Jost Light" pitchFamily="2" charset="77"/>
-                  </a:rPr>
-                  <a:t>I is the identity matrix,</a:t>
-                </a:r>
-              </a:p>
-              <a:p>
-                <a:pPr marL="285750" indent="-285750">
-                  <a:lnSpc>
-                    <a:spcPct val="150000"/>
-                  </a:lnSpc>
-                  <a:buClr>
-                    <a:srgbClr val="D50000"/>
-                  </a:buClr>
-                  <a:buFont typeface="Wingdings" pitchFamily="2" charset="2"/>
-                  <a:buChar char="Ø"/>
-                </a:pPr>
-                <a:endParaRPr lang="en-US" sz="1600" dirty="0">
-                  <a:latin typeface="Jost Light" pitchFamily="2" charset="77"/>
-                  <a:ea typeface="Jost Light" pitchFamily="2" charset="77"/>
-                </a:endParaRPr>
-              </a:p>
-              <a:p>
-                <a:pPr marL="285750" indent="-285750">
-                  <a:lnSpc>
-                    <a:spcPct val="150000"/>
-                  </a:lnSpc>
-                  <a:buClr>
-                    <a:srgbClr val="D50000"/>
-                  </a:buClr>
-                  <a:buFont typeface="Wingdings" pitchFamily="2" charset="2"/>
-                  <a:buChar char="Ø"/>
-                </a:pPr>
-                <a:r>
-                  <a:rPr lang="en-US" sz="1600" dirty="0">
-                    <a:latin typeface="Jost Light" pitchFamily="2" charset="77"/>
-                    <a:ea typeface="Jost Light" pitchFamily="2" charset="77"/>
-                  </a:rPr>
-                  <a:t>y is the observed data,</a:t>
-                </a:r>
-              </a:p>
-              <a:p>
-                <a:pPr marL="285750" indent="-285750">
-                  <a:lnSpc>
-                    <a:spcPct val="150000"/>
-                  </a:lnSpc>
-                  <a:buClr>
-                    <a:srgbClr val="D50000"/>
-                  </a:buClr>
-                  <a:buFont typeface="Wingdings" pitchFamily="2" charset="2"/>
-                  <a:buChar char="Ø"/>
-                </a:pPr>
-                <a:r>
-                  <a:rPr lang="en-US" sz="1600" dirty="0">
-                    <a:latin typeface="Jost Light" pitchFamily="2" charset="77"/>
-                    <a:ea typeface="Jost Light" pitchFamily="2" charset="77"/>
-                  </a:rPr>
-                  <a:t>f(x,</a:t>
-                </a:r>
-                <a:r>
-                  <a:rPr lang="el-GR" sz="1600" dirty="0">
-                    <a:latin typeface="Jost Light" pitchFamily="2" charset="77"/>
-                    <a:ea typeface="Jost Light" pitchFamily="2" charset="77"/>
-                  </a:rPr>
-                  <a:t>β) </a:t>
-                </a:r>
-                <a:r>
-                  <a:rPr lang="en-US" sz="1600" dirty="0">
-                    <a:latin typeface="Jost Light" pitchFamily="2" charset="77"/>
-                    <a:ea typeface="Jost Light" pitchFamily="2" charset="77"/>
-                  </a:rPr>
-                  <a:t>is the model function.</a:t>
-                </a:r>
-                <a:endParaRPr lang="en-KZ" sz="1600" dirty="0">
-                  <a:latin typeface="Jost Light" pitchFamily="2" charset="77"/>
-                  <a:ea typeface="Jost Light" pitchFamily="2" charset="77"/>
-                </a:endParaRPr>
-              </a:p>
-              <a:p>
-                <a:pPr marL="285750" indent="-285750">
-                  <a:lnSpc>
-                    <a:spcPct val="150000"/>
-                  </a:lnSpc>
-                  <a:buClr>
-                    <a:srgbClr val="D50000"/>
-                  </a:buClr>
-                  <a:buFont typeface="Wingdings" pitchFamily="2" charset="2"/>
-                  <a:buChar char="v"/>
-                </a:pPr>
-                <a:endParaRPr lang="en-KZ" sz="1600" dirty="0">
-                  <a:latin typeface="Jost Light" pitchFamily="2" charset="77"/>
-                  <a:ea typeface="Jost Light" pitchFamily="2" charset="77"/>
-                </a:endParaRPr>
-              </a:p>
-              <a:p>
-                <a:pPr marL="285750" indent="-285750">
-                  <a:lnSpc>
-                    <a:spcPct val="150000"/>
-                  </a:lnSpc>
-                  <a:buClr>
-                    <a:srgbClr val="D50000"/>
-                  </a:buClr>
-                  <a:buFont typeface="Wingdings" pitchFamily="2" charset="2"/>
-                  <a:buChar char="Ø"/>
-                </a:pPr>
-                <a:endParaRPr lang="en-US" sz="1600" dirty="0">
-                  <a:latin typeface="Jost Light" pitchFamily="2" charset="77"/>
-                  <a:ea typeface="Jost Light" pitchFamily="2" charset="77"/>
-                </a:endParaRPr>
-              </a:p>
-            </p:txBody>
-          </p:sp>
-        </mc:Choice>
-        <mc:Fallback xmlns="">
-          <p:sp>
-            <p:nvSpPr>
-              <p:cNvPr id="31" name="Rectangle 30">
-                <a:extLst>
-                  <a:ext uri="{FF2B5EF4-FFF2-40B4-BE49-F238E27FC236}">
-                    <a16:creationId xmlns:a16="http://schemas.microsoft.com/office/drawing/2014/main" id="{3644AAE8-2BDF-AC64-480D-451F32DF0C16}"/>
-                  </a:ext>
-                </a:extLst>
-              </p:cNvPr>
-              <p:cNvSpPr>
-                <a:spLocks noRot="1" noChangeAspect="1" noMove="1" noResize="1" noEditPoints="1" noAdjustHandles="1" noChangeArrowheads="1" noChangeShapeType="1" noTextEdit="1"/>
-              </p:cNvSpPr>
-              <p:nvPr/>
-            </p:nvSpPr>
-            <p:spPr>
-              <a:xfrm>
-                <a:off x="6440383" y="1888334"/>
-                <a:ext cx="5319812" cy="4869988"/>
-              </a:xfrm>
-              <a:prstGeom prst="rect">
-                <a:avLst/>
-              </a:prstGeom>
-              <a:blipFill>
-                <a:blip r:embed="rId5"/>
-                <a:stretch>
-                  <a:fillRect l="-476"/>
-                </a:stretch>
-              </a:blipFill>
-            </p:spPr>
-            <p:txBody>
-              <a:bodyPr/>
-              <a:lstStyle/>
-              <a:p>
-                <a:r>
-                  <a:rPr lang="en-KZ">
-                    <a:noFill/>
-                  </a:rPr>
-                  <a:t> </a:t>
-                </a:r>
-              </a:p>
-            </p:txBody>
-          </p:sp>
-        </mc:Fallback>
-      </mc:AlternateContent>
-    </p:spTree>
-    <p:extLst>
-      <p:ext uri="{BB962C8B-B14F-4D97-AF65-F5344CB8AC3E}">
-        <p14:creationId xmlns:p14="http://schemas.microsoft.com/office/powerpoint/2010/main" val="3813532169"/>
-      </p:ext>
-    </p:extLst>
-  </p:cSld>
-  <p:clrMapOvr>
-    <a:masterClrMapping/>
-  </p:clrMapOvr>
-</p:sld>
-</file>
-
-<file path=ppt/slides/slide15.xml><?xml version="1.0" encoding="utf-8"?>
-<p:sld xmlns:a="http://schemas.openxmlformats.org/drawingml/2006/main" xmlns:r="http://schemas.openxmlformats.org/officeDocument/2006/relationships" xmlns:p="http://schemas.openxmlformats.org/presentationml/2006/main">
-  <p:cSld>
-    <p:spTree>
-      <p:nvGrpSpPr>
-        <p:cNvPr id="1" name=""/>
-        <p:cNvGrpSpPr/>
-        <p:nvPr/>
-      </p:nvGrpSpPr>
-      <p:grpSpPr>
-        <a:xfrm>
-          <a:off x="0" y="0"/>
-          <a:ext cx="0" cy="0"/>
-          <a:chOff x="0" y="0"/>
-          <a:chExt cx="0" cy="0"/>
-        </a:xfrm>
-      </p:grpSpPr>
-      <p:pic>
-        <p:nvPicPr>
-          <p:cNvPr id="7" name="Content Placeholder 6" descr="A graph with a line and numbers&#10;&#10;Description automatically generated with medium confidence">
-            <a:extLst>
-              <a:ext uri="{FF2B5EF4-FFF2-40B4-BE49-F238E27FC236}">
-                <a16:creationId xmlns:a16="http://schemas.microsoft.com/office/drawing/2014/main" id="{B082A0C8-0A04-8361-DA75-4B84999119FB}"/>
-              </a:ext>
-            </a:extLst>
-          </p:cNvPr>
-          <p:cNvPicPr>
-            <a:picLocks noGrp="1" noChangeAspect="1"/>
-          </p:cNvPicPr>
-          <p:nvPr>
-            <p:ph sz="half" idx="1"/>
-          </p:nvPr>
-        </p:nvPicPr>
-        <p:blipFill>
-          <a:blip r:embed="rId2">
-            <a:extLst>
-              <a:ext uri="{28A0092B-C50C-407E-A947-70E740481C1C}">
-                <a14:useLocalDpi xmlns:a14="http://schemas.microsoft.com/office/drawing/2010/main" val="0"/>
-              </a:ext>
-            </a:extLst>
-          </a:blip>
-          <a:stretch>
-            <a:fillRect/>
-          </a:stretch>
-        </p:blipFill>
-        <p:spPr>
-          <a:xfrm>
-            <a:off x="431799" y="1601684"/>
-            <a:ext cx="2714065" cy="2715749"/>
-          </a:xfrm>
-          <a:prstGeom prst="roundRect">
-            <a:avLst>
-              <a:gd name="adj" fmla="val 6769"/>
-            </a:avLst>
-          </a:prstGeom>
-          <a:effectLst>
-            <a:outerShdw blurRad="50800" dist="38100" dir="8100000" algn="tr" rotWithShape="0">
-              <a:srgbClr val="8F061A">
-                <a:alpha val="40000"/>
-              </a:srgbClr>
-            </a:outerShdw>
-          </a:effectLst>
-        </p:spPr>
-      </p:pic>
-      <p:sp>
-        <p:nvSpPr>
-          <p:cNvPr id="9" name="Title 1">
-            <a:extLst>
-              <a:ext uri="{FF2B5EF4-FFF2-40B4-BE49-F238E27FC236}">
-                <a16:creationId xmlns:a16="http://schemas.microsoft.com/office/drawing/2014/main" id="{D795159C-856C-23A2-4B0B-518596422747}"/>
-              </a:ext>
-            </a:extLst>
-          </p:cNvPr>
+          <p:cNvPr id="11" name="Titolo 1"/>
           <p:cNvSpPr txBox="1">
             <a:spLocks/>
           </p:cNvSpPr>
@@ -10980,8 +9941,8 @@
         </p:nvSpPr>
         <p:spPr>
           <a:xfrm>
-            <a:off x="431800" y="980198"/>
-            <a:ext cx="9045832" cy="534988"/>
+            <a:off x="841948" y="1059504"/>
+            <a:ext cx="10508105" cy="751408"/>
           </a:xfrm>
           <a:prstGeom prst="rect">
             <a:avLst/>
@@ -11011,59 +9972,2048 @@
             </a:lvl1pPr>
           </a:lstStyle>
           <a:p>
-            <a:r>
-              <a:rPr lang="en-KZ" sz="1800" dirty="0">
-                <a:latin typeface="Jost Medium" pitchFamily="2" charset="77"/>
-                <a:ea typeface="Jost Medium" pitchFamily="2" charset="77"/>
+            <a:pPr algn="ctr"/>
+            <a:r>
+              <a:rPr lang="en-US" dirty="0">
+                <a:ea typeface="Cambria Math" panose="02040503050406030204" pitchFamily="18" charset="0"/>
               </a:rPr>
-              <a:t>Results and Best Parameters</a:t>
-            </a:r>
+              <a:t>Quasi-Newton Methods and BFGS algorithm </a:t>
+            </a:r>
+            <a:endParaRPr lang="it-IT" dirty="0">
+              <a:ea typeface="Cambria Math" panose="02040503050406030204" pitchFamily="18" charset="0"/>
+            </a:endParaRPr>
           </a:p>
         </p:txBody>
       </p:sp>
-      <p:cxnSp>
-        <p:nvCxnSpPr>
-          <p:cNvPr id="10" name="Straight Connector 9">
-            <a:extLst>
-              <a:ext uri="{FF2B5EF4-FFF2-40B4-BE49-F238E27FC236}">
-                <a16:creationId xmlns:a16="http://schemas.microsoft.com/office/drawing/2014/main" id="{13C6A679-ACC6-E664-2F42-042040BF554F}"/>
-              </a:ext>
-            </a:extLst>
-          </p:cNvPr>
-          <p:cNvCxnSpPr>
-            <a:cxnSpLocks/>
-          </p:cNvCxnSpPr>
+      <mc:AlternateContent xmlns:mc="http://schemas.openxmlformats.org/markup-compatibility/2006">
+        <mc:Choice xmlns:a14="http://schemas.microsoft.com/office/drawing/2010/main" Requires="a14">
+          <p:sp>
+            <p:nvSpPr>
+              <p:cNvPr id="12" name="Sottotitolo 2"/>
+              <p:cNvSpPr txBox="1">
+                <a:spLocks/>
+              </p:cNvSpPr>
+              <p:nvPr/>
+            </p:nvSpPr>
+            <p:spPr>
+              <a:xfrm>
+                <a:off x="937138" y="1734548"/>
+                <a:ext cx="10330721" cy="3259962"/>
+              </a:xfrm>
+              <a:prstGeom prst="rect">
+                <a:avLst/>
+              </a:prstGeom>
+            </p:spPr>
+            <p:txBody>
+              <a:bodyPr vert="horz" lIns="91440" tIns="45720" rIns="91440" bIns="45720" rtlCol="0">
+                <a:noAutofit/>
+              </a:bodyPr>
+              <a:lstStyle>
+                <a:lvl1pPr marL="228600" indent="-228600" algn="l" defTabSz="914400" rtl="0" eaLnBrk="1" latinLnBrk="0" hangingPunct="1">
+                  <a:lnSpc>
+                    <a:spcPct val="90000"/>
+                  </a:lnSpc>
+                  <a:spcBef>
+                    <a:spcPts val="1000"/>
+                  </a:spcBef>
+                  <a:buFont typeface="Arial" panose="020B0604020202020204" pitchFamily="34" charset="0"/>
+                  <a:buChar char="•"/>
+                  <a:defRPr sz="2800" kern="1200">
+                    <a:solidFill>
+                      <a:schemeClr val="tx1"/>
+                    </a:solidFill>
+                    <a:latin typeface="+mn-lt"/>
+                    <a:ea typeface="+mn-ea"/>
+                    <a:cs typeface="+mn-cs"/>
+                  </a:defRPr>
+                </a:lvl1pPr>
+                <a:lvl2pPr marL="685800" indent="-228600" algn="l" defTabSz="914400" rtl="0" eaLnBrk="1" latinLnBrk="0" hangingPunct="1">
+                  <a:lnSpc>
+                    <a:spcPct val="90000"/>
+                  </a:lnSpc>
+                  <a:spcBef>
+                    <a:spcPts val="500"/>
+                  </a:spcBef>
+                  <a:buFont typeface="Arial" panose="020B0604020202020204" pitchFamily="34" charset="0"/>
+                  <a:buChar char="•"/>
+                  <a:defRPr sz="2400" kern="1200">
+                    <a:solidFill>
+                      <a:schemeClr val="tx1"/>
+                    </a:solidFill>
+                    <a:latin typeface="+mn-lt"/>
+                    <a:ea typeface="+mn-ea"/>
+                    <a:cs typeface="+mn-cs"/>
+                  </a:defRPr>
+                </a:lvl2pPr>
+                <a:lvl3pPr marL="1143000" indent="-228600" algn="l" defTabSz="914400" rtl="0" eaLnBrk="1" latinLnBrk="0" hangingPunct="1">
+                  <a:lnSpc>
+                    <a:spcPct val="90000"/>
+                  </a:lnSpc>
+                  <a:spcBef>
+                    <a:spcPts val="500"/>
+                  </a:spcBef>
+                  <a:buFont typeface="Arial" panose="020B0604020202020204" pitchFamily="34" charset="0"/>
+                  <a:buChar char="•"/>
+                  <a:defRPr sz="2000" kern="1200">
+                    <a:solidFill>
+                      <a:schemeClr val="tx1"/>
+                    </a:solidFill>
+                    <a:latin typeface="+mn-lt"/>
+                    <a:ea typeface="+mn-ea"/>
+                    <a:cs typeface="+mn-cs"/>
+                  </a:defRPr>
+                </a:lvl3pPr>
+                <a:lvl4pPr marL="1600200" indent="-228600" algn="l" defTabSz="914400" rtl="0" eaLnBrk="1" latinLnBrk="0" hangingPunct="1">
+                  <a:lnSpc>
+                    <a:spcPct val="90000"/>
+                  </a:lnSpc>
+                  <a:spcBef>
+                    <a:spcPts val="500"/>
+                  </a:spcBef>
+                  <a:buFont typeface="Arial" panose="020B0604020202020204" pitchFamily="34" charset="0"/>
+                  <a:buChar char="•"/>
+                  <a:defRPr sz="1800" kern="1200">
+                    <a:solidFill>
+                      <a:schemeClr val="tx1"/>
+                    </a:solidFill>
+                    <a:latin typeface="+mn-lt"/>
+                    <a:ea typeface="+mn-ea"/>
+                    <a:cs typeface="+mn-cs"/>
+                  </a:defRPr>
+                </a:lvl4pPr>
+                <a:lvl5pPr marL="2057400" indent="-228600" algn="l" defTabSz="914400" rtl="0" eaLnBrk="1" latinLnBrk="0" hangingPunct="1">
+                  <a:lnSpc>
+                    <a:spcPct val="90000"/>
+                  </a:lnSpc>
+                  <a:spcBef>
+                    <a:spcPts val="500"/>
+                  </a:spcBef>
+                  <a:buFont typeface="Arial" panose="020B0604020202020204" pitchFamily="34" charset="0"/>
+                  <a:buChar char="•"/>
+                  <a:defRPr sz="1800" kern="1200">
+                    <a:solidFill>
+                      <a:schemeClr val="tx1"/>
+                    </a:solidFill>
+                    <a:latin typeface="+mn-lt"/>
+                    <a:ea typeface="+mn-ea"/>
+                    <a:cs typeface="+mn-cs"/>
+                  </a:defRPr>
+                </a:lvl5pPr>
+                <a:lvl6pPr marL="2514600" indent="-228600" algn="l" defTabSz="914400" rtl="0" eaLnBrk="1" latinLnBrk="0" hangingPunct="1">
+                  <a:lnSpc>
+                    <a:spcPct val="90000"/>
+                  </a:lnSpc>
+                  <a:spcBef>
+                    <a:spcPts val="500"/>
+                  </a:spcBef>
+                  <a:buFont typeface="Arial" panose="020B0604020202020204" pitchFamily="34" charset="0"/>
+                  <a:buChar char="•"/>
+                  <a:defRPr sz="1800" kern="1200">
+                    <a:solidFill>
+                      <a:schemeClr val="tx1"/>
+                    </a:solidFill>
+                    <a:latin typeface="+mn-lt"/>
+                    <a:ea typeface="+mn-ea"/>
+                    <a:cs typeface="+mn-cs"/>
+                  </a:defRPr>
+                </a:lvl6pPr>
+                <a:lvl7pPr marL="2971800" indent="-228600" algn="l" defTabSz="914400" rtl="0" eaLnBrk="1" latinLnBrk="0" hangingPunct="1">
+                  <a:lnSpc>
+                    <a:spcPct val="90000"/>
+                  </a:lnSpc>
+                  <a:spcBef>
+                    <a:spcPts val="500"/>
+                  </a:spcBef>
+                  <a:buFont typeface="Arial" panose="020B0604020202020204" pitchFamily="34" charset="0"/>
+                  <a:buChar char="•"/>
+                  <a:defRPr sz="1800" kern="1200">
+                    <a:solidFill>
+                      <a:schemeClr val="tx1"/>
+                    </a:solidFill>
+                    <a:latin typeface="+mn-lt"/>
+                    <a:ea typeface="+mn-ea"/>
+                    <a:cs typeface="+mn-cs"/>
+                  </a:defRPr>
+                </a:lvl7pPr>
+                <a:lvl8pPr marL="3429000" indent="-228600" algn="l" defTabSz="914400" rtl="0" eaLnBrk="1" latinLnBrk="0" hangingPunct="1">
+                  <a:lnSpc>
+                    <a:spcPct val="90000"/>
+                  </a:lnSpc>
+                  <a:spcBef>
+                    <a:spcPts val="500"/>
+                  </a:spcBef>
+                  <a:buFont typeface="Arial" panose="020B0604020202020204" pitchFamily="34" charset="0"/>
+                  <a:buChar char="•"/>
+                  <a:defRPr sz="1800" kern="1200">
+                    <a:solidFill>
+                      <a:schemeClr val="tx1"/>
+                    </a:solidFill>
+                    <a:latin typeface="+mn-lt"/>
+                    <a:ea typeface="+mn-ea"/>
+                    <a:cs typeface="+mn-cs"/>
+                  </a:defRPr>
+                </a:lvl8pPr>
+                <a:lvl9pPr marL="3886200" indent="-228600" algn="l" defTabSz="914400" rtl="0" eaLnBrk="1" latinLnBrk="0" hangingPunct="1">
+                  <a:lnSpc>
+                    <a:spcPct val="90000"/>
+                  </a:lnSpc>
+                  <a:spcBef>
+                    <a:spcPts val="500"/>
+                  </a:spcBef>
+                  <a:buFont typeface="Arial" panose="020B0604020202020204" pitchFamily="34" charset="0"/>
+                  <a:buChar char="•"/>
+                  <a:defRPr sz="1800" kern="1200">
+                    <a:solidFill>
+                      <a:schemeClr val="tx1"/>
+                    </a:solidFill>
+                    <a:latin typeface="+mn-lt"/>
+                    <a:ea typeface="+mn-ea"/>
+                    <a:cs typeface="+mn-cs"/>
+                  </a:defRPr>
+                </a:lvl9pPr>
+              </a:lstStyle>
+              <a:p>
+                <a:pPr algn="just">
+                  <a:lnSpc>
+                    <a:spcPct val="150000"/>
+                  </a:lnSpc>
+                  <a:buClr>
+                    <a:srgbClr val="FF0000"/>
+                  </a:buClr>
+                  <a:buFont typeface="Wingdings" panose="05000000000000000000" pitchFamily="2" charset="2"/>
+                  <a:buChar char="Ø"/>
+                </a:pPr>
+                <a:r>
+                  <a:rPr lang="it-IT" sz="2200" dirty="0">
+                    <a:ea typeface="Cambria Math" panose="02040503050406030204" pitchFamily="18" charset="0"/>
+                  </a:rPr>
+                  <a:t> Recall </a:t>
+                </a:r>
+                <a:r>
+                  <a:rPr lang="it-IT" sz="2200" dirty="0" err="1">
+                    <a:ea typeface="Cambria Math" panose="02040503050406030204" pitchFamily="18" charset="0"/>
+                  </a:rPr>
+                  <a:t>that</a:t>
+                </a:r>
+                <a:r>
+                  <a:rPr lang="it-IT" sz="2200" dirty="0">
+                    <a:ea typeface="Cambria Math" panose="02040503050406030204" pitchFamily="18" charset="0"/>
+                  </a:rPr>
+                  <a:t> in </a:t>
+                </a:r>
+                <a:r>
+                  <a:rPr lang="it-IT" sz="2200" dirty="0" err="1">
+                    <a:ea typeface="Cambria Math" panose="02040503050406030204" pitchFamily="18" charset="0"/>
+                  </a:rPr>
+                  <a:t>Newton’s</a:t>
+                </a:r>
+                <a:r>
+                  <a:rPr lang="it-IT" sz="2200" dirty="0">
+                    <a:ea typeface="Cambria Math" panose="02040503050406030204" pitchFamily="18" charset="0"/>
+                  </a:rPr>
+                  <a:t> </a:t>
+                </a:r>
+                <a:r>
+                  <a:rPr lang="it-IT" sz="2200" dirty="0" err="1">
+                    <a:ea typeface="Cambria Math" panose="02040503050406030204" pitchFamily="18" charset="0"/>
+                  </a:rPr>
+                  <a:t>method</a:t>
+                </a:r>
+                <a:r>
+                  <a:rPr lang="it-IT" sz="2200" dirty="0">
+                    <a:ea typeface="Cambria Math" panose="02040503050406030204" pitchFamily="18" charset="0"/>
+                  </a:rPr>
+                  <a:t>:</a:t>
+                </a:r>
+              </a:p>
+              <a:p>
+                <a:pPr algn="just">
+                  <a:lnSpc>
+                    <a:spcPct val="150000"/>
+                  </a:lnSpc>
+                </a:pPr>
+                <a:endParaRPr lang="it-IT" sz="2200" dirty="0">
+                  <a:ea typeface="Cambria Math" panose="02040503050406030204" pitchFamily="18" charset="0"/>
+                </a:endParaRPr>
+              </a:p>
+              <a:p>
+                <a:pPr marL="0" indent="0" algn="just">
+                  <a:lnSpc>
+                    <a:spcPct val="150000"/>
+                  </a:lnSpc>
+                  <a:buNone/>
+                </a:pPr>
+                <a:r>
+                  <a:rPr lang="it-IT" sz="2200" dirty="0" err="1">
+                    <a:ea typeface="Cambria Math" panose="02040503050406030204" pitchFamily="18" charset="0"/>
+                  </a:rPr>
+                  <a:t>where</a:t>
+                </a:r>
+                <a:r>
+                  <a:rPr lang="it-IT" sz="2200" dirty="0">
+                    <a:ea typeface="Cambria Math" panose="02040503050406030204" pitchFamily="18" charset="0"/>
+                  </a:rPr>
+                  <a:t> </a:t>
+                </a:r>
+                <a14:m>
+                  <m:oMath xmlns:m="http://schemas.openxmlformats.org/officeDocument/2006/math">
+                    <m:sSup>
+                      <m:sSupPr>
+                        <m:ctrlPr>
+                          <a:rPr lang="it-IT" sz="2200" i="1" smtClean="0">
+                            <a:latin typeface="Cambria Math" panose="02040503050406030204" pitchFamily="18" charset="0"/>
+                            <a:ea typeface="Cambria Math" panose="02040503050406030204" pitchFamily="18" charset="0"/>
+                          </a:rPr>
+                        </m:ctrlPr>
+                      </m:sSupPr>
+                      <m:e>
+                        <m:r>
+                          <a:rPr lang="it-IT" sz="2200" b="0" i="1" smtClean="0">
+                            <a:latin typeface="Cambria Math" panose="02040503050406030204" pitchFamily="18" charset="0"/>
+                            <a:ea typeface="Cambria Math" panose="02040503050406030204" pitchFamily="18" charset="0"/>
+                          </a:rPr>
+                          <m:t>𝐷</m:t>
+                        </m:r>
+                      </m:e>
+                      <m:sup>
+                        <m:r>
+                          <a:rPr lang="it-IT" sz="2200" b="0" i="1" smtClean="0">
+                            <a:latin typeface="Cambria Math" panose="02040503050406030204" pitchFamily="18" charset="0"/>
+                            <a:ea typeface="Cambria Math" panose="02040503050406030204" pitchFamily="18" charset="0"/>
+                          </a:rPr>
+                          <m:t>2</m:t>
+                        </m:r>
+                      </m:sup>
+                    </m:sSup>
+                    <m:r>
+                      <a:rPr lang="it-IT" sz="2200" b="0" i="1" smtClean="0">
+                        <a:latin typeface="Cambria Math" panose="02040503050406030204" pitchFamily="18" charset="0"/>
+                        <a:ea typeface="Cambria Math" panose="02040503050406030204" pitchFamily="18" charset="0"/>
+                      </a:rPr>
+                      <m:t>𝑓</m:t>
+                    </m:r>
+                    <m:d>
+                      <m:dPr>
+                        <m:ctrlPr>
+                          <a:rPr lang="it-IT" sz="2200" b="0" i="1" smtClean="0">
+                            <a:latin typeface="Cambria Math" panose="02040503050406030204" pitchFamily="18" charset="0"/>
+                            <a:ea typeface="Cambria Math" panose="02040503050406030204" pitchFamily="18" charset="0"/>
+                          </a:rPr>
+                        </m:ctrlPr>
+                      </m:dPr>
+                      <m:e>
+                        <m:sSub>
+                          <m:sSubPr>
+                            <m:ctrlPr>
+                              <a:rPr lang="it-IT" sz="2200" b="0" i="1" smtClean="0">
+                                <a:latin typeface="Cambria Math" panose="02040503050406030204" pitchFamily="18" charset="0"/>
+                                <a:ea typeface="Cambria Math" panose="02040503050406030204" pitchFamily="18" charset="0"/>
+                              </a:rPr>
+                            </m:ctrlPr>
+                          </m:sSubPr>
+                          <m:e>
+                            <m:r>
+                              <a:rPr lang="it-IT" sz="2200" b="0" i="1" smtClean="0">
+                                <a:latin typeface="Cambria Math" panose="02040503050406030204" pitchFamily="18" charset="0"/>
+                                <a:ea typeface="Cambria Math" panose="02040503050406030204" pitchFamily="18" charset="0"/>
+                              </a:rPr>
+                              <m:t>𝑥</m:t>
+                            </m:r>
+                          </m:e>
+                          <m:sub>
+                            <m:r>
+                              <a:rPr lang="it-IT" sz="2200" b="0" i="1" smtClean="0">
+                                <a:latin typeface="Cambria Math" panose="02040503050406030204" pitchFamily="18" charset="0"/>
+                                <a:ea typeface="Cambria Math" panose="02040503050406030204" pitchFamily="18" charset="0"/>
+                              </a:rPr>
+                              <m:t>𝑘</m:t>
+                            </m:r>
+                          </m:sub>
+                        </m:sSub>
+                      </m:e>
+                    </m:d>
+                  </m:oMath>
+                </a14:m>
+                <a:r>
+                  <a:rPr lang="it-IT" sz="2200" dirty="0">
+                    <a:ea typeface="Cambria Math" panose="02040503050406030204" pitchFamily="18" charset="0"/>
+                  </a:rPr>
+                  <a:t> </a:t>
+                </a:r>
+                <a:r>
+                  <a:rPr lang="it-IT" sz="2200" dirty="0" err="1">
+                    <a:ea typeface="Cambria Math" panose="02040503050406030204" pitchFamily="18" charset="0"/>
+                  </a:rPr>
+                  <a:t>is</a:t>
+                </a:r>
+                <a:r>
+                  <a:rPr lang="it-IT" sz="2200" dirty="0">
+                    <a:ea typeface="Cambria Math" panose="02040503050406030204" pitchFamily="18" charset="0"/>
+                  </a:rPr>
+                  <a:t> a positive definite </a:t>
+                </a:r>
+                <a:r>
+                  <a:rPr lang="it-IT" sz="2200" dirty="0" err="1">
+                    <a:ea typeface="Cambria Math" panose="02040503050406030204" pitchFamily="18" charset="0"/>
+                  </a:rPr>
+                  <a:t>Hessian</a:t>
+                </a:r>
+                <a:r>
+                  <a:rPr lang="it-IT" sz="2200" dirty="0">
+                    <a:ea typeface="Cambria Math" panose="02040503050406030204" pitchFamily="18" charset="0"/>
+                  </a:rPr>
+                  <a:t>. </a:t>
+                </a:r>
+                <a:r>
+                  <a:rPr lang="it-IT" sz="2200" dirty="0" err="1">
+                    <a:ea typeface="Cambria Math" panose="02040503050406030204" pitchFamily="18" charset="0"/>
+                  </a:rPr>
+                  <a:t>If</a:t>
+                </a:r>
+                <a:r>
+                  <a:rPr lang="it-IT" sz="2200" dirty="0">
+                    <a:ea typeface="Cambria Math" panose="02040503050406030204" pitchFamily="18" charset="0"/>
+                  </a:rPr>
+                  <a:t> </a:t>
+                </a:r>
+                <a:r>
+                  <a:rPr lang="it-IT" sz="2200" dirty="0" err="1">
+                    <a:ea typeface="Cambria Math" panose="02040503050406030204" pitchFamily="18" charset="0"/>
+                  </a:rPr>
+                  <a:t>instead</a:t>
+                </a:r>
+                <a:r>
+                  <a:rPr lang="it-IT" sz="2200" dirty="0">
+                    <a:ea typeface="Cambria Math" panose="02040503050406030204" pitchFamily="18" charset="0"/>
+                  </a:rPr>
+                  <a:t> of the </a:t>
+                </a:r>
+                <a:r>
+                  <a:rPr lang="it-IT" sz="2200" dirty="0" err="1">
+                    <a:ea typeface="Cambria Math" panose="02040503050406030204" pitchFamily="18" charset="0"/>
+                  </a:rPr>
+                  <a:t>Hessian</a:t>
+                </a:r>
+                <a:r>
+                  <a:rPr lang="it-IT" sz="2200" dirty="0">
+                    <a:ea typeface="Cambria Math" panose="02040503050406030204" pitchFamily="18" charset="0"/>
+                  </a:rPr>
+                  <a:t> </a:t>
+                </a:r>
+                <a14:m>
+                  <m:oMath xmlns:m="http://schemas.openxmlformats.org/officeDocument/2006/math">
+                    <m:sSup>
+                      <m:sSupPr>
+                        <m:ctrlPr>
+                          <a:rPr lang="it-IT" sz="2200" i="1">
+                            <a:latin typeface="Cambria Math" panose="02040503050406030204" pitchFamily="18" charset="0"/>
+                            <a:ea typeface="Cambria Math" panose="02040503050406030204" pitchFamily="18" charset="0"/>
+                          </a:rPr>
+                        </m:ctrlPr>
+                      </m:sSupPr>
+                      <m:e>
+                        <m:r>
+                          <a:rPr lang="it-IT" sz="2200" i="1">
+                            <a:latin typeface="Cambria Math" panose="02040503050406030204" pitchFamily="18" charset="0"/>
+                            <a:ea typeface="Cambria Math" panose="02040503050406030204" pitchFamily="18" charset="0"/>
+                          </a:rPr>
+                          <m:t>𝐷</m:t>
+                        </m:r>
+                      </m:e>
+                      <m:sup>
+                        <m:r>
+                          <a:rPr lang="it-IT" sz="2200" i="1">
+                            <a:latin typeface="Cambria Math" panose="02040503050406030204" pitchFamily="18" charset="0"/>
+                            <a:ea typeface="Cambria Math" panose="02040503050406030204" pitchFamily="18" charset="0"/>
+                          </a:rPr>
+                          <m:t>2</m:t>
+                        </m:r>
+                      </m:sup>
+                    </m:sSup>
+                    <m:r>
+                      <a:rPr lang="it-IT" sz="2200" i="1">
+                        <a:latin typeface="Cambria Math" panose="02040503050406030204" pitchFamily="18" charset="0"/>
+                        <a:ea typeface="Cambria Math" panose="02040503050406030204" pitchFamily="18" charset="0"/>
+                      </a:rPr>
+                      <m:t>𝑓</m:t>
+                    </m:r>
+                    <m:d>
+                      <m:dPr>
+                        <m:ctrlPr>
+                          <a:rPr lang="it-IT" sz="2200" i="1">
+                            <a:latin typeface="Cambria Math" panose="02040503050406030204" pitchFamily="18" charset="0"/>
+                            <a:ea typeface="Cambria Math" panose="02040503050406030204" pitchFamily="18" charset="0"/>
+                          </a:rPr>
+                        </m:ctrlPr>
+                      </m:dPr>
+                      <m:e>
+                        <m:sSub>
+                          <m:sSubPr>
+                            <m:ctrlPr>
+                              <a:rPr lang="it-IT" sz="2200" i="1">
+                                <a:latin typeface="Cambria Math" panose="02040503050406030204" pitchFamily="18" charset="0"/>
+                                <a:ea typeface="Cambria Math" panose="02040503050406030204" pitchFamily="18" charset="0"/>
+                              </a:rPr>
+                            </m:ctrlPr>
+                          </m:sSubPr>
+                          <m:e>
+                            <m:r>
+                              <a:rPr lang="it-IT" sz="2200" i="1">
+                                <a:latin typeface="Cambria Math" panose="02040503050406030204" pitchFamily="18" charset="0"/>
+                                <a:ea typeface="Cambria Math" panose="02040503050406030204" pitchFamily="18" charset="0"/>
+                              </a:rPr>
+                              <m:t>𝑥</m:t>
+                            </m:r>
+                          </m:e>
+                          <m:sub>
+                            <m:r>
+                              <a:rPr lang="it-IT" sz="2200" i="1">
+                                <a:latin typeface="Cambria Math" panose="02040503050406030204" pitchFamily="18" charset="0"/>
+                                <a:ea typeface="Cambria Math" panose="02040503050406030204" pitchFamily="18" charset="0"/>
+                              </a:rPr>
+                              <m:t>𝑘</m:t>
+                            </m:r>
+                          </m:sub>
+                        </m:sSub>
+                      </m:e>
+                    </m:d>
+                  </m:oMath>
+                </a14:m>
+                <a:r>
+                  <a:rPr lang="it-IT" sz="2200" dirty="0">
+                    <a:ea typeface="Cambria Math" panose="02040503050406030204" pitchFamily="18" charset="0"/>
+                  </a:rPr>
+                  <a:t> </a:t>
+                </a:r>
+                <a:r>
+                  <a:rPr lang="it-IT" sz="2200" dirty="0" err="1">
+                    <a:ea typeface="Cambria Math" panose="02040503050406030204" pitchFamily="18" charset="0"/>
+                  </a:rPr>
+                  <a:t>we</a:t>
+                </a:r>
+                <a:r>
+                  <a:rPr lang="it-IT" sz="2200" dirty="0">
+                    <a:ea typeface="Cambria Math" panose="02040503050406030204" pitchFamily="18" charset="0"/>
+                  </a:rPr>
+                  <a:t> use an </a:t>
+                </a:r>
+                <a:r>
+                  <a:rPr lang="it-IT" sz="2200" dirty="0" err="1">
+                    <a:ea typeface="Cambria Math" panose="02040503050406030204" pitchFamily="18" charset="0"/>
+                  </a:rPr>
+                  <a:t>approximation</a:t>
+                </a:r>
+                <a:r>
+                  <a:rPr lang="it-IT" sz="2200" dirty="0">
+                    <a:ea typeface="Cambria Math" panose="02040503050406030204" pitchFamily="18" charset="0"/>
+                  </a:rPr>
+                  <a:t> </a:t>
+                </a:r>
+                <a14:m>
+                  <m:oMath xmlns:m="http://schemas.openxmlformats.org/officeDocument/2006/math">
+                    <m:sSub>
+                      <m:sSubPr>
+                        <m:ctrlPr>
+                          <a:rPr lang="it-IT" sz="2200" i="1" dirty="0" smtClean="0">
+                            <a:latin typeface="Cambria Math" panose="02040503050406030204" pitchFamily="18" charset="0"/>
+                            <a:ea typeface="Cambria Math" panose="02040503050406030204" pitchFamily="18" charset="0"/>
+                          </a:rPr>
+                        </m:ctrlPr>
+                      </m:sSubPr>
+                      <m:e>
+                        <m:r>
+                          <a:rPr lang="it-IT" sz="2200" b="0" i="1" dirty="0" smtClean="0">
+                            <a:latin typeface="Cambria Math" panose="02040503050406030204" pitchFamily="18" charset="0"/>
+                            <a:ea typeface="Cambria Math" panose="02040503050406030204" pitchFamily="18" charset="0"/>
+                          </a:rPr>
+                          <m:t>𝐵</m:t>
+                        </m:r>
+                      </m:e>
+                      <m:sub>
+                        <m:r>
+                          <a:rPr lang="it-IT" sz="2200" b="0" i="1" dirty="0" smtClean="0">
+                            <a:latin typeface="Cambria Math" panose="02040503050406030204" pitchFamily="18" charset="0"/>
+                            <a:ea typeface="Cambria Math" panose="02040503050406030204" pitchFamily="18" charset="0"/>
+                          </a:rPr>
+                          <m:t>𝑘</m:t>
+                        </m:r>
+                      </m:sub>
+                    </m:sSub>
+                  </m:oMath>
+                </a14:m>
+                <a:r>
+                  <a:rPr lang="it-IT" sz="2200" dirty="0">
+                    <a:ea typeface="Cambria Math" panose="02040503050406030204" pitchFamily="18" charset="0"/>
+                  </a:rPr>
+                  <a:t> ≈ </a:t>
+                </a:r>
+                <a14:m>
+                  <m:oMath xmlns:m="http://schemas.openxmlformats.org/officeDocument/2006/math">
+                    <m:sSup>
+                      <m:sSupPr>
+                        <m:ctrlPr>
+                          <a:rPr lang="it-IT" sz="2200" i="1">
+                            <a:latin typeface="Cambria Math" panose="02040503050406030204" pitchFamily="18" charset="0"/>
+                            <a:ea typeface="Cambria Math" panose="02040503050406030204" pitchFamily="18" charset="0"/>
+                          </a:rPr>
+                        </m:ctrlPr>
+                      </m:sSupPr>
+                      <m:e>
+                        <m:r>
+                          <a:rPr lang="it-IT" sz="2200" i="1">
+                            <a:latin typeface="Cambria Math" panose="02040503050406030204" pitchFamily="18" charset="0"/>
+                            <a:ea typeface="Cambria Math" panose="02040503050406030204" pitchFamily="18" charset="0"/>
+                          </a:rPr>
+                          <m:t>𝐷</m:t>
+                        </m:r>
+                      </m:e>
+                      <m:sup>
+                        <m:r>
+                          <a:rPr lang="it-IT" sz="2200" i="1">
+                            <a:latin typeface="Cambria Math" panose="02040503050406030204" pitchFamily="18" charset="0"/>
+                            <a:ea typeface="Cambria Math" panose="02040503050406030204" pitchFamily="18" charset="0"/>
+                          </a:rPr>
+                          <m:t>2</m:t>
+                        </m:r>
+                      </m:sup>
+                    </m:sSup>
+                    <m:r>
+                      <a:rPr lang="it-IT" sz="2200" i="1">
+                        <a:latin typeface="Cambria Math" panose="02040503050406030204" pitchFamily="18" charset="0"/>
+                        <a:ea typeface="Cambria Math" panose="02040503050406030204" pitchFamily="18" charset="0"/>
+                      </a:rPr>
+                      <m:t>𝑓</m:t>
+                    </m:r>
+                    <m:d>
+                      <m:dPr>
+                        <m:ctrlPr>
+                          <a:rPr lang="it-IT" sz="2200" i="1">
+                            <a:latin typeface="Cambria Math" panose="02040503050406030204" pitchFamily="18" charset="0"/>
+                            <a:ea typeface="Cambria Math" panose="02040503050406030204" pitchFamily="18" charset="0"/>
+                          </a:rPr>
+                        </m:ctrlPr>
+                      </m:dPr>
+                      <m:e>
+                        <m:sSub>
+                          <m:sSubPr>
+                            <m:ctrlPr>
+                              <a:rPr lang="it-IT" sz="2200" i="1">
+                                <a:latin typeface="Cambria Math" panose="02040503050406030204" pitchFamily="18" charset="0"/>
+                                <a:ea typeface="Cambria Math" panose="02040503050406030204" pitchFamily="18" charset="0"/>
+                              </a:rPr>
+                            </m:ctrlPr>
+                          </m:sSubPr>
+                          <m:e>
+                            <m:r>
+                              <a:rPr lang="it-IT" sz="2200" i="1">
+                                <a:latin typeface="Cambria Math" panose="02040503050406030204" pitchFamily="18" charset="0"/>
+                                <a:ea typeface="Cambria Math" panose="02040503050406030204" pitchFamily="18" charset="0"/>
+                              </a:rPr>
+                              <m:t>𝑥</m:t>
+                            </m:r>
+                          </m:e>
+                          <m:sub>
+                            <m:r>
+                              <a:rPr lang="it-IT" sz="2200" i="1">
+                                <a:latin typeface="Cambria Math" panose="02040503050406030204" pitchFamily="18" charset="0"/>
+                                <a:ea typeface="Cambria Math" panose="02040503050406030204" pitchFamily="18" charset="0"/>
+                              </a:rPr>
+                              <m:t>𝑘</m:t>
+                            </m:r>
+                          </m:sub>
+                        </m:sSub>
+                      </m:e>
+                    </m:d>
+                  </m:oMath>
+                </a14:m>
+                <a:r>
+                  <a:rPr lang="it-IT" sz="2200" dirty="0">
+                    <a:ea typeface="Cambria Math" panose="02040503050406030204" pitchFamily="18" charset="0"/>
+                  </a:rPr>
+                  <a:t>, </a:t>
+                </a:r>
+                <a:r>
+                  <a:rPr lang="it-IT" sz="2200" dirty="0" err="1">
+                    <a:ea typeface="Cambria Math" panose="02040503050406030204" pitchFamily="18" charset="0"/>
+                  </a:rPr>
+                  <a:t>we</a:t>
+                </a:r>
+                <a:r>
+                  <a:rPr lang="it-IT" sz="2200" dirty="0">
+                    <a:ea typeface="Cambria Math" panose="02040503050406030204" pitchFamily="18" charset="0"/>
+                  </a:rPr>
+                  <a:t> can </a:t>
+                </a:r>
+                <a:r>
+                  <a:rPr lang="it-IT" sz="2200" dirty="0" err="1">
+                    <a:ea typeface="Cambria Math" panose="02040503050406030204" pitchFamily="18" charset="0"/>
+                  </a:rPr>
+                  <a:t>have</a:t>
+                </a:r>
+                <a:r>
+                  <a:rPr lang="it-IT" sz="2200" dirty="0">
+                    <a:ea typeface="Cambria Math" panose="02040503050406030204" pitchFamily="18" charset="0"/>
+                  </a:rPr>
+                  <a:t> a </a:t>
+                </a:r>
+                <a:r>
+                  <a:rPr lang="it-IT" sz="2200" dirty="0" err="1">
+                    <a:ea typeface="Cambria Math" panose="02040503050406030204" pitchFamily="18" charset="0"/>
+                  </a:rPr>
+                  <a:t>much</a:t>
+                </a:r>
+                <a:r>
+                  <a:rPr lang="it-IT" sz="2200" dirty="0">
+                    <a:ea typeface="Cambria Math" panose="02040503050406030204" pitchFamily="18" charset="0"/>
+                  </a:rPr>
+                  <a:t> </a:t>
+                </a:r>
+                <a:r>
+                  <a:rPr lang="it-IT" sz="2200" dirty="0" err="1">
+                    <a:ea typeface="Cambria Math" panose="02040503050406030204" pitchFamily="18" charset="0"/>
+                  </a:rPr>
+                  <a:t>faster</a:t>
+                </a:r>
+                <a:r>
+                  <a:rPr lang="it-IT" sz="2200" dirty="0">
+                    <a:ea typeface="Cambria Math" panose="02040503050406030204" pitchFamily="18" charset="0"/>
+                  </a:rPr>
+                  <a:t> </a:t>
+                </a:r>
+                <a:r>
+                  <a:rPr lang="it-IT" sz="2200" dirty="0" err="1">
+                    <a:ea typeface="Cambria Math" panose="02040503050406030204" pitchFamily="18" charset="0"/>
+                  </a:rPr>
+                  <a:t>algorithm</a:t>
+                </a:r>
+                <a:r>
+                  <a:rPr lang="it-IT" sz="2200" dirty="0">
+                    <a:ea typeface="Cambria Math" panose="02040503050406030204" pitchFamily="18" charset="0"/>
+                  </a:rPr>
+                  <a:t> </a:t>
+                </a:r>
+                <a:r>
+                  <a:rPr lang="it-IT" sz="2200" dirty="0" err="1">
+                    <a:ea typeface="Cambria Math" panose="02040503050406030204" pitchFamily="18" charset="0"/>
+                  </a:rPr>
+                  <a:t>comparing</a:t>
+                </a:r>
+                <a:r>
+                  <a:rPr lang="it-IT" sz="2200" dirty="0">
+                    <a:ea typeface="Cambria Math" panose="02040503050406030204" pitchFamily="18" charset="0"/>
+                  </a:rPr>
+                  <a:t> to </a:t>
+                </a:r>
+                <a:r>
+                  <a:rPr lang="it-IT" sz="2200" dirty="0" err="1">
+                    <a:ea typeface="Cambria Math" panose="02040503050406030204" pitchFamily="18" charset="0"/>
+                  </a:rPr>
+                  <a:t>Newton’s</a:t>
+                </a:r>
+                <a:r>
+                  <a:rPr lang="it-IT" sz="2200" dirty="0">
+                    <a:ea typeface="Cambria Math" panose="02040503050406030204" pitchFamily="18" charset="0"/>
+                  </a:rPr>
+                  <a:t> </a:t>
+                </a:r>
+                <a:r>
+                  <a:rPr lang="it-IT" sz="2200" dirty="0" err="1">
+                    <a:ea typeface="Cambria Math" panose="02040503050406030204" pitchFamily="18" charset="0"/>
+                  </a:rPr>
+                  <a:t>method</a:t>
+                </a:r>
+                <a:r>
+                  <a:rPr lang="it-IT" sz="2200" dirty="0">
+                    <a:latin typeface="Cambria Math" panose="02040503050406030204" pitchFamily="18" charset="0"/>
+                    <a:ea typeface="Cambria Math" panose="02040503050406030204" pitchFamily="18" charset="0"/>
+                  </a:rPr>
+                  <a:t>. </a:t>
+                </a:r>
+              </a:p>
+            </p:txBody>
+          </p:sp>
+        </mc:Choice>
+        <mc:Fallback>
+          <p:sp>
+            <p:nvSpPr>
+              <p:cNvPr id="12" name="Sottotitolo 2"/>
+              <p:cNvSpPr txBox="1">
+                <a:spLocks noRot="1" noChangeAspect="1" noMove="1" noResize="1" noEditPoints="1" noAdjustHandles="1" noChangeArrowheads="1" noChangeShapeType="1" noTextEdit="1"/>
+              </p:cNvSpPr>
+              <p:nvPr/>
+            </p:nvSpPr>
+            <p:spPr>
+              <a:xfrm>
+                <a:off x="937138" y="1734548"/>
+                <a:ext cx="10330721" cy="3259962"/>
+              </a:xfrm>
+              <a:prstGeom prst="rect">
+                <a:avLst/>
+              </a:prstGeom>
+              <a:blipFill>
+                <a:blip r:embed="rId3"/>
+                <a:stretch>
+                  <a:fillRect l="-767" r="-826"/>
+                </a:stretch>
+              </a:blipFill>
+            </p:spPr>
+            <p:txBody>
+              <a:bodyPr/>
+              <a:lstStyle/>
+              <a:p>
+                <a:r>
+                  <a:rPr lang="en-GB">
+                    <a:noFill/>
+                  </a:rPr>
+                  <a:t> </a:t>
+                </a:r>
+              </a:p>
+            </p:txBody>
+          </p:sp>
+        </mc:Fallback>
+      </mc:AlternateContent>
+      <p:sp>
+        <p:nvSpPr>
+          <p:cNvPr id="13" name="Rettangolo 12"/>
+          <p:cNvSpPr/>
           <p:nvPr/>
-        </p:nvCxnSpPr>
+        </p:nvSpPr>
         <p:spPr>
           <a:xfrm>
-            <a:off x="431800" y="1515186"/>
-            <a:ext cx="9711558" cy="0"/>
+            <a:off x="886621" y="4861709"/>
+            <a:ext cx="10508105" cy="1055545"/>
           </a:xfrm>
-          <a:prstGeom prst="line">
+          <a:prstGeom prst="rect">
             <a:avLst/>
           </a:prstGeom>
-          <a:ln w="28575">
+        </p:spPr>
+        <p:txBody>
+          <a:bodyPr wrap="square">
+            <a:spAutoFit/>
+          </a:bodyPr>
+          <a:lstStyle/>
+          <a:p>
+            <a:pPr marL="342900" indent="-342900" algn="just">
+              <a:lnSpc>
+                <a:spcPct val="150000"/>
+              </a:lnSpc>
+              <a:buClr>
+                <a:srgbClr val="FF0000"/>
+              </a:buClr>
+              <a:buFont typeface="Wingdings" panose="05000000000000000000" pitchFamily="2" charset="2"/>
+              <a:buChar char="Ø"/>
+            </a:pPr>
+            <a:r>
+              <a:rPr lang="it-IT" sz="2200" dirty="0">
+                <a:ea typeface="Cambria Math" panose="02040503050406030204" pitchFamily="18" charset="0"/>
+              </a:rPr>
+              <a:t>The </a:t>
+            </a:r>
+            <a:r>
+              <a:rPr lang="it-IT" sz="2200" dirty="0" err="1">
+                <a:ea typeface="Cambria Math" panose="02040503050406030204" pitchFamily="18" charset="0"/>
+              </a:rPr>
+              <a:t>Hessian</a:t>
+            </a:r>
+            <a:r>
+              <a:rPr lang="it-IT" sz="2200" dirty="0">
+                <a:ea typeface="Cambria Math" panose="02040503050406030204" pitchFamily="18" charset="0"/>
+              </a:rPr>
+              <a:t> </a:t>
+            </a:r>
+            <a:r>
+              <a:rPr lang="it-IT" sz="2200" dirty="0" err="1">
+                <a:ea typeface="Cambria Math" panose="02040503050406030204" pitchFamily="18" charset="0"/>
+              </a:rPr>
+              <a:t>approximation</a:t>
+            </a:r>
+            <a:r>
+              <a:rPr lang="it-IT" sz="2200" dirty="0">
+                <a:ea typeface="Cambria Math" panose="02040503050406030204" pitchFamily="18" charset="0"/>
+              </a:rPr>
+              <a:t> B must </a:t>
+            </a:r>
+            <a:r>
+              <a:rPr lang="it-IT" sz="2200" dirty="0" err="1">
+                <a:ea typeface="Cambria Math" panose="02040503050406030204" pitchFamily="18" charset="0"/>
+              </a:rPr>
+              <a:t>satisfy</a:t>
+            </a:r>
+            <a:r>
+              <a:rPr lang="it-IT" sz="2200" dirty="0">
+                <a:ea typeface="Cambria Math" panose="02040503050406030204" pitchFamily="18" charset="0"/>
+              </a:rPr>
+              <a:t> the quasi-Newton </a:t>
+            </a:r>
+            <a:r>
+              <a:rPr lang="it-IT" sz="2200" dirty="0" err="1">
+                <a:ea typeface="Cambria Math" panose="02040503050406030204" pitchFamily="18" charset="0"/>
+              </a:rPr>
+              <a:t>condition</a:t>
+            </a:r>
+            <a:r>
+              <a:rPr lang="it-IT" sz="2200" dirty="0">
+                <a:ea typeface="Cambria Math" panose="02040503050406030204" pitchFamily="18" charset="0"/>
+              </a:rPr>
+              <a:t> (or </a:t>
+            </a:r>
+            <a:r>
+              <a:rPr lang="it-IT" sz="2200" dirty="0" err="1">
+                <a:ea typeface="Cambria Math" panose="02040503050406030204" pitchFamily="18" charset="0"/>
+              </a:rPr>
+              <a:t>secant</a:t>
+            </a:r>
+            <a:r>
+              <a:rPr lang="it-IT" sz="2200" dirty="0">
+                <a:ea typeface="Cambria Math" panose="02040503050406030204" pitchFamily="18" charset="0"/>
+              </a:rPr>
+              <a:t> </a:t>
+            </a:r>
+            <a:r>
+              <a:rPr lang="it-IT" sz="2200" dirty="0" err="1">
+                <a:ea typeface="Cambria Math" panose="02040503050406030204" pitchFamily="18" charset="0"/>
+              </a:rPr>
+              <a:t>equation</a:t>
+            </a:r>
+            <a:r>
+              <a:rPr lang="it-IT" sz="2200" dirty="0">
+                <a:ea typeface="Cambria Math" panose="02040503050406030204" pitchFamily="18" charset="0"/>
+              </a:rPr>
+              <a:t>): </a:t>
+            </a:r>
+          </a:p>
+        </p:txBody>
+      </p:sp>
+      <p:pic>
+        <p:nvPicPr>
+          <p:cNvPr id="14" name="Immagine 13"/>
+          <p:cNvPicPr>
+            <a:picLocks noChangeAspect="1"/>
+          </p:cNvPicPr>
+          <p:nvPr/>
+        </p:nvPicPr>
+        <p:blipFill rotWithShape="1">
+          <a:blip r:embed="rId4"/>
+          <a:srcRect t="6343" b="1"/>
+          <a:stretch/>
+        </p:blipFill>
+        <p:spPr>
+          <a:xfrm>
+            <a:off x="3251614" y="2316457"/>
+            <a:ext cx="5619854" cy="679902"/>
+          </a:xfrm>
+          <a:prstGeom prst="rect">
+            <a:avLst/>
+          </a:prstGeom>
+        </p:spPr>
+      </p:pic>
+      <p:pic>
+        <p:nvPicPr>
+          <p:cNvPr id="15" name="Immagine 14"/>
+          <p:cNvPicPr>
+            <a:picLocks noChangeAspect="1"/>
+          </p:cNvPicPr>
+          <p:nvPr/>
+        </p:nvPicPr>
+        <p:blipFill>
+          <a:blip r:embed="rId5"/>
+          <a:stretch>
+            <a:fillRect/>
+          </a:stretch>
+        </p:blipFill>
+        <p:spPr>
+          <a:xfrm>
+            <a:off x="3320532" y="5784452"/>
+            <a:ext cx="5550936" cy="846380"/>
+          </a:xfrm>
+          <a:prstGeom prst="rect">
+            <a:avLst/>
+          </a:prstGeom>
+        </p:spPr>
+      </p:pic>
+    </p:spTree>
+    <p:extLst>
+      <p:ext uri="{BB962C8B-B14F-4D97-AF65-F5344CB8AC3E}">
+        <p14:creationId xmlns:p14="http://schemas.microsoft.com/office/powerpoint/2010/main" val="2759209220"/>
+      </p:ext>
+    </p:extLst>
+  </p:cSld>
+  <p:clrMapOvr>
+    <a:masterClrMapping/>
+  </p:clrMapOvr>
+</p:sld>
+</file>
+
+<file path=ppt/slides/slide15.xml><?xml version="1.0" encoding="utf-8"?>
+<p:sld xmlns:a="http://schemas.openxmlformats.org/drawingml/2006/main" xmlns:r="http://schemas.openxmlformats.org/officeDocument/2006/relationships" xmlns:p="http://schemas.openxmlformats.org/presentationml/2006/main">
+  <p:cSld>
+    <p:spTree>
+      <p:nvGrpSpPr>
+        <p:cNvPr id="1" name="">
+          <a:extLst>
+            <a:ext uri="{FF2B5EF4-FFF2-40B4-BE49-F238E27FC236}">
+              <a16:creationId xmlns:a16="http://schemas.microsoft.com/office/drawing/2014/main" id="{B60EA1EE-A018-2E1C-B0EC-7DC03F3D772A}"/>
+            </a:ext>
+          </a:extLst>
+        </p:cNvPr>
+        <p:cNvGrpSpPr/>
+        <p:nvPr/>
+      </p:nvGrpSpPr>
+      <p:grpSpPr>
+        <a:xfrm>
+          <a:off x="0" y="0"/>
+          <a:ext cx="0" cy="0"/>
+          <a:chOff x="0" y="0"/>
+          <a:chExt cx="0" cy="0"/>
+        </a:xfrm>
+      </p:grpSpPr>
+      <p:sp>
+        <p:nvSpPr>
+          <p:cNvPr id="2" name="Titolo 1"/>
+          <p:cNvSpPr txBox="1">
+            <a:spLocks/>
+          </p:cNvSpPr>
+          <p:nvPr/>
+        </p:nvSpPr>
+        <p:spPr>
+          <a:xfrm>
+            <a:off x="3807502" y="1148614"/>
+            <a:ext cx="4576997" cy="646476"/>
+          </a:xfrm>
+          <a:prstGeom prst="rect">
+            <a:avLst/>
+          </a:prstGeom>
+        </p:spPr>
+        <p:txBody>
+          <a:bodyPr vert="horz" lIns="91440" tIns="45720" rIns="91440" bIns="45720" rtlCol="0" anchor="ctr">
+            <a:noAutofit/>
+          </a:bodyPr>
+          <a:lstStyle>
+            <a:lvl1pPr algn="l" defTabSz="914400" rtl="0" eaLnBrk="1" latinLnBrk="0" hangingPunct="1">
+              <a:lnSpc>
+                <a:spcPct val="90000"/>
+              </a:lnSpc>
+              <a:spcBef>
+                <a:spcPct val="0"/>
+              </a:spcBef>
+              <a:buNone/>
+              <a:defRPr sz="4400" kern="1200" baseline="0">
+                <a:solidFill>
+                  <a:schemeClr val="tx1"/>
+                </a:solidFill>
+                <a:latin typeface="+mj-lt"/>
+                <a:ea typeface="+mj-ea"/>
+                <a:cs typeface="+mj-cs"/>
+              </a:defRPr>
+            </a:lvl1pPr>
+          </a:lstStyle>
+          <a:p>
+            <a:r>
+              <a:rPr lang="it-IT" dirty="0">
+                <a:ea typeface="Cambria Math" panose="02040503050406030204" pitchFamily="18" charset="0"/>
+              </a:rPr>
+              <a:t>BFGS </a:t>
+            </a:r>
+            <a:r>
+              <a:rPr lang="it-IT" dirty="0" err="1">
+                <a:ea typeface="Cambria Math" panose="02040503050406030204" pitchFamily="18" charset="0"/>
+              </a:rPr>
+              <a:t>optimization</a:t>
+            </a:r>
+            <a:r>
+              <a:rPr lang="it-IT" dirty="0">
+                <a:ea typeface="Cambria Math" panose="02040503050406030204" pitchFamily="18" charset="0"/>
+              </a:rPr>
+              <a:t> </a:t>
+            </a:r>
+          </a:p>
+        </p:txBody>
+      </p:sp>
+      <p:sp>
+        <p:nvSpPr>
+          <p:cNvPr id="3" name="Freccia in giù 2"/>
+          <p:cNvSpPr/>
+          <p:nvPr/>
+        </p:nvSpPr>
+        <p:spPr>
+          <a:xfrm>
+            <a:off x="5566349" y="4443421"/>
+            <a:ext cx="1059303" cy="689547"/>
+          </a:xfrm>
+          <a:prstGeom prst="downArrow">
+            <a:avLst/>
+          </a:prstGeom>
+          <a:ln w="76200">
             <a:solidFill>
-              <a:srgbClr val="8F061A"/>
+              <a:srgbClr val="B3071B"/>
             </a:solidFill>
           </a:ln>
         </p:spPr>
         <p:style>
-          <a:lnRef idx="1">
-            <a:schemeClr val="accent1"/>
+          <a:lnRef idx="2">
+            <a:schemeClr val="accent6"/>
           </a:lnRef>
-          <a:fillRef idx="0">
-            <a:schemeClr val="accent1"/>
+          <a:fillRef idx="1">
+            <a:schemeClr val="lt1"/>
           </a:fillRef>
           <a:effectRef idx="0">
-            <a:schemeClr val="accent1"/>
+            <a:schemeClr val="accent6"/>
           </a:effectRef>
           <a:fontRef idx="minor">
-            <a:schemeClr val="tx1"/>
+            <a:schemeClr val="dk1"/>
           </a:fontRef>
         </p:style>
-      </p:cxnSp>
+        <p:txBody>
+          <a:bodyPr rtlCol="0" anchor="ctr"/>
+          <a:lstStyle/>
+          <a:p>
+            <a:pPr algn="ctr"/>
+            <a:endParaRPr lang="it-IT"/>
+          </a:p>
+        </p:txBody>
+      </p:sp>
+      <p:pic>
+        <p:nvPicPr>
+          <p:cNvPr id="4" name="Immagine 3"/>
+          <p:cNvPicPr>
+            <a:picLocks noChangeAspect="1"/>
+          </p:cNvPicPr>
+          <p:nvPr/>
+        </p:nvPicPr>
+        <p:blipFill>
+          <a:blip r:embed="rId3"/>
+          <a:stretch>
+            <a:fillRect/>
+          </a:stretch>
+        </p:blipFill>
+        <p:spPr>
+          <a:xfrm>
+            <a:off x="3110634" y="5256973"/>
+            <a:ext cx="5970732" cy="1395459"/>
+          </a:xfrm>
+          <a:prstGeom prst="rect">
+            <a:avLst/>
+          </a:prstGeom>
+        </p:spPr>
+      </p:pic>
+      <p:pic>
+        <p:nvPicPr>
+          <p:cNvPr id="5" name="Immagine 4"/>
+          <p:cNvPicPr>
+            <a:picLocks noChangeAspect="1"/>
+          </p:cNvPicPr>
+          <p:nvPr/>
+        </p:nvPicPr>
+        <p:blipFill>
+          <a:blip r:embed="rId4"/>
+          <a:stretch>
+            <a:fillRect/>
+          </a:stretch>
+        </p:blipFill>
+        <p:spPr>
+          <a:xfrm>
+            <a:off x="1394437" y="1919094"/>
+            <a:ext cx="9403127" cy="2400323"/>
+          </a:xfrm>
+          <a:prstGeom prst="rect">
+            <a:avLst/>
+          </a:prstGeom>
+        </p:spPr>
+      </p:pic>
+    </p:spTree>
+    <p:extLst>
+      <p:ext uri="{BB962C8B-B14F-4D97-AF65-F5344CB8AC3E}">
+        <p14:creationId xmlns:p14="http://schemas.microsoft.com/office/powerpoint/2010/main" val="718842103"/>
+      </p:ext>
+    </p:extLst>
+  </p:cSld>
+  <p:clrMapOvr>
+    <a:masterClrMapping/>
+  </p:clrMapOvr>
+</p:sld>
+</file>
+
+<file path=ppt/slides/slide16.xml><?xml version="1.0" encoding="utf-8"?>
+<p:sld xmlns:a="http://schemas.openxmlformats.org/drawingml/2006/main" xmlns:r="http://schemas.openxmlformats.org/officeDocument/2006/relationships" xmlns:p="http://schemas.openxmlformats.org/presentationml/2006/main">
+  <p:cSld>
+    <p:spTree>
+      <p:nvGrpSpPr>
+        <p:cNvPr id="1" name="">
+          <a:extLst>
+            <a:ext uri="{FF2B5EF4-FFF2-40B4-BE49-F238E27FC236}">
+              <a16:creationId xmlns:a16="http://schemas.microsoft.com/office/drawing/2014/main" id="{B60EA1EE-A018-2E1C-B0EC-7DC03F3D772A}"/>
+            </a:ext>
+          </a:extLst>
+        </p:cNvPr>
+        <p:cNvGrpSpPr/>
+        <p:nvPr/>
+      </p:nvGrpSpPr>
+      <p:grpSpPr>
+        <a:xfrm>
+          <a:off x="0" y="0"/>
+          <a:ext cx="0" cy="0"/>
+          <a:chOff x="0" y="0"/>
+          <a:chExt cx="0" cy="0"/>
+        </a:xfrm>
+      </p:grpSpPr>
+      <p:grpSp>
+        <p:nvGrpSpPr>
+          <p:cNvPr id="2" name="Gruppo 1"/>
+          <p:cNvGrpSpPr/>
+          <p:nvPr/>
+        </p:nvGrpSpPr>
+        <p:grpSpPr>
+          <a:xfrm>
+            <a:off x="1341121" y="1013841"/>
+            <a:ext cx="9509758" cy="5844159"/>
+            <a:chOff x="548641" y="145675"/>
+            <a:chExt cx="10362789" cy="6491468"/>
+          </a:xfrm>
+        </p:grpSpPr>
+        <p:pic>
+          <p:nvPicPr>
+            <p:cNvPr id="3" name="Immagine 2"/>
+            <p:cNvPicPr>
+              <a:picLocks noChangeAspect="1"/>
+            </p:cNvPicPr>
+            <p:nvPr/>
+          </p:nvPicPr>
+          <p:blipFill rotWithShape="1">
+            <a:blip r:embed="rId3"/>
+            <a:srcRect t="-1" r="50993" b="-523"/>
+            <a:stretch/>
+          </p:blipFill>
+          <p:spPr>
+            <a:xfrm>
+              <a:off x="685109" y="145675"/>
+              <a:ext cx="3241372" cy="3370523"/>
+            </a:xfrm>
+            <a:prstGeom prst="rect">
+              <a:avLst/>
+            </a:prstGeom>
+          </p:spPr>
+        </p:pic>
+        <p:pic>
+          <p:nvPicPr>
+            <p:cNvPr id="4" name="Immagine 3"/>
+            <p:cNvPicPr>
+              <a:picLocks noChangeAspect="1"/>
+            </p:cNvPicPr>
+            <p:nvPr/>
+          </p:nvPicPr>
+          <p:blipFill>
+            <a:blip r:embed="rId4"/>
+            <a:stretch>
+              <a:fillRect/>
+            </a:stretch>
+          </p:blipFill>
+          <p:spPr>
+            <a:xfrm>
+              <a:off x="548641" y="3351090"/>
+              <a:ext cx="3370936" cy="3286053"/>
+            </a:xfrm>
+            <a:prstGeom prst="rect">
+              <a:avLst/>
+            </a:prstGeom>
+          </p:spPr>
+        </p:pic>
+        <p:pic>
+          <p:nvPicPr>
+            <p:cNvPr id="5" name="Immagine 4"/>
+            <p:cNvPicPr>
+              <a:picLocks noChangeAspect="1"/>
+            </p:cNvPicPr>
+            <p:nvPr/>
+          </p:nvPicPr>
+          <p:blipFill>
+            <a:blip r:embed="rId5"/>
+            <a:stretch>
+              <a:fillRect/>
+            </a:stretch>
+          </p:blipFill>
+          <p:spPr>
+            <a:xfrm>
+              <a:off x="4274777" y="404539"/>
+              <a:ext cx="3022755" cy="2946551"/>
+            </a:xfrm>
+            <a:prstGeom prst="rect">
+              <a:avLst/>
+            </a:prstGeom>
+          </p:spPr>
+        </p:pic>
+        <p:pic>
+          <p:nvPicPr>
+            <p:cNvPr id="6" name="Immagine 5"/>
+            <p:cNvPicPr>
+              <a:picLocks noChangeAspect="1"/>
+            </p:cNvPicPr>
+            <p:nvPr/>
+          </p:nvPicPr>
+          <p:blipFill>
+            <a:blip r:embed="rId6"/>
+            <a:stretch>
+              <a:fillRect/>
+            </a:stretch>
+          </p:blipFill>
+          <p:spPr>
+            <a:xfrm>
+              <a:off x="4231750" y="3516199"/>
+              <a:ext cx="3108810" cy="3120944"/>
+            </a:xfrm>
+            <a:prstGeom prst="rect">
+              <a:avLst/>
+            </a:prstGeom>
+          </p:spPr>
+        </p:pic>
+        <p:pic>
+          <p:nvPicPr>
+            <p:cNvPr id="7" name="Immagine 6"/>
+            <p:cNvPicPr>
+              <a:picLocks noChangeAspect="1"/>
+            </p:cNvPicPr>
+            <p:nvPr/>
+          </p:nvPicPr>
+          <p:blipFill>
+            <a:blip r:embed="rId7"/>
+            <a:stretch>
+              <a:fillRect/>
+            </a:stretch>
+          </p:blipFill>
+          <p:spPr>
+            <a:xfrm>
+              <a:off x="7717216" y="370361"/>
+              <a:ext cx="3194214" cy="2921150"/>
+            </a:xfrm>
+            <a:prstGeom prst="rect">
+              <a:avLst/>
+            </a:prstGeom>
+          </p:spPr>
+        </p:pic>
+        <p:pic>
+          <p:nvPicPr>
+            <p:cNvPr id="8" name="Immagine 7"/>
+            <p:cNvPicPr>
+              <a:picLocks noChangeAspect="1"/>
+            </p:cNvPicPr>
+            <p:nvPr/>
+          </p:nvPicPr>
+          <p:blipFill>
+            <a:blip r:embed="rId8"/>
+            <a:stretch>
+              <a:fillRect/>
+            </a:stretch>
+          </p:blipFill>
+          <p:spPr>
+            <a:xfrm>
+              <a:off x="7899345" y="3516198"/>
+              <a:ext cx="3012085" cy="3067821"/>
+            </a:xfrm>
+            <a:prstGeom prst="rect">
+              <a:avLst/>
+            </a:prstGeom>
+          </p:spPr>
+        </p:pic>
+      </p:grpSp>
+      <p:pic>
+        <p:nvPicPr>
+          <p:cNvPr id="9" name="Immagine 8"/>
+          <p:cNvPicPr>
+            <a:picLocks noChangeAspect="1"/>
+          </p:cNvPicPr>
+          <p:nvPr/>
+        </p:nvPicPr>
+        <p:blipFill>
+          <a:blip r:embed="rId9"/>
+          <a:stretch>
+            <a:fillRect/>
+          </a:stretch>
+        </p:blipFill>
+        <p:spPr>
+          <a:xfrm>
+            <a:off x="8043333" y="4003236"/>
+            <a:ext cx="2879566" cy="2806937"/>
+          </a:xfrm>
+          <a:prstGeom prst="rect">
+            <a:avLst/>
+          </a:prstGeom>
+        </p:spPr>
+      </p:pic>
+    </p:spTree>
+    <p:extLst>
+      <p:ext uri="{BB962C8B-B14F-4D97-AF65-F5344CB8AC3E}">
+        <p14:creationId xmlns:p14="http://schemas.microsoft.com/office/powerpoint/2010/main" val="997677032"/>
+      </p:ext>
+    </p:extLst>
+  </p:cSld>
+  <p:clrMapOvr>
+    <a:masterClrMapping/>
+  </p:clrMapOvr>
+</p:sld>
+</file>
+
+<file path=ppt/slides/slide17.xml><?xml version="1.0" encoding="utf-8"?>
+<p:sld xmlns:a="http://schemas.openxmlformats.org/drawingml/2006/main" xmlns:r="http://schemas.openxmlformats.org/officeDocument/2006/relationships" xmlns:p="http://schemas.openxmlformats.org/presentationml/2006/main">
+  <p:cSld>
+    <p:spTree>
+      <p:nvGrpSpPr>
+        <p:cNvPr id="1" name=""/>
+        <p:cNvGrpSpPr/>
+        <p:nvPr/>
+      </p:nvGrpSpPr>
+      <p:grpSpPr>
+        <a:xfrm>
+          <a:off x="0" y="0"/>
+          <a:ext cx="0" cy="0"/>
+          <a:chOff x="0" y="0"/>
+          <a:chExt cx="0" cy="0"/>
+        </a:xfrm>
+      </p:grpSpPr>
+      <p:sp>
+        <p:nvSpPr>
+          <p:cNvPr id="2" name="Title 1">
+            <a:extLst>
+              <a:ext uri="{FF2B5EF4-FFF2-40B4-BE49-F238E27FC236}">
+                <a16:creationId xmlns:a16="http://schemas.microsoft.com/office/drawing/2014/main" id="{E2927949-F476-4BCE-629A-71EA451FF599}"/>
+              </a:ext>
+            </a:extLst>
+          </p:cNvPr>
+          <p:cNvSpPr>
+            <a:spLocks noGrp="1"/>
+          </p:cNvSpPr>
+          <p:nvPr>
+            <p:ph type="title"/>
+          </p:nvPr>
+        </p:nvSpPr>
+        <p:spPr>
+          <a:xfrm>
+            <a:off x="714520" y="1003526"/>
+            <a:ext cx="10661074" cy="852460"/>
+          </a:xfrm>
+        </p:spPr>
+        <p:txBody>
+          <a:bodyPr>
+            <a:normAutofit/>
+          </a:bodyPr>
+          <a:lstStyle/>
+          <a:p>
+            <a:pPr algn="ctr"/>
+            <a:r>
+              <a:rPr lang="en-KZ" dirty="0">
+                <a:ea typeface="Jost Medium" pitchFamily="2" charset="77"/>
+              </a:rPr>
+              <a:t>What is Levenberg-Marquardt (LM) Method?</a:t>
+            </a:r>
+          </a:p>
+        </p:txBody>
+      </p:sp>
+      <mc:AlternateContent xmlns:mc="http://schemas.openxmlformats.org/markup-compatibility/2006" xmlns:a14="http://schemas.microsoft.com/office/drawing/2010/main">
+        <mc:Choice Requires="a14">
+          <p:sp>
+            <p:nvSpPr>
+              <p:cNvPr id="30" name="Rectangle 29">
+                <a:extLst>
+                  <a:ext uri="{FF2B5EF4-FFF2-40B4-BE49-F238E27FC236}">
+                    <a16:creationId xmlns:a16="http://schemas.microsoft.com/office/drawing/2014/main" id="{CABFE483-1013-F6EE-F8FF-B60EE1D4E60F}"/>
+                  </a:ext>
+                </a:extLst>
+              </p:cNvPr>
+              <p:cNvSpPr/>
+              <p:nvPr/>
+            </p:nvSpPr>
+            <p:spPr>
+              <a:xfrm>
+                <a:off x="581605" y="2096458"/>
+                <a:ext cx="10926904" cy="3758016"/>
+              </a:xfrm>
+              <a:prstGeom prst="rect">
+                <a:avLst/>
+              </a:prstGeom>
+            </p:spPr>
+            <p:txBody>
+              <a:bodyPr wrap="square">
+                <a:spAutoFit/>
+              </a:bodyPr>
+              <a:lstStyle/>
+              <a:p>
+                <a:pPr marL="285750" indent="-285750">
+                  <a:lnSpc>
+                    <a:spcPct val="150000"/>
+                  </a:lnSpc>
+                  <a:buClr>
+                    <a:srgbClr val="D50000"/>
+                  </a:buClr>
+                  <a:buFont typeface="Wingdings" pitchFamily="2" charset="2"/>
+                  <a:buChar char="Ø"/>
+                </a:pPr>
+                <a:r>
+                  <a:rPr lang="en-US" sz="2400" dirty="0">
+                    <a:effectLst/>
+                    <a:latin typeface="Jost Light"/>
+                    <a:ea typeface="Jost Light" pitchFamily="2" charset="77"/>
+                  </a:rPr>
+                  <a:t>LM is used to solve non-linear least squares problems. </a:t>
+                </a:r>
+              </a:p>
+              <a:p>
+                <a:pPr marL="285750" indent="-285750">
+                  <a:lnSpc>
+                    <a:spcPct val="150000"/>
+                  </a:lnSpc>
+                  <a:buClr>
+                    <a:srgbClr val="D50000"/>
+                  </a:buClr>
+                  <a:buFont typeface="Wingdings" pitchFamily="2" charset="2"/>
+                  <a:buChar char="Ø"/>
+                </a:pPr>
+                <a:r>
+                  <a:rPr lang="en-US" sz="2400" dirty="0">
+                    <a:effectLst/>
+                    <a:latin typeface="Jost Light"/>
+                    <a:ea typeface="Jost Light" pitchFamily="2" charset="77"/>
+                  </a:rPr>
+                  <a:t>It combines aspects of both the gradient descent and Gauss-Newton methods</a:t>
+                </a:r>
+              </a:p>
+              <a:p>
+                <a:pPr marL="285750" indent="-285750">
+                  <a:lnSpc>
+                    <a:spcPct val="150000"/>
+                  </a:lnSpc>
+                  <a:buClr>
+                    <a:srgbClr val="D50000"/>
+                  </a:buClr>
+                  <a:buFont typeface="Wingdings" pitchFamily="2" charset="2"/>
+                  <a:buChar char="Ø"/>
+                </a:pPr>
+                <a:r>
+                  <a:rPr lang="en-US" sz="2400" dirty="0">
+                    <a:latin typeface="Jost Light"/>
+                    <a:ea typeface="Jost Light" pitchFamily="2" charset="77"/>
+                  </a:rPr>
+                  <a:t>The formula is:</a:t>
+                </a:r>
+                <a:endParaRPr lang="en-US" sz="2400" dirty="0">
+                  <a:effectLst/>
+                  <a:latin typeface="Jost Light"/>
+                  <a:ea typeface="Jost Light" pitchFamily="2" charset="77"/>
+                </a:endParaRPr>
+              </a:p>
+              <a:p>
+                <a:pPr>
+                  <a:lnSpc>
+                    <a:spcPct val="150000"/>
+                  </a:lnSpc>
+                  <a:buClr>
+                    <a:srgbClr val="D50000"/>
+                  </a:buClr>
+                </a:pPr>
+                <a14:m>
+                  <m:oMathPara xmlns:m="http://schemas.openxmlformats.org/officeDocument/2006/math">
+                    <m:oMathParaPr>
+                      <m:jc m:val="centerGroup"/>
+                    </m:oMathParaPr>
+                    <m:oMath xmlns:m="http://schemas.openxmlformats.org/officeDocument/2006/math">
+                      <m:r>
+                        <a:rPr lang="en-US" sz="2400" b="0" i="0" smtClean="0">
+                          <a:latin typeface="Cambria Math" panose="02040503050406030204" pitchFamily="18" charset="0"/>
+                        </a:rPr>
+                        <m:t>(</m:t>
+                      </m:r>
+                      <m:sSup>
+                        <m:sSupPr>
+                          <m:ctrlPr>
+                            <a:rPr lang="en-US" sz="2400" i="1" smtClean="0">
+                              <a:latin typeface="Cambria Math" panose="02040503050406030204" pitchFamily="18" charset="0"/>
+                            </a:rPr>
+                          </m:ctrlPr>
+                        </m:sSupPr>
+                        <m:e>
+                          <m:r>
+                            <m:rPr>
+                              <m:sty m:val="p"/>
+                            </m:rPr>
+                            <a:rPr lang="en-US" sz="2400" b="0" i="0" smtClean="0">
+                              <a:latin typeface="Cambria Math" panose="02040503050406030204" pitchFamily="18" charset="0"/>
+                            </a:rPr>
+                            <m:t>J</m:t>
+                          </m:r>
+                        </m:e>
+                        <m:sup>
+                          <m:r>
+                            <m:rPr>
+                              <m:sty m:val="p"/>
+                            </m:rPr>
+                            <a:rPr lang="en-US" sz="2400" b="0" i="0" smtClean="0">
+                              <a:latin typeface="Cambria Math" panose="02040503050406030204" pitchFamily="18" charset="0"/>
+                            </a:rPr>
+                            <m:t>T</m:t>
+                          </m:r>
+                        </m:sup>
+                      </m:sSup>
+                      <m:r>
+                        <m:rPr>
+                          <m:sty m:val="p"/>
+                        </m:rPr>
+                        <a:rPr lang="en-US" sz="2400" b="0" i="0" smtClean="0">
+                          <a:latin typeface="Cambria Math" panose="02040503050406030204" pitchFamily="18" charset="0"/>
+                        </a:rPr>
+                        <m:t>J</m:t>
+                      </m:r>
+                      <m:r>
+                        <a:rPr lang="en-US" sz="2400" b="0" i="0" smtClean="0">
+                          <a:latin typeface="Cambria Math" panose="02040503050406030204" pitchFamily="18" charset="0"/>
+                        </a:rPr>
+                        <m:t>+</m:t>
+                      </m:r>
+                      <m:r>
+                        <m:rPr>
+                          <m:sty m:val="p"/>
+                        </m:rPr>
+                        <a:rPr lang="el-GR" sz="2400" b="0" i="0" smtClean="0">
+                          <a:latin typeface="Cambria Math" panose="02040503050406030204" pitchFamily="18" charset="0"/>
+                        </a:rPr>
+                        <m:t>λ</m:t>
+                      </m:r>
+                      <m:r>
+                        <m:rPr>
+                          <m:sty m:val="p"/>
+                        </m:rPr>
+                        <a:rPr lang="en-US" sz="2400" b="0" i="0" smtClean="0">
+                          <a:latin typeface="Cambria Math" panose="02040503050406030204" pitchFamily="18" charset="0"/>
+                        </a:rPr>
+                        <m:t>I</m:t>
+                      </m:r>
+                      <m:r>
+                        <a:rPr lang="en-US" sz="2400" b="0" i="0" smtClean="0">
+                          <a:latin typeface="Cambria Math" panose="02040503050406030204" pitchFamily="18" charset="0"/>
+                        </a:rPr>
+                        <m:t>)</m:t>
+                      </m:r>
+                      <m:r>
+                        <m:rPr>
+                          <m:sty m:val="p"/>
+                        </m:rPr>
+                        <a:rPr lang="el-GR" sz="2400" b="0" i="0" smtClean="0">
+                          <a:latin typeface="Cambria Math" panose="02040503050406030204" pitchFamily="18" charset="0"/>
+                        </a:rPr>
+                        <m:t>Δ</m:t>
+                      </m:r>
+                      <m:r>
+                        <a:rPr lang="el-GR" sz="2400" b="0" i="0" smtClean="0">
+                          <a:latin typeface="Cambria Math" panose="02040503050406030204" pitchFamily="18" charset="0"/>
+                        </a:rPr>
+                        <m:t>=</m:t>
+                      </m:r>
+                      <m:sSup>
+                        <m:sSupPr>
+                          <m:ctrlPr>
+                            <a:rPr lang="en-US" sz="2400" i="1" smtClean="0">
+                              <a:latin typeface="Cambria Math" panose="02040503050406030204" pitchFamily="18" charset="0"/>
+                            </a:rPr>
+                          </m:ctrlPr>
+                        </m:sSupPr>
+                        <m:e>
+                          <m:r>
+                            <m:rPr>
+                              <m:sty m:val="p"/>
+                            </m:rPr>
+                            <a:rPr lang="en-US" sz="2400" b="0" i="0" smtClean="0">
+                              <a:latin typeface="Cambria Math" panose="02040503050406030204" pitchFamily="18" charset="0"/>
+                            </a:rPr>
+                            <m:t>J</m:t>
+                          </m:r>
+                        </m:e>
+                        <m:sup>
+                          <m:r>
+                            <m:rPr>
+                              <m:sty m:val="p"/>
+                            </m:rPr>
+                            <a:rPr lang="en-US" sz="2400" b="0" i="0" smtClean="0">
+                              <a:latin typeface="Cambria Math" panose="02040503050406030204" pitchFamily="18" charset="0"/>
+                            </a:rPr>
+                            <m:t>T</m:t>
+                          </m:r>
+                        </m:sup>
+                      </m:sSup>
+                      <m:r>
+                        <a:rPr lang="en-US" sz="2400" b="0" i="0" smtClean="0">
+                          <a:latin typeface="Cambria Math" panose="02040503050406030204" pitchFamily="18" charset="0"/>
+                        </a:rPr>
+                        <m:t>[</m:t>
+                      </m:r>
+                      <m:r>
+                        <m:rPr>
+                          <m:sty m:val="p"/>
+                        </m:rPr>
+                        <a:rPr lang="en-US" sz="2400" b="0" i="0" smtClean="0">
+                          <a:latin typeface="Cambria Math" panose="02040503050406030204" pitchFamily="18" charset="0"/>
+                        </a:rPr>
+                        <m:t>y</m:t>
+                      </m:r>
+                      <m:r>
+                        <a:rPr lang="en-US" sz="2400" b="0" i="0" smtClean="0">
+                          <a:latin typeface="Cambria Math" panose="02040503050406030204" pitchFamily="18" charset="0"/>
+                        </a:rPr>
+                        <m:t>−</m:t>
+                      </m:r>
+                      <m:r>
+                        <m:rPr>
+                          <m:sty m:val="p"/>
+                        </m:rPr>
+                        <a:rPr lang="en-US" sz="2400" b="0" i="0" smtClean="0">
+                          <a:latin typeface="Cambria Math" panose="02040503050406030204" pitchFamily="18" charset="0"/>
+                        </a:rPr>
+                        <m:t>f</m:t>
+                      </m:r>
+                      <m:r>
+                        <a:rPr lang="en-US" sz="2400" b="0" i="0" smtClean="0">
+                          <a:latin typeface="Cambria Math" panose="02040503050406030204" pitchFamily="18" charset="0"/>
+                        </a:rPr>
+                        <m:t>(</m:t>
+                      </m:r>
+                      <m:r>
+                        <m:rPr>
+                          <m:sty m:val="p"/>
+                        </m:rPr>
+                        <a:rPr lang="en-US" sz="2400" b="0" i="0" smtClean="0">
+                          <a:latin typeface="Cambria Math" panose="02040503050406030204" pitchFamily="18" charset="0"/>
+                        </a:rPr>
+                        <m:t>x</m:t>
+                      </m:r>
+                      <m:r>
+                        <a:rPr lang="en-US" sz="2400" b="0" i="0" smtClean="0">
+                          <a:latin typeface="Cambria Math" panose="02040503050406030204" pitchFamily="18" charset="0"/>
+                        </a:rPr>
+                        <m:t>,</m:t>
+                      </m:r>
+                      <m:r>
+                        <m:rPr>
+                          <m:sty m:val="p"/>
+                        </m:rPr>
+                        <a:rPr lang="el-GR" sz="2400" b="0" i="0" smtClean="0">
+                          <a:latin typeface="Cambria Math" panose="02040503050406030204" pitchFamily="18" charset="0"/>
+                        </a:rPr>
+                        <m:t>β</m:t>
+                      </m:r>
+                      <m:r>
+                        <a:rPr lang="el-GR" sz="2400" b="0" i="0" smtClean="0">
+                          <a:latin typeface="Cambria Math" panose="02040503050406030204" pitchFamily="18" charset="0"/>
+                        </a:rPr>
+                        <m:t>)]</m:t>
+                      </m:r>
+                    </m:oMath>
+                  </m:oMathPara>
+                </a14:m>
+                <a:endParaRPr lang="en-KZ" sz="2400" dirty="0">
+                  <a:latin typeface="Jost Light"/>
+                  <a:ea typeface="Jost Light" pitchFamily="2" charset="77"/>
+                </a:endParaRPr>
+              </a:p>
+              <a:p>
+                <a:pPr marL="285750" indent="-285750">
+                  <a:lnSpc>
+                    <a:spcPct val="150000"/>
+                  </a:lnSpc>
+                  <a:buClr>
+                    <a:srgbClr val="D50000"/>
+                  </a:buClr>
+                  <a:buFont typeface="Wingdings" pitchFamily="2" charset="2"/>
+                  <a:buChar char="Ø"/>
+                </a:pPr>
+                <a:endParaRPr lang="en-US" sz="1600" dirty="0">
+                  <a:effectLst/>
+                  <a:latin typeface="Jost Light" pitchFamily="2" charset="77"/>
+                  <a:ea typeface="Jost Light" pitchFamily="2" charset="77"/>
+                </a:endParaRPr>
+              </a:p>
+              <a:p>
+                <a:pPr marL="285750" indent="-285750">
+                  <a:lnSpc>
+                    <a:spcPct val="150000"/>
+                  </a:lnSpc>
+                  <a:buClr>
+                    <a:srgbClr val="D50000"/>
+                  </a:buClr>
+                  <a:buFont typeface="Wingdings" pitchFamily="2" charset="2"/>
+                  <a:buChar char="Ø"/>
+                </a:pPr>
+                <a:endParaRPr lang="en-US" sz="1600" dirty="0">
+                  <a:effectLst/>
+                  <a:latin typeface="Jost Light" pitchFamily="2" charset="77"/>
+                  <a:ea typeface="Jost Light" pitchFamily="2" charset="77"/>
+                </a:endParaRPr>
+              </a:p>
+              <a:p>
+                <a:pPr marL="285750" indent="-285750">
+                  <a:lnSpc>
+                    <a:spcPct val="150000"/>
+                  </a:lnSpc>
+                  <a:buClr>
+                    <a:srgbClr val="D50000"/>
+                  </a:buClr>
+                  <a:buFont typeface="Wingdings" pitchFamily="2" charset="2"/>
+                  <a:buChar char="v"/>
+                </a:pPr>
+                <a:endParaRPr lang="en-US" sz="1600" dirty="0">
+                  <a:effectLst/>
+                  <a:latin typeface="Jost Light" pitchFamily="2" charset="77"/>
+                  <a:ea typeface="Jost Light" pitchFamily="2" charset="77"/>
+                </a:endParaRPr>
+              </a:p>
+              <a:p>
+                <a:pPr marL="285750" indent="-285750">
+                  <a:lnSpc>
+                    <a:spcPct val="150000"/>
+                  </a:lnSpc>
+                  <a:buClr>
+                    <a:srgbClr val="D50000"/>
+                  </a:buClr>
+                  <a:buFont typeface="Wingdings" pitchFamily="2" charset="2"/>
+                  <a:buChar char="Ø"/>
+                </a:pPr>
+                <a:endParaRPr lang="en-US" sz="1600" dirty="0">
+                  <a:latin typeface="Jost Light" pitchFamily="2" charset="77"/>
+                  <a:ea typeface="Jost Light" pitchFamily="2" charset="77"/>
+                </a:endParaRPr>
+              </a:p>
+            </p:txBody>
+          </p:sp>
+        </mc:Choice>
+        <mc:Fallback xmlns="">
+          <p:sp>
+            <p:nvSpPr>
+              <p:cNvPr id="30" name="Rectangle 29">
+                <a:extLst>
+                  <a:ext uri="{FF2B5EF4-FFF2-40B4-BE49-F238E27FC236}">
+                    <a16:creationId xmlns:a16="http://schemas.microsoft.com/office/drawing/2014/main" id="{CABFE483-1013-F6EE-F8FF-B60EE1D4E60F}"/>
+                  </a:ext>
+                </a:extLst>
+              </p:cNvPr>
+              <p:cNvSpPr>
+                <a:spLocks noRot="1" noChangeAspect="1" noMove="1" noResize="1" noEditPoints="1" noAdjustHandles="1" noChangeArrowheads="1" noChangeShapeType="1" noTextEdit="1"/>
+              </p:cNvSpPr>
+              <p:nvPr/>
+            </p:nvSpPr>
+            <p:spPr>
+              <a:xfrm>
+                <a:off x="581605" y="2096458"/>
+                <a:ext cx="10926904" cy="3758016"/>
+              </a:xfrm>
+              <a:prstGeom prst="rect">
+                <a:avLst/>
+              </a:prstGeom>
+              <a:blipFill>
+                <a:blip r:embed="rId2"/>
+                <a:stretch>
+                  <a:fillRect l="-725"/>
+                </a:stretch>
+              </a:blipFill>
+            </p:spPr>
+            <p:txBody>
+              <a:bodyPr/>
+              <a:lstStyle/>
+              <a:p>
+                <a:r>
+                  <a:rPr lang="en-GB">
+                    <a:noFill/>
+                  </a:rPr>
+                  <a:t> </a:t>
+                </a:r>
+              </a:p>
+            </p:txBody>
+          </p:sp>
+        </mc:Fallback>
+      </mc:AlternateContent>
+      <p:sp>
+        <p:nvSpPr>
+          <p:cNvPr id="31" name="Rectangle 30">
+            <a:extLst>
+              <a:ext uri="{FF2B5EF4-FFF2-40B4-BE49-F238E27FC236}">
+                <a16:creationId xmlns:a16="http://schemas.microsoft.com/office/drawing/2014/main" id="{3644AAE8-2BDF-AC64-480D-451F32DF0C16}"/>
+              </a:ext>
+            </a:extLst>
+          </p:cNvPr>
+          <p:cNvSpPr/>
+          <p:nvPr/>
+        </p:nvSpPr>
+        <p:spPr>
+          <a:xfrm>
+            <a:off x="4371438" y="2978224"/>
+            <a:ext cx="5319812" cy="792781"/>
+          </a:xfrm>
+          <a:prstGeom prst="rect">
+            <a:avLst/>
+          </a:prstGeom>
+        </p:spPr>
+        <p:txBody>
+          <a:bodyPr wrap="square">
+            <a:spAutoFit/>
+          </a:bodyPr>
+          <a:lstStyle/>
+          <a:p>
+            <a:pPr>
+              <a:lnSpc>
+                <a:spcPct val="150000"/>
+              </a:lnSpc>
+              <a:buClr>
+                <a:srgbClr val="D50000"/>
+              </a:buClr>
+            </a:pPr>
+            <a:endParaRPr lang="en-KZ" sz="1600" dirty="0">
+              <a:latin typeface="Jost Light" pitchFamily="2" charset="77"/>
+              <a:ea typeface="Jost Light" pitchFamily="2" charset="77"/>
+            </a:endParaRPr>
+          </a:p>
+          <a:p>
+            <a:pPr marL="285750" indent="-285750">
+              <a:lnSpc>
+                <a:spcPct val="150000"/>
+              </a:lnSpc>
+              <a:buClr>
+                <a:srgbClr val="D50000"/>
+              </a:buClr>
+              <a:buFont typeface="Wingdings" pitchFamily="2" charset="2"/>
+              <a:buChar char="Ø"/>
+            </a:pPr>
+            <a:endParaRPr lang="en-US" sz="1600" dirty="0">
+              <a:latin typeface="Jost Light" pitchFamily="2" charset="77"/>
+              <a:ea typeface="Jost Light" pitchFamily="2" charset="77"/>
+            </a:endParaRPr>
+          </a:p>
+        </p:txBody>
+      </p:sp>
+    </p:spTree>
+    <p:extLst>
+      <p:ext uri="{BB962C8B-B14F-4D97-AF65-F5344CB8AC3E}">
+        <p14:creationId xmlns:p14="http://schemas.microsoft.com/office/powerpoint/2010/main" val="3813532169"/>
+      </p:ext>
+    </p:extLst>
+  </p:cSld>
+  <p:clrMapOvr>
+    <a:masterClrMapping/>
+  </p:clrMapOvr>
+</p:sld>
+</file>
+
+<file path=ppt/slides/slide18.xml><?xml version="1.0" encoding="utf-8"?>
+<p:sld xmlns:a="http://schemas.openxmlformats.org/drawingml/2006/main" xmlns:r="http://schemas.openxmlformats.org/officeDocument/2006/relationships" xmlns:p="http://schemas.openxmlformats.org/presentationml/2006/main">
+  <p:cSld>
+    <p:spTree>
+      <p:nvGrpSpPr>
+        <p:cNvPr id="1" name=""/>
+        <p:cNvGrpSpPr/>
+        <p:nvPr/>
+      </p:nvGrpSpPr>
+      <p:grpSpPr>
+        <a:xfrm>
+          <a:off x="0" y="0"/>
+          <a:ext cx="0" cy="0"/>
+          <a:chOff x="0" y="0"/>
+          <a:chExt cx="0" cy="0"/>
+        </a:xfrm>
+      </p:grpSpPr>
+      <p:pic>
+        <p:nvPicPr>
+          <p:cNvPr id="7" name="Content Placeholder 6" descr="A graph with a line and numbers&#10;&#10;Description automatically generated with medium confidence">
+            <a:extLst>
+              <a:ext uri="{FF2B5EF4-FFF2-40B4-BE49-F238E27FC236}">
+                <a16:creationId xmlns:a16="http://schemas.microsoft.com/office/drawing/2014/main" id="{B082A0C8-0A04-8361-DA75-4B84999119FB}"/>
+              </a:ext>
+            </a:extLst>
+          </p:cNvPr>
+          <p:cNvPicPr>
+            <a:picLocks noGrp="1" noChangeAspect="1"/>
+          </p:cNvPicPr>
+          <p:nvPr>
+            <p:ph sz="half" idx="1"/>
+          </p:nvPr>
+        </p:nvPicPr>
+        <p:blipFill>
+          <a:blip r:embed="rId2">
+            <a:extLst>
+              <a:ext uri="{28A0092B-C50C-407E-A947-70E740481C1C}">
+                <a14:useLocalDpi xmlns:a14="http://schemas.microsoft.com/office/drawing/2010/main" val="0"/>
+              </a:ext>
+            </a:extLst>
+          </a:blip>
+          <a:stretch>
+            <a:fillRect/>
+          </a:stretch>
+        </p:blipFill>
+        <p:spPr>
+          <a:xfrm>
+            <a:off x="431799" y="1601684"/>
+            <a:ext cx="2714065" cy="2715749"/>
+          </a:xfrm>
+          <a:prstGeom prst="roundRect">
+            <a:avLst>
+              <a:gd name="adj" fmla="val 6769"/>
+            </a:avLst>
+          </a:prstGeom>
+          <a:effectLst>
+            <a:outerShdw blurRad="50800" dist="38100" dir="8100000" algn="tr" rotWithShape="0">
+              <a:srgbClr val="8F061A">
+                <a:alpha val="40000"/>
+              </a:srgbClr>
+            </a:outerShdw>
+          </a:effectLst>
+        </p:spPr>
+      </p:pic>
+      <p:sp>
+        <p:nvSpPr>
+          <p:cNvPr id="9" name="Title 1">
+            <a:extLst>
+              <a:ext uri="{FF2B5EF4-FFF2-40B4-BE49-F238E27FC236}">
+                <a16:creationId xmlns:a16="http://schemas.microsoft.com/office/drawing/2014/main" id="{D795159C-856C-23A2-4B0B-518596422747}"/>
+              </a:ext>
+            </a:extLst>
+          </p:cNvPr>
+          <p:cNvSpPr txBox="1">
+            <a:spLocks/>
+          </p:cNvSpPr>
+          <p:nvPr/>
+        </p:nvSpPr>
+        <p:spPr>
+          <a:xfrm>
+            <a:off x="286345" y="988599"/>
+            <a:ext cx="11658600" cy="534988"/>
+          </a:xfrm>
+          <a:prstGeom prst="rect">
+            <a:avLst/>
+          </a:prstGeom>
+        </p:spPr>
+        <p:txBody>
+          <a:bodyPr vert="horz" lIns="91440" tIns="45720" rIns="91440" bIns="45720" rtlCol="0" anchor="ctr">
+            <a:noAutofit/>
+          </a:bodyPr>
+          <a:lstStyle>
+            <a:lvl1pPr algn="l" defTabSz="914400" rtl="0" eaLnBrk="1" latinLnBrk="0" hangingPunct="1">
+              <a:lnSpc>
+                <a:spcPct val="90000"/>
+              </a:lnSpc>
+              <a:spcBef>
+                <a:spcPct val="0"/>
+              </a:spcBef>
+              <a:buNone/>
+              <a:defRPr sz="4400" kern="1200" baseline="0">
+                <a:solidFill>
+                  <a:schemeClr val="tx1"/>
+                </a:solidFill>
+                <a:latin typeface="+mj-lt"/>
+                <a:ea typeface="+mj-ea"/>
+                <a:cs typeface="+mj-cs"/>
+              </a:defRPr>
+            </a:lvl1pPr>
+          </a:lstStyle>
+          <a:p>
+            <a:pPr algn="ctr"/>
+            <a:r>
+              <a:rPr lang="en-KZ" dirty="0"/>
+              <a:t>Results and Best Parameters</a:t>
+            </a:r>
+          </a:p>
+        </p:txBody>
+      </p:sp>
       <p:pic>
         <p:nvPicPr>
           <p:cNvPr id="12" name="Picture 11" descr="A graph with a line and numbers&#10;&#10;Description automatically generated">
@@ -11357,7 +12307,7 @@
         </p:nvSpPr>
         <p:spPr>
           <a:xfrm rot="11901726" flipV="1">
-            <a:off x="5824120" y="1588885"/>
+            <a:off x="5824120" y="1665085"/>
             <a:ext cx="1259610" cy="892693"/>
           </a:xfrm>
           <a:custGeom>
@@ -11499,8 +12449,8 @@
         </p:nvSpPr>
         <p:spPr>
           <a:xfrm>
-            <a:off x="6902156" y="1868962"/>
-            <a:ext cx="4229100" cy="1169551"/>
+            <a:off x="6800556" y="1871560"/>
+            <a:ext cx="5289844" cy="1631216"/>
           </a:xfrm>
           <a:prstGeom prst="rect">
             <a:avLst/>
@@ -11520,26 +12470,33 @@
               <a:buChar char="Ø"/>
             </a:pPr>
             <a:r>
-              <a:rPr lang="en-US" sz="1400" dirty="0">
-                <a:latin typeface="Jost Light" pitchFamily="2" charset="77"/>
+              <a:rPr lang="en-US" sz="2000" dirty="0">
                 <a:ea typeface="Jost Light" pitchFamily="2" charset="77"/>
               </a:rPr>
               <a:t>Demonstrates </a:t>
             </a:r>
             <a:r>
-              <a:rPr lang="en-US" sz="1400" b="1" dirty="0">
-                <a:latin typeface="Jost Light" pitchFamily="2" charset="77"/>
+              <a:rPr lang="en-US" sz="2000" b="1" dirty="0">
                 <a:ea typeface="Jost Light" pitchFamily="2" charset="77"/>
               </a:rPr>
               <a:t>rapid convergence </a:t>
             </a:r>
             <a:r>
-              <a:rPr lang="en-US" sz="1400" dirty="0">
-                <a:latin typeface="Jost Light" pitchFamily="2" charset="77"/>
+              <a:rPr lang="en-US" sz="2000" dirty="0">
                 <a:ea typeface="Jost Light" pitchFamily="2" charset="77"/>
               </a:rPr>
               <a:t>with high accuracy in parameter estimation.</a:t>
             </a:r>
+          </a:p>
+          <a:p>
+            <a:pPr>
+              <a:buClr>
+                <a:srgbClr val="D50000"/>
+              </a:buClr>
+            </a:pPr>
+            <a:endParaRPr lang="en-US" sz="2000" dirty="0">
+              <a:ea typeface="Jost Light" pitchFamily="2" charset="77"/>
+            </a:endParaRPr>
           </a:p>
           <a:p>
             <a:pPr marL="285750" indent="-285750">
@@ -11550,34 +12507,16 @@
               <a:buChar char="Ø"/>
             </a:pPr>
             <a:r>
-              <a:rPr lang="en-US" sz="1400" b="1" dirty="0">
-                <a:latin typeface="Jost Light" pitchFamily="2" charset="77"/>
+              <a:rPr lang="en-US" sz="2000" b="1" dirty="0">
                 <a:ea typeface="Jost Light" pitchFamily="2" charset="77"/>
               </a:rPr>
               <a:t>Best parameters </a:t>
             </a:r>
             <a:r>
-              <a:rPr lang="en-US" sz="1400" dirty="0">
-                <a:latin typeface="Jost Light" pitchFamily="2" charset="77"/>
+              <a:rPr lang="en-US" sz="2000" dirty="0">
                 <a:ea typeface="Jost Light" pitchFamily="2" charset="77"/>
               </a:rPr>
               <a:t>provide an almost perfect fit with minimal iterations.</a:t>
-            </a:r>
-          </a:p>
-          <a:p>
-            <a:pPr marL="285750" indent="-285750">
-              <a:buClr>
-                <a:srgbClr val="D50000"/>
-              </a:buClr>
-              <a:buFont typeface="Wingdings" pitchFamily="2" charset="2"/>
-              <a:buChar char="Ø"/>
-            </a:pPr>
-            <a:r>
-              <a:rPr lang="en-US" sz="1400" dirty="0">
-                <a:latin typeface="Jost Light" pitchFamily="2" charset="77"/>
-                <a:ea typeface="Jost Light" pitchFamily="2" charset="77"/>
-              </a:rPr>
-              <a:t>Number of iterations is 3!</a:t>
             </a:r>
           </a:p>
         </p:txBody>
@@ -11738,8 +12677,8 @@
         </p:nvSpPr>
         <p:spPr>
           <a:xfrm>
-            <a:off x="535404" y="4687059"/>
-            <a:ext cx="5074563" cy="1815882"/>
+            <a:off x="301761" y="4774551"/>
+            <a:ext cx="5727498" cy="1569660"/>
           </a:xfrm>
           <a:prstGeom prst="rect">
             <a:avLst/>
@@ -11757,8 +12696,7 @@
               </a:buClr>
             </a:pPr>
             <a:r>
-              <a:rPr lang="en-US" sz="1400" dirty="0">
-                <a:latin typeface="Jost Light" pitchFamily="2" charset="77"/>
+              <a:rPr lang="en-US" sz="2400" dirty="0">
                 <a:ea typeface="Jost Light" pitchFamily="2" charset="77"/>
               </a:rPr>
               <a:t>LM algorithm does not fit the data perfectly for several reasons:</a:t>
@@ -11773,11 +12711,10 @@
               <a:buChar char="Ø"/>
             </a:pPr>
             <a:r>
-              <a:rPr lang="en-US" sz="1400" dirty="0">
-                <a:latin typeface="Jost Light" pitchFamily="2" charset="77"/>
+              <a:rPr lang="en-US" sz="2400" dirty="0">
                 <a:ea typeface="Jost Light" pitchFamily="2" charset="77"/>
               </a:rPr>
-              <a:t>Model Limitations: The underlying model may not capture all the complexities of the data. For instance, if the model is too simple (underfitting), it won't capture all the nuances of the dataset.</a:t>
+              <a:t>Model Limitations.</a:t>
             </a:r>
           </a:p>
           <a:p>
@@ -11789,11 +12726,10 @@
               <a:buChar char="Ø"/>
             </a:pPr>
             <a:r>
-              <a:rPr lang="en-US" sz="1400" dirty="0">
-                <a:latin typeface="Jost Light" pitchFamily="2" charset="77"/>
+              <a:rPr lang="en-US" sz="2400" dirty="0">
                 <a:ea typeface="Jost Light" pitchFamily="2" charset="77"/>
               </a:rPr>
-              <a:t>Local Minima: The LM algorithm, like other gradient-based optimization methods, can get stuck in local minima, especially if the error surface is not convex.</a:t>
+              <a:t>Local Minima.</a:t>
             </a:r>
           </a:p>
         </p:txBody>
@@ -11811,7 +12747,7 @@
 </p:sld>
 </file>
 
-<file path=ppt/slides/slide16.xml><?xml version="1.0" encoding="utf-8"?>
+<file path=ppt/slides/slide19.xml><?xml version="1.0" encoding="utf-8"?>
 <p:sld xmlns:a="http://schemas.openxmlformats.org/drawingml/2006/main" xmlns:r="http://schemas.openxmlformats.org/officeDocument/2006/relationships" xmlns:p="http://schemas.openxmlformats.org/presentationml/2006/main">
   <p:cSld>
     <p:spTree>
@@ -11846,73 +12782,29 @@
         </p:nvSpPr>
         <p:spPr>
           <a:xfrm>
-            <a:off x="431800" y="980198"/>
-            <a:ext cx="9045832" cy="534988"/>
+            <a:off x="1" y="980198"/>
+            <a:ext cx="12192000" cy="534988"/>
           </a:xfrm>
         </p:spPr>
         <p:txBody>
           <a:bodyPr>
-            <a:normAutofit/>
+            <a:noAutofit/>
           </a:bodyPr>
           <a:lstStyle/>
           <a:p>
-            <a:r>
-              <a:rPr lang="en-US" sz="1800" dirty="0">
-                <a:latin typeface="Jost Medium" pitchFamily="2" charset="77"/>
+            <a:pPr algn="ctr"/>
+            <a:r>
+              <a:rPr lang="en-US" dirty="0">
                 <a:ea typeface="Jost Medium" pitchFamily="2" charset="77"/>
               </a:rPr>
               <a:t>Comparison with BFGS and Newton Methods [Part I]</a:t>
             </a:r>
-            <a:endParaRPr lang="en-KZ" sz="1800" dirty="0">
-              <a:latin typeface="Jost Medium" pitchFamily="2" charset="77"/>
+            <a:endParaRPr lang="en-KZ" dirty="0">
               <a:ea typeface="Jost Medium" pitchFamily="2" charset="77"/>
             </a:endParaRPr>
           </a:p>
         </p:txBody>
       </p:sp>
-      <p:cxnSp>
-        <p:nvCxnSpPr>
-          <p:cNvPr id="6" name="Straight Connector 5">
-            <a:extLst>
-              <a:ext uri="{FF2B5EF4-FFF2-40B4-BE49-F238E27FC236}">
-                <a16:creationId xmlns:a16="http://schemas.microsoft.com/office/drawing/2014/main" id="{B07C22B3-5978-C3A7-2CDE-7CC5F6745853}"/>
-              </a:ext>
-            </a:extLst>
-          </p:cNvPr>
-          <p:cNvCxnSpPr>
-            <a:cxnSpLocks/>
-          </p:cNvCxnSpPr>
-          <p:nvPr/>
-        </p:nvCxnSpPr>
-        <p:spPr>
-          <a:xfrm>
-            <a:off x="431800" y="1515186"/>
-            <a:ext cx="9711558" cy="0"/>
-          </a:xfrm>
-          <a:prstGeom prst="line">
-            <a:avLst/>
-          </a:prstGeom>
-          <a:ln w="28575">
-            <a:solidFill>
-              <a:srgbClr val="8F061A"/>
-            </a:solidFill>
-          </a:ln>
-        </p:spPr>
-        <p:style>
-          <a:lnRef idx="1">
-            <a:schemeClr val="accent1"/>
-          </a:lnRef>
-          <a:fillRef idx="0">
-            <a:schemeClr val="accent1"/>
-          </a:fillRef>
-          <a:effectRef idx="0">
-            <a:schemeClr val="accent1"/>
-          </a:effectRef>
-          <a:fontRef idx="minor">
-            <a:schemeClr val="tx1"/>
-          </a:fontRef>
-        </p:style>
-      </p:cxnSp>
       <p:grpSp>
         <p:nvGrpSpPr>
           <p:cNvPr id="41" name="Group 40">
@@ -12195,8 +13087,8 @@
               </a:buClr>
             </a:pPr>
             <a:r>
-              <a:rPr lang="en-US" sz="1600" dirty="0">
-                <a:latin typeface="Jost Light" pitchFamily="2" charset="77"/>
+              <a:rPr lang="en-US" sz="2400" dirty="0">
+                <a:latin typeface="+mj-lt"/>
                 <a:ea typeface="Jost Light" pitchFamily="2" charset="77"/>
               </a:rPr>
               <a:t>LM vs. BFGS:</a:t>
@@ -12211,11 +13103,11 @@
               <a:buAutoNum type="romanUcPeriod"/>
             </a:pPr>
             <a:r>
-              <a:rPr lang="en-US" sz="1600" dirty="0">
-                <a:latin typeface="Jost Light" pitchFamily="2" charset="77"/>
+              <a:rPr lang="en-US" sz="2400" dirty="0">
+                <a:latin typeface="+mj-lt"/>
                 <a:ea typeface="Jost Light" pitchFamily="2" charset="77"/>
               </a:rPr>
-              <a:t>LM and BFGS are comparable in speed, both algorithms completed the calculations in 3 iterations.</a:t>
+              <a:t>LM and BFGS are comparable in speed.</a:t>
             </a:r>
           </a:p>
           <a:p>
@@ -12227,11 +13119,11 @@
               <a:buAutoNum type="romanUcPeriod"/>
             </a:pPr>
             <a:r>
-              <a:rPr lang="en-US" sz="1600" dirty="0">
-                <a:latin typeface="Jost Light" pitchFamily="2" charset="77"/>
+              <a:rPr lang="en-US" sz="2400" dirty="0">
+                <a:latin typeface="+mj-lt"/>
                 <a:ea typeface="Jost Light" pitchFamily="2" charset="77"/>
               </a:rPr>
-              <a:t>Accuracy - both LM and BFGS accurately find best betas and tau for Nelson-Siegel model for standard yield curve.  </a:t>
+              <a:t>Accuracy - both LM and BFGS accurately find best parameters.</a:t>
             </a:r>
           </a:p>
           <a:p>
@@ -12243,11 +13135,11 @@
               <a:buAutoNum type="romanUcPeriod"/>
             </a:pPr>
             <a:r>
-              <a:rPr lang="en-US" sz="1600" dirty="0">
-                <a:latin typeface="Jost Light" pitchFamily="2" charset="77"/>
+              <a:rPr lang="en-US" sz="2400" dirty="0">
+                <a:latin typeface="+mj-lt"/>
                 <a:ea typeface="Jost Light" pitchFamily="2" charset="77"/>
               </a:rPr>
-              <a:t>LM is favored for its robustness in varied starting conditions, especially when modelling the yield curves with non-standard shape, i.e., with higher volatility and inverse yield curve.</a:t>
+              <a:t>LM is favored for its robustness.</a:t>
             </a:r>
           </a:p>
         </p:txBody>
@@ -12396,7 +13288,195 @@
 </p:sld>
 </file>
 
-<file path=ppt/slides/slide17.xml><?xml version="1.0" encoding="utf-8"?>
+<file path=ppt/slides/slide2.xml><?xml version="1.0" encoding="utf-8"?>
+<p:sld xmlns:a="http://schemas.openxmlformats.org/drawingml/2006/main" xmlns:r="http://schemas.openxmlformats.org/officeDocument/2006/relationships" xmlns:p="http://schemas.openxmlformats.org/presentationml/2006/main">
+  <p:cSld>
+    <p:spTree>
+      <p:nvGrpSpPr>
+        <p:cNvPr id="1" name=""/>
+        <p:cNvGrpSpPr/>
+        <p:nvPr/>
+      </p:nvGrpSpPr>
+      <p:grpSpPr>
+        <a:xfrm>
+          <a:off x="0" y="0"/>
+          <a:ext cx="0" cy="0"/>
+          <a:chOff x="0" y="0"/>
+          <a:chExt cx="0" cy="0"/>
+        </a:xfrm>
+      </p:grpSpPr>
+      <p:sp>
+        <p:nvSpPr>
+          <p:cNvPr id="10" name="Titolo 9">
+            <a:extLst>
+              <a:ext uri="{FF2B5EF4-FFF2-40B4-BE49-F238E27FC236}">
+                <a16:creationId xmlns:a16="http://schemas.microsoft.com/office/drawing/2014/main" id="{81572802-B089-87B8-F0BC-08BC8B6917DA}"/>
+              </a:ext>
+            </a:extLst>
+          </p:cNvPr>
+          <p:cNvSpPr>
+            <a:spLocks noGrp="1"/>
+          </p:cNvSpPr>
+          <p:nvPr>
+            <p:ph type="title"/>
+          </p:nvPr>
+        </p:nvSpPr>
+        <p:spPr>
+          <a:xfrm>
+            <a:off x="838200" y="1028699"/>
+            <a:ext cx="10515600" cy="755323"/>
+          </a:xfrm>
+        </p:spPr>
+        <p:txBody>
+          <a:bodyPr/>
+          <a:lstStyle/>
+          <a:p>
+            <a:pPr algn="ctr"/>
+            <a:r>
+              <a:rPr lang="it-IT" dirty="0"/>
+              <a:t>Index</a:t>
+            </a:r>
+            <a:endParaRPr lang="en-GB" dirty="0"/>
+          </a:p>
+        </p:txBody>
+      </p:sp>
+      <p:sp>
+        <p:nvSpPr>
+          <p:cNvPr id="11" name="Segnaposto contenuto 10">
+            <a:extLst>
+              <a:ext uri="{FF2B5EF4-FFF2-40B4-BE49-F238E27FC236}">
+                <a16:creationId xmlns:a16="http://schemas.microsoft.com/office/drawing/2014/main" id="{920BD547-8EAA-0995-27DD-58F0387692D2}"/>
+              </a:ext>
+            </a:extLst>
+          </p:cNvPr>
+          <p:cNvSpPr>
+            <a:spLocks noGrp="1"/>
+          </p:cNvSpPr>
+          <p:nvPr>
+            <p:ph idx="1"/>
+          </p:nvPr>
+        </p:nvSpPr>
+        <p:spPr>
+          <a:xfrm>
+            <a:off x="838200" y="1784023"/>
+            <a:ext cx="10515600" cy="4045277"/>
+          </a:xfrm>
+        </p:spPr>
+        <p:txBody>
+          <a:bodyPr>
+            <a:normAutofit/>
+          </a:bodyPr>
+          <a:lstStyle/>
+          <a:p>
+            <a:pPr marL="0" indent="0" algn="ctr">
+              <a:lnSpc>
+                <a:spcPct val="150000"/>
+              </a:lnSpc>
+              <a:buNone/>
+            </a:pPr>
+            <a:r>
+              <a:rPr lang="it-IT" dirty="0"/>
+              <a:t>The Nelson-Siegel and Nelson-Siegel-Svensson model</a:t>
+            </a:r>
+          </a:p>
+          <a:p>
+            <a:pPr marL="0" indent="0" algn="ctr">
+              <a:lnSpc>
+                <a:spcPct val="150000"/>
+              </a:lnSpc>
+              <a:buNone/>
+            </a:pPr>
+            <a:r>
+              <a:rPr lang="it-IT" dirty="0" err="1"/>
+              <a:t>Gradient</a:t>
+            </a:r>
+            <a:r>
+              <a:rPr lang="it-IT" dirty="0"/>
+              <a:t> </a:t>
+            </a:r>
+            <a:r>
+              <a:rPr lang="it-IT" dirty="0" err="1"/>
+              <a:t>Descent</a:t>
+            </a:r>
+            <a:r>
+              <a:rPr lang="it-IT" dirty="0"/>
+              <a:t> </a:t>
+            </a:r>
+            <a:r>
+              <a:rPr lang="it-IT" dirty="0" err="1"/>
+              <a:t>method</a:t>
+            </a:r>
+            <a:endParaRPr lang="it-IT" dirty="0"/>
+          </a:p>
+          <a:p>
+            <a:pPr marL="0" indent="0" algn="ctr">
+              <a:lnSpc>
+                <a:spcPct val="150000"/>
+              </a:lnSpc>
+              <a:buNone/>
+            </a:pPr>
+            <a:r>
+              <a:rPr lang="it-IT" dirty="0">
+                <a:effectLst/>
+                <a:ea typeface="Calibri" panose="020F0502020204030204" pitchFamily="34" charset="0"/>
+              </a:rPr>
+              <a:t>Newton </a:t>
+            </a:r>
+            <a:r>
+              <a:rPr lang="it-IT" dirty="0" err="1">
+                <a:effectLst/>
+                <a:ea typeface="Calibri" panose="020F0502020204030204" pitchFamily="34" charset="0"/>
+              </a:rPr>
+              <a:t>method</a:t>
+            </a:r>
+            <a:endParaRPr lang="it-IT" dirty="0">
+              <a:effectLst/>
+              <a:ea typeface="Calibri" panose="020F0502020204030204" pitchFamily="34" charset="0"/>
+            </a:endParaRPr>
+          </a:p>
+          <a:p>
+            <a:pPr marL="0" indent="0" algn="ctr">
+              <a:lnSpc>
+                <a:spcPct val="150000"/>
+              </a:lnSpc>
+              <a:buNone/>
+            </a:pPr>
+            <a:r>
+              <a:rPr lang="en-GB" dirty="0"/>
+              <a:t>BFGS method</a:t>
+            </a:r>
+          </a:p>
+          <a:p>
+            <a:pPr marL="0" indent="0" algn="ctr">
+              <a:lnSpc>
+                <a:spcPct val="150000"/>
+              </a:lnSpc>
+              <a:buNone/>
+            </a:pPr>
+            <a:r>
+              <a:rPr lang="en-GB" dirty="0"/>
+              <a:t>LM method</a:t>
+            </a:r>
+          </a:p>
+          <a:p>
+            <a:endParaRPr lang="en-GB" dirty="0"/>
+          </a:p>
+        </p:txBody>
+      </p:sp>
+    </p:spTree>
+    <p:extLst>
+      <p:ext uri="{BB962C8B-B14F-4D97-AF65-F5344CB8AC3E}">
+        <p14:creationId xmlns:p14="http://schemas.microsoft.com/office/powerpoint/2010/main" val="2903334426"/>
+      </p:ext>
+    </p:extLst>
+  </p:cSld>
+  <p:clrMapOvr>
+    <a:masterClrMapping/>
+  </p:clrMapOvr>
+</p:sld>
+</file>
+
+<file path=ppt/slides/slide20.xml><?xml version="1.0" encoding="utf-8"?>
 <p:sld xmlns:a="http://schemas.openxmlformats.org/drawingml/2006/main" xmlns:r="http://schemas.openxmlformats.org/officeDocument/2006/relationships" xmlns:p="http://schemas.openxmlformats.org/presentationml/2006/main">
   <p:cSld>
     <p:spTree>
@@ -12443,8 +13523,8 @@
         </p:blipFill>
         <p:spPr>
           <a:xfrm>
-            <a:off x="7497379" y="1690687"/>
-            <a:ext cx="4592781" cy="4592781"/>
+            <a:off x="4198934" y="2105799"/>
+            <a:ext cx="3510000" cy="3510000"/>
           </a:xfrm>
           <a:prstGeom prst="roundRect">
             <a:avLst>
@@ -12490,8 +13570,8 @@
         </p:blipFill>
         <p:spPr>
           <a:xfrm>
-            <a:off x="431800" y="1690687"/>
-            <a:ext cx="4592782" cy="4592782"/>
+            <a:off x="431800" y="2103365"/>
+            <a:ext cx="3514869" cy="3514869"/>
           </a:xfrm>
           <a:prstGeom prst="roundRect">
             <a:avLst>
@@ -12523,8 +13603,8 @@
         </p:nvSpPr>
         <p:spPr>
           <a:xfrm>
-            <a:off x="431800" y="980198"/>
-            <a:ext cx="9045832" cy="534988"/>
+            <a:off x="1" y="1025338"/>
+            <a:ext cx="12192000" cy="534988"/>
           </a:xfrm>
           <a:prstGeom prst="rect">
             <a:avLst/>
@@ -12532,7 +13612,7 @@
         </p:spPr>
         <p:txBody>
           <a:bodyPr vert="horz" lIns="91440" tIns="45720" rIns="91440" bIns="45720" rtlCol="0" anchor="ctr">
-            <a:normAutofit/>
+            <a:noAutofit/>
           </a:bodyPr>
           <a:lstStyle>
             <a:lvl1pPr algn="l" defTabSz="914400" rtl="0" eaLnBrk="1" latinLnBrk="0" hangingPunct="1">
@@ -12554,78 +13634,34 @@
             </a:lvl1pPr>
           </a:lstStyle>
           <a:p>
-            <a:r>
-              <a:rPr lang="en-US" sz="1800" dirty="0">
-                <a:latin typeface="Jost Medium" pitchFamily="2" charset="77"/>
+            <a:pPr algn="ctr"/>
+            <a:r>
+              <a:rPr lang="en-US" dirty="0">
                 <a:ea typeface="Jost Medium" pitchFamily="2" charset="77"/>
               </a:rPr>
-              <a:t>Comparison with BFGS and Newton Methods [Part II]: Devil in the details</a:t>
-            </a:r>
-            <a:endParaRPr lang="en-KZ" sz="1800" dirty="0">
-              <a:latin typeface="Jost Medium" pitchFamily="2" charset="77"/>
+              <a:t>Part II: Devil in the details</a:t>
+            </a:r>
+            <a:endParaRPr lang="en-KZ" dirty="0">
               <a:ea typeface="Jost Medium" pitchFamily="2" charset="77"/>
             </a:endParaRPr>
           </a:p>
         </p:txBody>
       </p:sp>
-      <p:cxnSp>
-        <p:nvCxnSpPr>
-          <p:cNvPr id="11" name="Straight Connector 10">
-            <a:extLst>
-              <a:ext uri="{FF2B5EF4-FFF2-40B4-BE49-F238E27FC236}">
-                <a16:creationId xmlns:a16="http://schemas.microsoft.com/office/drawing/2014/main" id="{A0A6FF00-D80E-8A78-E714-0D12390DA102}"/>
-              </a:ext>
-            </a:extLst>
-          </p:cNvPr>
-          <p:cNvCxnSpPr>
-            <a:cxnSpLocks/>
-          </p:cNvCxnSpPr>
+      <p:sp>
+        <p:nvSpPr>
+          <p:cNvPr id="12" name="Rounded Rectangle 11">
+            <a:extLst>
+              <a:ext uri="{FF2B5EF4-FFF2-40B4-BE49-F238E27FC236}">
+                <a16:creationId xmlns:a16="http://schemas.microsoft.com/office/drawing/2014/main" id="{A42D888C-4CC1-44A8-BB87-E13B26D2FE87}"/>
+              </a:ext>
+            </a:extLst>
+          </p:cNvPr>
+          <p:cNvSpPr/>
           <p:nvPr/>
-        </p:nvCxnSpPr>
+        </p:nvSpPr>
         <p:spPr>
           <a:xfrm>
-            <a:off x="431800" y="1515186"/>
-            <a:ext cx="9711558" cy="0"/>
-          </a:xfrm>
-          <a:prstGeom prst="line">
-            <a:avLst/>
-          </a:prstGeom>
-          <a:ln w="28575">
-            <a:solidFill>
-              <a:srgbClr val="8F061A"/>
-            </a:solidFill>
-          </a:ln>
-        </p:spPr>
-        <p:style>
-          <a:lnRef idx="1">
-            <a:schemeClr val="accent1"/>
-          </a:lnRef>
-          <a:fillRef idx="0">
-            <a:schemeClr val="accent1"/>
-          </a:fillRef>
-          <a:effectRef idx="0">
-            <a:schemeClr val="accent1"/>
-          </a:effectRef>
-          <a:fontRef idx="minor">
-            <a:schemeClr val="tx1"/>
-          </a:fontRef>
-        </p:style>
-      </p:cxnSp>
-      <p:sp>
-        <p:nvSpPr>
-          <p:cNvPr id="12" name="Rounded Rectangle 11">
-            <a:extLst>
-              <a:ext uri="{FF2B5EF4-FFF2-40B4-BE49-F238E27FC236}">
-                <a16:creationId xmlns:a16="http://schemas.microsoft.com/office/drawing/2014/main" id="{A42D888C-4CC1-44A8-BB87-E13B26D2FE87}"/>
-              </a:ext>
-            </a:extLst>
-          </p:cNvPr>
-          <p:cNvSpPr/>
-          <p:nvPr/>
-        </p:nvSpPr>
-        <p:spPr>
-          <a:xfrm>
-            <a:off x="8495221" y="4432410"/>
+            <a:off x="4766339" y="4076558"/>
             <a:ext cx="559879" cy="838923"/>
           </a:xfrm>
           <a:prstGeom prst="roundRect">
@@ -12679,7 +13715,7 @@
         </p:nvSpPr>
         <p:spPr>
           <a:xfrm>
-            <a:off x="1433621" y="4432410"/>
+            <a:off x="990939" y="4076558"/>
             <a:ext cx="560279" cy="838923"/>
           </a:xfrm>
           <a:prstGeom prst="roundRect">
@@ -12719,105 +13755,6 @@
           </a:p>
         </p:txBody>
       </p:sp>
-      <p:cxnSp>
-        <p:nvCxnSpPr>
-          <p:cNvPr id="15" name="Elbow Connector 14">
-            <a:extLst>
-              <a:ext uri="{FF2B5EF4-FFF2-40B4-BE49-F238E27FC236}">
-                <a16:creationId xmlns:a16="http://schemas.microsoft.com/office/drawing/2014/main" id="{C1AC8B9B-CBD0-7998-4343-CB25985B0B6C}"/>
-              </a:ext>
-            </a:extLst>
-          </p:cNvPr>
-          <p:cNvCxnSpPr>
-            <a:cxnSpLocks/>
-            <a:stCxn id="13" idx="3"/>
-          </p:cNvCxnSpPr>
-          <p:nvPr/>
-        </p:nvCxnSpPr>
-        <p:spPr>
-          <a:xfrm flipV="1">
-            <a:off x="1993900" y="2050174"/>
-            <a:ext cx="3293679" cy="2801698"/>
-          </a:xfrm>
-          <a:prstGeom prst="bentConnector3">
-            <a:avLst>
-              <a:gd name="adj1" fmla="val 80076"/>
-            </a:avLst>
-          </a:prstGeom>
-          <a:ln w="12700">
-            <a:solidFill>
-              <a:srgbClr val="D50000"/>
-            </a:solidFill>
-            <a:prstDash val="dash"/>
-            <a:headEnd type="oval" w="med" len="med"/>
-            <a:tailEnd type="triangle" w="med" len="med"/>
-          </a:ln>
-        </p:spPr>
-        <p:style>
-          <a:lnRef idx="1">
-            <a:schemeClr val="accent1"/>
-          </a:lnRef>
-          <a:fillRef idx="0">
-            <a:schemeClr val="accent1"/>
-          </a:fillRef>
-          <a:effectRef idx="0">
-            <a:schemeClr val="accent1"/>
-          </a:effectRef>
-          <a:fontRef idx="minor">
-            <a:schemeClr val="tx1"/>
-          </a:fontRef>
-        </p:style>
-      </p:cxnSp>
-      <p:cxnSp>
-        <p:nvCxnSpPr>
-          <p:cNvPr id="26" name="Elbow Connector 25">
-            <a:extLst>
-              <a:ext uri="{FF2B5EF4-FFF2-40B4-BE49-F238E27FC236}">
-                <a16:creationId xmlns:a16="http://schemas.microsoft.com/office/drawing/2014/main" id="{8B767938-98DA-D6B0-AAD2-98597462E087}"/>
-              </a:ext>
-            </a:extLst>
-          </p:cNvPr>
-          <p:cNvCxnSpPr>
-            <a:cxnSpLocks/>
-            <a:stCxn id="12" idx="1"/>
-            <a:endCxn id="32" idx="3"/>
-          </p:cNvCxnSpPr>
-          <p:nvPr/>
-        </p:nvCxnSpPr>
-        <p:spPr>
-          <a:xfrm rot="10800000">
-            <a:off x="7352223" y="3643770"/>
-            <a:ext cx="1142998" cy="1208103"/>
-          </a:xfrm>
-          <a:prstGeom prst="bentConnector3">
-            <a:avLst>
-              <a:gd name="adj1" fmla="val 40000"/>
-            </a:avLst>
-          </a:prstGeom>
-          <a:ln w="12700">
-            <a:solidFill>
-              <a:srgbClr val="D50000"/>
-            </a:solidFill>
-            <a:prstDash val="dash"/>
-            <a:headEnd type="oval" w="med" len="med"/>
-            <a:tailEnd type="triangle" w="med" len="med"/>
-          </a:ln>
-        </p:spPr>
-        <p:style>
-          <a:lnRef idx="1">
-            <a:schemeClr val="accent1"/>
-          </a:lnRef>
-          <a:fillRef idx="0">
-            <a:schemeClr val="accent1"/>
-          </a:fillRef>
-          <a:effectRef idx="0">
-            <a:schemeClr val="accent1"/>
-          </a:effectRef>
-          <a:fontRef idx="minor">
-            <a:schemeClr val="tx1"/>
-          </a:fontRef>
-        </p:style>
-      </p:cxnSp>
       <p:sp>
         <p:nvSpPr>
           <p:cNvPr id="32" name="Rectangle 31">
@@ -12832,8 +13769,8 @@
         </p:nvSpPr>
         <p:spPr>
           <a:xfrm>
-            <a:off x="5287579" y="1981775"/>
-            <a:ext cx="2064644" cy="3323987"/>
+            <a:off x="8276339" y="2114500"/>
+            <a:ext cx="3207642" cy="3046988"/>
           </a:xfrm>
           <a:prstGeom prst="rect">
             <a:avLst/>
@@ -12853,11 +13790,11 @@
               <a:buChar char="Ø"/>
             </a:pPr>
             <a:r>
-              <a:rPr lang="en-US" sz="1400" dirty="0">
-                <a:latin typeface="Jost Light" pitchFamily="2" charset="77"/>
+              <a:rPr lang="en-US" sz="2400" dirty="0">
+                <a:latin typeface="+mj-lt"/>
                 <a:ea typeface="Jost Light" pitchFamily="2" charset="77"/>
               </a:rPr>
-              <a:t>LM tries to fit the second-year maturity as accurately as possible and after that converges in downward trend with the data.</a:t>
+              <a:t>LM tries to fit the second-year maturity as accurately as possible </a:t>
             </a:r>
           </a:p>
           <a:p>
@@ -12868,13 +13805,10 @@
               <a:buFont typeface="Wingdings" pitchFamily="2" charset="2"/>
               <a:buChar char="Ø"/>
             </a:pPr>
-            <a:r>
-              <a:rPr lang="en-US" sz="1400" dirty="0">
-                <a:latin typeface="Jost Light" pitchFamily="2" charset="77"/>
-                <a:ea typeface="Jost Light" pitchFamily="2" charset="77"/>
-              </a:rPr>
-              <a:t>BFGS’ graph looks more like the average between two spikes.</a:t>
-            </a:r>
+            <a:endParaRPr lang="en-US" sz="2400" dirty="0">
+              <a:latin typeface="+mj-lt"/>
+              <a:ea typeface="Jost Light" pitchFamily="2" charset="77"/>
+            </a:endParaRPr>
           </a:p>
           <a:p>
             <a:pPr marL="285750" indent="-285750">
@@ -12885,11 +13819,11 @@
               <a:buChar char="Ø"/>
             </a:pPr>
             <a:r>
-              <a:rPr lang="en-US" sz="1400" dirty="0">
-                <a:latin typeface="Jost Light" pitchFamily="2" charset="77"/>
+              <a:rPr lang="en-US" sz="2400" dirty="0">
+                <a:latin typeface="+mj-lt"/>
                 <a:ea typeface="Jost Light" pitchFamily="2" charset="77"/>
               </a:rPr>
-              <a:t>Even though this yield curve pattern is very hard to predict, LM showed itself to be more robust.</a:t>
+              <a:t>BFGS’ graph looks more like the average between two spikes.</a:t>
             </a:r>
           </a:p>
         </p:txBody>
@@ -12907,7 +13841,7 @@
 </p:sld>
 </file>
 
-<file path=ppt/slides/slide18.xml><?xml version="1.0" encoding="utf-8"?>
+<file path=ppt/slides/slide21.xml><?xml version="1.0" encoding="utf-8"?>
 <p:sld xmlns:a="http://schemas.openxmlformats.org/drawingml/2006/main" xmlns:r="http://schemas.openxmlformats.org/officeDocument/2006/relationships" xmlns:p="http://schemas.openxmlformats.org/presentationml/2006/main">
   <p:cSld>
     <p:spTree>
@@ -12929,7 +13863,7 @@
           <p:cNvPr id="7" name="Content Placeholder 6" descr="A graph with blue and orange lines&#10;&#10;Description automatically generated">
             <a:extLst>
               <a:ext uri="{FF2B5EF4-FFF2-40B4-BE49-F238E27FC236}">
-                <a16:creationId xmlns:a16="http://schemas.microsoft.com/office/drawing/2014/main" id="{6F58D870-0DA4-76B4-5B5D-E57FA9AFD0E1}"/>
+                <a16:creationId xmlns:a16="http://schemas.microsoft.com/office/drawing/2014/main" id="{82B5529A-23BF-4A1A-99CE-2540B38EC065}"/>
               </a:ext>
             </a:extLst>
           </p:cNvPr>
@@ -12954,8 +13888,55 @@
         </p:blipFill>
         <p:spPr>
           <a:xfrm>
-            <a:off x="8136761" y="1685211"/>
-            <a:ext cx="3657600" cy="3657600"/>
+            <a:off x="969834" y="1701784"/>
+            <a:ext cx="2932952" cy="2932952"/>
+          </a:xfrm>
+          <a:prstGeom prst="roundRect">
+            <a:avLst>
+              <a:gd name="adj" fmla="val 6769"/>
+            </a:avLst>
+          </a:prstGeom>
+          <a:effectLst>
+            <a:outerShdw blurRad="50800" dist="38100" dir="8100000" algn="tr" rotWithShape="0">
+              <a:srgbClr val="8F061A">
+                <a:alpha val="40000"/>
+              </a:srgbClr>
+            </a:outerShdw>
+          </a:effectLst>
+        </p:spPr>
+      </p:pic>
+      <p:pic>
+        <p:nvPicPr>
+          <p:cNvPr id="9" name="Content Placeholder 8" descr="A graph with blue and orange lines&#10;&#10;Description automatically generated">
+            <a:extLst>
+              <a:ext uri="{FF2B5EF4-FFF2-40B4-BE49-F238E27FC236}">
+                <a16:creationId xmlns:a16="http://schemas.microsoft.com/office/drawing/2014/main" id="{AF51052E-E9E5-9FF1-304B-0FBDB82091F8}"/>
+              </a:ext>
+            </a:extLst>
+          </p:cNvPr>
+          <p:cNvPicPr>
+            <a:picLocks noGrp="1" noChangeAspect="1"/>
+          </p:cNvPicPr>
+          <p:nvPr>
+            <p:ph sz="half" idx="2"/>
+          </p:nvPr>
+        </p:nvPicPr>
+        <p:blipFill>
+          <a:blip r:embed="rId3">
+            <a:extLst>
+              <a:ext uri="{28A0092B-C50C-407E-A947-70E740481C1C}">
+                <a14:useLocalDpi xmlns:a14="http://schemas.microsoft.com/office/drawing/2010/main" val="0"/>
+              </a:ext>
+            </a:extLst>
+          </a:blip>
+          <a:stretch>
+            <a:fillRect/>
+          </a:stretch>
+        </p:blipFill>
+        <p:spPr>
+          <a:xfrm>
+            <a:off x="7425614" y="1700594"/>
+            <a:ext cx="2932952" cy="2932952"/>
           </a:xfrm>
           <a:prstGeom prst="roundRect">
             <a:avLst>
@@ -12973,22 +13954,20 @@
       </p:pic>
       <p:pic>
         <p:nvPicPr>
-          <p:cNvPr id="13" name="Content Placeholder 12" descr="A graph with a line and numbers&#10;&#10;Description automatically generated">
-            <a:extLst>
-              <a:ext uri="{FF2B5EF4-FFF2-40B4-BE49-F238E27FC236}">
-                <a16:creationId xmlns:a16="http://schemas.microsoft.com/office/drawing/2014/main" id="{CD249FB8-1B9D-34EC-74CF-38E9D9ACF3BD}"/>
+          <p:cNvPr id="11" name="Picture 10" descr="A graph with blue and orange lines&#10;&#10;Description automatically generated">
+            <a:extLst>
+              <a:ext uri="{FF2B5EF4-FFF2-40B4-BE49-F238E27FC236}">
+                <a16:creationId xmlns:a16="http://schemas.microsoft.com/office/drawing/2014/main" id="{3ACDA0DA-3867-2EA0-D533-BD5E6AE19F2F}"/>
               </a:ext>
             </a:extLst>
           </p:cNvPr>
           <p:cNvPicPr>
-            <a:picLocks noGrp="1" noChangeAspect="1"/>
+            <a:picLocks noChangeAspect="1"/>
           </p:cNvPicPr>
-          <p:nvPr>
-            <p:ph sz="half" idx="2"/>
-          </p:nvPr>
+          <p:nvPr/>
         </p:nvPicPr>
         <p:blipFill>
-          <a:blip r:embed="rId3">
+          <a:blip r:embed="rId4">
             <a:extLst>
               <a:ext uri="{28A0092B-C50C-407E-A947-70E740481C1C}">
                 <a14:useLocalDpi xmlns:a14="http://schemas.microsoft.com/office/drawing/2010/main" val="0"/>
@@ -13001,53 +13980,8 @@
         </p:blipFill>
         <p:spPr>
           <a:xfrm>
-            <a:off x="431800" y="1682127"/>
-            <a:ext cx="3660685" cy="3660685"/>
-          </a:xfrm>
-          <a:prstGeom prst="roundRect">
-            <a:avLst>
-              <a:gd name="adj" fmla="val 6769"/>
-            </a:avLst>
-          </a:prstGeom>
-          <a:effectLst>
-            <a:outerShdw blurRad="50800" dist="38100" dir="8100000" algn="tr" rotWithShape="0">
-              <a:srgbClr val="8F061A">
-                <a:alpha val="40000"/>
-              </a:srgbClr>
-            </a:outerShdw>
-          </a:effectLst>
-        </p:spPr>
-      </p:pic>
-      <p:pic>
-        <p:nvPicPr>
-          <p:cNvPr id="15" name="Picture 14" descr="A graph with blue and orange lines&#10;&#10;Description automatically generated">
-            <a:extLst>
-              <a:ext uri="{FF2B5EF4-FFF2-40B4-BE49-F238E27FC236}">
-                <a16:creationId xmlns:a16="http://schemas.microsoft.com/office/drawing/2014/main" id="{E12B679C-7F74-1EFF-567F-C5C39B296EDD}"/>
-              </a:ext>
-            </a:extLst>
-          </p:cNvPr>
-          <p:cNvPicPr>
-            <a:picLocks noChangeAspect="1"/>
-          </p:cNvPicPr>
-          <p:nvPr/>
-        </p:nvPicPr>
-        <p:blipFill>
-          <a:blip r:embed="rId4">
-            <a:extLst>
-              <a:ext uri="{28A0092B-C50C-407E-A947-70E740481C1C}">
-                <a14:useLocalDpi xmlns:a14="http://schemas.microsoft.com/office/drawing/2010/main" val="0"/>
-              </a:ext>
-            </a:extLst>
-          </a:blip>
-          <a:stretch>
-            <a:fillRect/>
-          </a:stretch>
-        </p:blipFill>
-        <p:spPr>
-          <a:xfrm>
-            <a:off x="4284281" y="1682127"/>
-            <a:ext cx="3660684" cy="3660684"/>
+            <a:off x="4198319" y="1701784"/>
+            <a:ext cx="2931762" cy="2931762"/>
           </a:xfrm>
           <a:prstGeom prst="roundRect">
             <a:avLst>
@@ -13065,10 +13999,10 @@
       </p:pic>
       <p:sp>
         <p:nvSpPr>
-          <p:cNvPr id="16" name="Title 1">
-            <a:extLst>
-              <a:ext uri="{FF2B5EF4-FFF2-40B4-BE49-F238E27FC236}">
-                <a16:creationId xmlns:a16="http://schemas.microsoft.com/office/drawing/2014/main" id="{F240E52C-8707-296C-1D87-04F6DA5FF913}"/>
+          <p:cNvPr id="13" name="Title 1">
+            <a:extLst>
+              <a:ext uri="{FF2B5EF4-FFF2-40B4-BE49-F238E27FC236}">
+                <a16:creationId xmlns:a16="http://schemas.microsoft.com/office/drawing/2014/main" id="{7F12AA2D-F903-375E-0AFF-6A7CF419FF6B}"/>
               </a:ext>
             </a:extLst>
           </p:cNvPr>
@@ -13079,8 +14013,8 @@
         </p:nvSpPr>
         <p:spPr>
           <a:xfrm>
-            <a:off x="431800" y="980198"/>
-            <a:ext cx="9045832" cy="534988"/>
+            <a:off x="0" y="992898"/>
+            <a:ext cx="12192000" cy="534988"/>
           </a:xfrm>
           <a:prstGeom prst="rect">
             <a:avLst/>
@@ -13088,7 +14022,7 @@
         </p:spPr>
         <p:txBody>
           <a:bodyPr vert="horz" lIns="91440" tIns="45720" rIns="91440" bIns="45720" rtlCol="0" anchor="ctr">
-            <a:normAutofit/>
+            <a:noAutofit/>
           </a:bodyPr>
           <a:lstStyle>
             <a:lvl1pPr algn="l" defTabSz="914400" rtl="0" eaLnBrk="1" latinLnBrk="0" hangingPunct="1">
@@ -13110,79 +14044,35 @@
             </a:lvl1pPr>
           </a:lstStyle>
           <a:p>
-            <a:r>
-              <a:rPr lang="en-US" sz="1800" dirty="0">
-                <a:latin typeface="Jost Medium" pitchFamily="2" charset="77"/>
+            <a:pPr algn="ctr"/>
+            <a:r>
+              <a:rPr lang="en-US" dirty="0">
                 <a:ea typeface="Jost Medium" pitchFamily="2" charset="77"/>
               </a:rPr>
-              <a:t>Comparison with BFGS and Newton Methods [Part III]: A little more examples</a:t>
-            </a:r>
-            <a:endParaRPr lang="en-KZ" sz="1800" dirty="0">
-              <a:latin typeface="Jost Medium" pitchFamily="2" charset="77"/>
+              <a:t>Part III: Only Newton can solve this?</a:t>
+            </a:r>
+            <a:endParaRPr lang="en-KZ" dirty="0">
               <a:ea typeface="Jost Medium" pitchFamily="2" charset="77"/>
             </a:endParaRPr>
           </a:p>
         </p:txBody>
       </p:sp>
-      <p:cxnSp>
-        <p:nvCxnSpPr>
-          <p:cNvPr id="17" name="Straight Connector 16">
-            <a:extLst>
-              <a:ext uri="{FF2B5EF4-FFF2-40B4-BE49-F238E27FC236}">
-                <a16:creationId xmlns:a16="http://schemas.microsoft.com/office/drawing/2014/main" id="{77D6BA98-615D-C145-6C8A-08608129B4B3}"/>
-              </a:ext>
-            </a:extLst>
-          </p:cNvPr>
-          <p:cNvCxnSpPr>
-            <a:cxnSpLocks/>
-          </p:cNvCxnSpPr>
+      <p:sp>
+        <p:nvSpPr>
+          <p:cNvPr id="15" name="Rectangle 14">
+            <a:extLst>
+              <a:ext uri="{FF2B5EF4-FFF2-40B4-BE49-F238E27FC236}">
+                <a16:creationId xmlns:a16="http://schemas.microsoft.com/office/drawing/2014/main" id="{5FACC481-30C8-160A-DB4E-8A6A5D1F7E19}"/>
+              </a:ext>
+            </a:extLst>
+          </p:cNvPr>
+          <p:cNvSpPr/>
           <p:nvPr/>
-        </p:nvCxnSpPr>
+        </p:nvSpPr>
         <p:spPr>
           <a:xfrm>
-            <a:off x="431800" y="1515186"/>
-            <a:ext cx="9711558" cy="0"/>
-          </a:xfrm>
-          <a:prstGeom prst="line">
-            <a:avLst/>
-          </a:prstGeom>
-          <a:ln w="28575">
-            <a:solidFill>
-              <a:srgbClr val="8F061A"/>
-            </a:solidFill>
-          </a:ln>
-        </p:spPr>
-        <p:style>
-          <a:lnRef idx="1">
-            <a:schemeClr val="accent1"/>
-          </a:lnRef>
-          <a:fillRef idx="0">
-            <a:schemeClr val="accent1"/>
-          </a:fillRef>
-          <a:effectRef idx="0">
-            <a:schemeClr val="accent1"/>
-          </a:effectRef>
-          <a:fontRef idx="minor">
-            <a:schemeClr val="tx1"/>
-          </a:fontRef>
-        </p:style>
-      </p:cxnSp>
-      <p:sp>
-        <p:nvSpPr>
-          <p:cNvPr id="18" name="Rectangle 17">
-            <a:extLst>
-              <a:ext uri="{FF2B5EF4-FFF2-40B4-BE49-F238E27FC236}">
-                <a16:creationId xmlns:a16="http://schemas.microsoft.com/office/drawing/2014/main" id="{9FEB4125-2E6A-D2FF-1F00-CB31E075CCDF}"/>
-              </a:ext>
-            </a:extLst>
-          </p:cNvPr>
-          <p:cNvSpPr/>
-          <p:nvPr/>
-        </p:nvSpPr>
-        <p:spPr>
-          <a:xfrm>
-            <a:off x="431800" y="5509751"/>
-            <a:ext cx="5664200" cy="1169551"/>
+            <a:off x="281944" y="5027151"/>
+            <a:ext cx="4500926" cy="1569660"/>
           </a:xfrm>
           <a:prstGeom prst="rect">
             <a:avLst/>
@@ -13200,11 +14090,18 @@
               </a:buClr>
             </a:pPr>
             <a:r>
-              <a:rPr lang="en-US" sz="1400" dirty="0">
-                <a:latin typeface="Jost Light" pitchFamily="2" charset="77"/>
+              <a:rPr lang="en-US" sz="2400" b="1" dirty="0">
+                <a:latin typeface="+mj-lt"/>
                 <a:ea typeface="Jost Light" pitchFamily="2" charset="77"/>
               </a:rPr>
-              <a:t>Inverted yield curve:</a:t>
+              <a:t>LM vs. Newton</a:t>
+            </a:r>
+            <a:r>
+              <a:rPr lang="en-US" sz="2400" dirty="0">
+                <a:latin typeface="+mj-lt"/>
+                <a:ea typeface="Jost Light" pitchFamily="2" charset="77"/>
+              </a:rPr>
+              <a:t>:</a:t>
             </a:r>
           </a:p>
           <a:p>
@@ -13216,486 +14113,8 @@
               <a:buChar char="Ø"/>
             </a:pPr>
             <a:r>
-              <a:rPr lang="en-US" sz="1400" dirty="0">
-                <a:latin typeface="Jost Light" pitchFamily="2" charset="77"/>
-                <a:ea typeface="Jost Light" pitchFamily="2" charset="77"/>
-              </a:rPr>
-              <a:t>Three of the methods do comparatively good job modeling the inverted yield curve.</a:t>
-            </a:r>
-          </a:p>
-          <a:p>
-            <a:pPr marL="285750" indent="-285750">
-              <a:buClr>
-                <a:srgbClr val="D50000"/>
-              </a:buClr>
-              <a:buFont typeface="Wingdings" pitchFamily="2" charset="2"/>
-              <a:buChar char="Ø"/>
-            </a:pPr>
-            <a:r>
-              <a:rPr lang="en-US" sz="1400" dirty="0">
-                <a:latin typeface="Jost Light" pitchFamily="2" charset="77"/>
-                <a:ea typeface="Jost Light" pitchFamily="2" charset="77"/>
-              </a:rPr>
-              <a:t>Newton Method here is limited to its speed, it took all the 100 iterations to complete the task.</a:t>
-            </a:r>
-          </a:p>
-        </p:txBody>
-      </p:sp>
-      <p:pic>
-        <p:nvPicPr>
-          <p:cNvPr id="19" name="Picture 18" descr="A red circle with a white number on it&#10;&#10;Description automatically generated">
-            <a:extLst>
-              <a:ext uri="{FF2B5EF4-FFF2-40B4-BE49-F238E27FC236}">
-                <a16:creationId xmlns:a16="http://schemas.microsoft.com/office/drawing/2014/main" id="{DDC6888A-F5C0-1394-734F-514B92F6F8BD}"/>
-              </a:ext>
-            </a:extLst>
-          </p:cNvPr>
-          <p:cNvPicPr>
-            <a:picLocks noChangeAspect="1"/>
-          </p:cNvPicPr>
-          <p:nvPr/>
-        </p:nvPicPr>
-        <p:blipFill>
-          <a:blip r:embed="rId5">
-            <a:extLst>
-              <a:ext uri="{28A0092B-C50C-407E-A947-70E740481C1C}">
-                <a14:useLocalDpi xmlns:a14="http://schemas.microsoft.com/office/drawing/2010/main" val="0"/>
-              </a:ext>
-            </a:extLst>
-          </a:blip>
-          <a:stretch>
-            <a:fillRect/>
-          </a:stretch>
-        </p:blipFill>
-        <p:spPr>
-          <a:xfrm>
-            <a:off x="484604" y="1758325"/>
-            <a:ext cx="273195" cy="273195"/>
-          </a:xfrm>
-          <a:prstGeom prst="rect">
-            <a:avLst/>
-          </a:prstGeom>
-        </p:spPr>
-      </p:pic>
-      <p:pic>
-        <p:nvPicPr>
-          <p:cNvPr id="22" name="Picture 21" descr="A red circle with a white number on it&#10;&#10;Description automatically generated">
-            <a:extLst>
-              <a:ext uri="{FF2B5EF4-FFF2-40B4-BE49-F238E27FC236}">
-                <a16:creationId xmlns:a16="http://schemas.microsoft.com/office/drawing/2014/main" id="{FFDC3D26-C04C-CA49-572C-7A88D9B669A2}"/>
-              </a:ext>
-            </a:extLst>
-          </p:cNvPr>
-          <p:cNvPicPr>
-            <a:picLocks noChangeAspect="1"/>
-          </p:cNvPicPr>
-          <p:nvPr/>
-        </p:nvPicPr>
-        <p:blipFill>
-          <a:blip r:embed="rId6">
-            <a:extLst>
-              <a:ext uri="{28A0092B-C50C-407E-A947-70E740481C1C}">
-                <a14:useLocalDpi xmlns:a14="http://schemas.microsoft.com/office/drawing/2010/main" val="0"/>
-              </a:ext>
-            </a:extLst>
-          </a:blip>
-          <a:stretch>
-            <a:fillRect/>
-          </a:stretch>
-        </p:blipFill>
-        <p:spPr>
-          <a:xfrm>
-            <a:off x="4358896" y="1758324"/>
-            <a:ext cx="273195" cy="273195"/>
-          </a:xfrm>
-          <a:prstGeom prst="rect">
-            <a:avLst/>
-          </a:prstGeom>
-        </p:spPr>
-      </p:pic>
-      <p:pic>
-        <p:nvPicPr>
-          <p:cNvPr id="23" name="Picture 22" descr="A red circle with white number three on it&#10;&#10;Description automatically generated">
-            <a:extLst>
-              <a:ext uri="{FF2B5EF4-FFF2-40B4-BE49-F238E27FC236}">
-                <a16:creationId xmlns:a16="http://schemas.microsoft.com/office/drawing/2014/main" id="{62486BF0-D065-7BFB-01F4-F7B65DD66AB4}"/>
-              </a:ext>
-            </a:extLst>
-          </p:cNvPr>
-          <p:cNvPicPr>
-            <a:picLocks noChangeAspect="1"/>
-          </p:cNvPicPr>
-          <p:nvPr/>
-        </p:nvPicPr>
-        <p:blipFill>
-          <a:blip r:embed="rId7">
-            <a:extLst>
-              <a:ext uri="{28A0092B-C50C-407E-A947-70E740481C1C}">
-                <a14:useLocalDpi xmlns:a14="http://schemas.microsoft.com/office/drawing/2010/main" val="0"/>
-              </a:ext>
-            </a:extLst>
-          </a:blip>
-          <a:stretch>
-            <a:fillRect/>
-          </a:stretch>
-        </p:blipFill>
-        <p:spPr>
-          <a:xfrm>
-            <a:off x="8187560" y="1757919"/>
-            <a:ext cx="273600" cy="273600"/>
-          </a:xfrm>
-          <a:prstGeom prst="rect">
-            <a:avLst/>
-          </a:prstGeom>
-        </p:spPr>
-      </p:pic>
-    </p:spTree>
-    <p:extLst>
-      <p:ext uri="{BB962C8B-B14F-4D97-AF65-F5344CB8AC3E}">
-        <p14:creationId xmlns:p14="http://schemas.microsoft.com/office/powerpoint/2010/main" val="4049800086"/>
-      </p:ext>
-    </p:extLst>
-  </p:cSld>
-  <p:clrMapOvr>
-    <a:masterClrMapping/>
-  </p:clrMapOvr>
-</p:sld>
-</file>
-
-<file path=ppt/slides/slide19.xml><?xml version="1.0" encoding="utf-8"?>
-<p:sld xmlns:a="http://schemas.openxmlformats.org/drawingml/2006/main" xmlns:r="http://schemas.openxmlformats.org/officeDocument/2006/relationships" xmlns:p="http://schemas.openxmlformats.org/presentationml/2006/main">
-  <p:cSld>
-    <p:spTree>
-      <p:nvGrpSpPr>
-        <p:cNvPr id="1" name=""/>
-        <p:cNvGrpSpPr/>
-        <p:nvPr/>
-      </p:nvGrpSpPr>
-      <p:grpSpPr>
-        <a:xfrm>
-          <a:off x="0" y="0"/>
-          <a:ext cx="0" cy="0"/>
-          <a:chOff x="0" y="0"/>
-          <a:chExt cx="0" cy="0"/>
-        </a:xfrm>
-      </p:grpSpPr>
-      <p:pic>
-        <p:nvPicPr>
-          <p:cNvPr id="7" name="Content Placeholder 6" descr="A graph with blue and orange lines&#10;&#10;Description automatically generated">
-            <a:extLst>
-              <a:ext uri="{FF2B5EF4-FFF2-40B4-BE49-F238E27FC236}">
-                <a16:creationId xmlns:a16="http://schemas.microsoft.com/office/drawing/2014/main" id="{82B5529A-23BF-4A1A-99CE-2540B38EC065}"/>
-              </a:ext>
-            </a:extLst>
-          </p:cNvPr>
-          <p:cNvPicPr>
-            <a:picLocks noGrp="1" noChangeAspect="1"/>
-          </p:cNvPicPr>
-          <p:nvPr>
-            <p:ph sz="half" idx="1"/>
-          </p:nvPr>
-        </p:nvPicPr>
-        <p:blipFill>
-          <a:blip r:embed="rId2">
-            <a:extLst>
-              <a:ext uri="{28A0092B-C50C-407E-A947-70E740481C1C}">
-                <a14:useLocalDpi xmlns:a14="http://schemas.microsoft.com/office/drawing/2010/main" val="0"/>
-              </a:ext>
-            </a:extLst>
-          </a:blip>
-          <a:stretch>
-            <a:fillRect/>
-          </a:stretch>
-        </p:blipFill>
-        <p:spPr>
-          <a:xfrm>
-            <a:off x="299674" y="1753342"/>
-            <a:ext cx="3657600" cy="3657600"/>
-          </a:xfrm>
-          <a:prstGeom prst="roundRect">
-            <a:avLst>
-              <a:gd name="adj" fmla="val 6769"/>
-            </a:avLst>
-          </a:prstGeom>
-          <a:effectLst>
-            <a:outerShdw blurRad="50800" dist="38100" dir="8100000" algn="tr" rotWithShape="0">
-              <a:srgbClr val="8F061A">
-                <a:alpha val="40000"/>
-              </a:srgbClr>
-            </a:outerShdw>
-          </a:effectLst>
-        </p:spPr>
-      </p:pic>
-      <p:pic>
-        <p:nvPicPr>
-          <p:cNvPr id="9" name="Content Placeholder 8" descr="A graph with blue and orange lines&#10;&#10;Description automatically generated">
-            <a:extLst>
-              <a:ext uri="{FF2B5EF4-FFF2-40B4-BE49-F238E27FC236}">
-                <a16:creationId xmlns:a16="http://schemas.microsoft.com/office/drawing/2014/main" id="{AF51052E-E9E5-9FF1-304B-0FBDB82091F8}"/>
-              </a:ext>
-            </a:extLst>
-          </p:cNvPr>
-          <p:cNvPicPr>
-            <a:picLocks noGrp="1" noChangeAspect="1"/>
-          </p:cNvPicPr>
-          <p:nvPr>
-            <p:ph sz="half" idx="2"/>
-          </p:nvPr>
-        </p:nvPicPr>
-        <p:blipFill>
-          <a:blip r:embed="rId3">
-            <a:extLst>
-              <a:ext uri="{28A0092B-C50C-407E-A947-70E740481C1C}">
-                <a14:useLocalDpi xmlns:a14="http://schemas.microsoft.com/office/drawing/2010/main" val="0"/>
-              </a:ext>
-            </a:extLst>
-          </a:blip>
-          <a:stretch>
-            <a:fillRect/>
-          </a:stretch>
-        </p:blipFill>
-        <p:spPr>
-          <a:xfrm>
-            <a:off x="8065684" y="1753342"/>
-            <a:ext cx="3657600" cy="3657600"/>
-          </a:xfrm>
-          <a:prstGeom prst="roundRect">
-            <a:avLst>
-              <a:gd name="adj" fmla="val 6769"/>
-            </a:avLst>
-          </a:prstGeom>
-          <a:effectLst>
-            <a:outerShdw blurRad="50800" dist="38100" dir="2700000" algn="tl" rotWithShape="0">
-              <a:srgbClr val="4900E5">
-                <a:alpha val="40000"/>
-              </a:srgbClr>
-            </a:outerShdw>
-          </a:effectLst>
-        </p:spPr>
-      </p:pic>
-      <p:pic>
-        <p:nvPicPr>
-          <p:cNvPr id="11" name="Picture 10" descr="A graph with blue and orange lines&#10;&#10;Description automatically generated">
-            <a:extLst>
-              <a:ext uri="{FF2B5EF4-FFF2-40B4-BE49-F238E27FC236}">
-                <a16:creationId xmlns:a16="http://schemas.microsoft.com/office/drawing/2014/main" id="{3ACDA0DA-3867-2EA0-D533-BD5E6AE19F2F}"/>
-              </a:ext>
-            </a:extLst>
-          </p:cNvPr>
-          <p:cNvPicPr>
-            <a:picLocks noChangeAspect="1"/>
-          </p:cNvPicPr>
-          <p:nvPr/>
-        </p:nvPicPr>
-        <p:blipFill>
-          <a:blip r:embed="rId4">
-            <a:extLst>
-              <a:ext uri="{28A0092B-C50C-407E-A947-70E740481C1C}">
-                <a14:useLocalDpi xmlns:a14="http://schemas.microsoft.com/office/drawing/2010/main" val="0"/>
-              </a:ext>
-            </a:extLst>
-          </a:blip>
-          <a:stretch>
-            <a:fillRect/>
-          </a:stretch>
-        </p:blipFill>
-        <p:spPr>
-          <a:xfrm>
-            <a:off x="4183421" y="1754826"/>
-            <a:ext cx="3656116" cy="3656116"/>
-          </a:xfrm>
-          <a:prstGeom prst="roundRect">
-            <a:avLst>
-              <a:gd name="adj" fmla="val 6769"/>
-            </a:avLst>
-          </a:prstGeom>
-          <a:effectLst>
-            <a:outerShdw blurRad="50800" dist="38100" dir="5400000" algn="tr" rotWithShape="0">
-              <a:srgbClr val="8F061A">
-                <a:alpha val="40000"/>
-              </a:srgbClr>
-            </a:outerShdw>
-          </a:effectLst>
-        </p:spPr>
-      </p:pic>
-      <p:sp>
-        <p:nvSpPr>
-          <p:cNvPr id="13" name="Title 1">
-            <a:extLst>
-              <a:ext uri="{FF2B5EF4-FFF2-40B4-BE49-F238E27FC236}">
-                <a16:creationId xmlns:a16="http://schemas.microsoft.com/office/drawing/2014/main" id="{7F12AA2D-F903-375E-0AFF-6A7CF419FF6B}"/>
-              </a:ext>
-            </a:extLst>
-          </p:cNvPr>
-          <p:cNvSpPr txBox="1">
-            <a:spLocks/>
-          </p:cNvSpPr>
-          <p:nvPr/>
-        </p:nvSpPr>
-        <p:spPr>
-          <a:xfrm>
-            <a:off x="431800" y="980198"/>
-            <a:ext cx="9045832" cy="534988"/>
-          </a:xfrm>
-          <a:prstGeom prst="rect">
-            <a:avLst/>
-          </a:prstGeom>
-        </p:spPr>
-        <p:txBody>
-          <a:bodyPr vert="horz" lIns="91440" tIns="45720" rIns="91440" bIns="45720" rtlCol="0" anchor="ctr">
-            <a:normAutofit/>
-          </a:bodyPr>
-          <a:lstStyle>
-            <a:lvl1pPr algn="l" defTabSz="914400" rtl="0" eaLnBrk="1" latinLnBrk="0" hangingPunct="1">
-              <a:lnSpc>
-                <a:spcPct val="90000"/>
-              </a:lnSpc>
-              <a:spcBef>
-                <a:spcPct val="0"/>
-              </a:spcBef>
-              <a:buNone/>
-              <a:defRPr sz="4400" kern="1200" baseline="0">
-                <a:solidFill>
-                  <a:schemeClr val="tx1"/>
-                </a:solidFill>
+              <a:rPr lang="en-US" sz="2400" dirty="0">
                 <a:latin typeface="+mj-lt"/>
-                <a:ea typeface="+mj-ea"/>
-                <a:cs typeface="+mj-cs"/>
-              </a:defRPr>
-            </a:lvl1pPr>
-          </a:lstStyle>
-          <a:p>
-            <a:r>
-              <a:rPr lang="en-US" sz="1800" dirty="0">
-                <a:latin typeface="Jost Medium" pitchFamily="2" charset="77"/>
-                <a:ea typeface="Jost Medium" pitchFamily="2" charset="77"/>
-              </a:rPr>
-              <a:t>Comparison with BFGS and Newton Methods [Part IV]: Only Newton can solve this?</a:t>
-            </a:r>
-            <a:endParaRPr lang="en-KZ" sz="1800" dirty="0">
-              <a:latin typeface="Jost Medium" pitchFamily="2" charset="77"/>
-              <a:ea typeface="Jost Medium" pitchFamily="2" charset="77"/>
-            </a:endParaRPr>
-          </a:p>
-        </p:txBody>
-      </p:sp>
-      <p:cxnSp>
-        <p:nvCxnSpPr>
-          <p:cNvPr id="14" name="Straight Connector 13">
-            <a:extLst>
-              <a:ext uri="{FF2B5EF4-FFF2-40B4-BE49-F238E27FC236}">
-                <a16:creationId xmlns:a16="http://schemas.microsoft.com/office/drawing/2014/main" id="{ED8DA34A-9CB6-917C-0A21-A051E2533249}"/>
-              </a:ext>
-            </a:extLst>
-          </p:cNvPr>
-          <p:cNvCxnSpPr>
-            <a:cxnSpLocks/>
-          </p:cNvCxnSpPr>
-          <p:nvPr/>
-        </p:nvCxnSpPr>
-        <p:spPr>
-          <a:xfrm>
-            <a:off x="431800" y="1515186"/>
-            <a:ext cx="9711558" cy="0"/>
-          </a:xfrm>
-          <a:prstGeom prst="line">
-            <a:avLst/>
-          </a:prstGeom>
-          <a:ln w="28575">
-            <a:solidFill>
-              <a:srgbClr val="8F061A"/>
-            </a:solidFill>
-          </a:ln>
-        </p:spPr>
-        <p:style>
-          <a:lnRef idx="1">
-            <a:schemeClr val="accent1"/>
-          </a:lnRef>
-          <a:fillRef idx="0">
-            <a:schemeClr val="accent1"/>
-          </a:fillRef>
-          <a:effectRef idx="0">
-            <a:schemeClr val="accent1"/>
-          </a:effectRef>
-          <a:fontRef idx="minor">
-            <a:schemeClr val="tx1"/>
-          </a:fontRef>
-        </p:style>
-      </p:cxnSp>
-      <p:sp>
-        <p:nvSpPr>
-          <p:cNvPr id="15" name="Rectangle 14">
-            <a:extLst>
-              <a:ext uri="{FF2B5EF4-FFF2-40B4-BE49-F238E27FC236}">
-                <a16:creationId xmlns:a16="http://schemas.microsoft.com/office/drawing/2014/main" id="{5FACC481-30C8-160A-DB4E-8A6A5D1F7E19}"/>
-              </a:ext>
-            </a:extLst>
-          </p:cNvPr>
-          <p:cNvSpPr/>
-          <p:nvPr/>
-        </p:nvSpPr>
-        <p:spPr>
-          <a:xfrm>
-            <a:off x="299674" y="5522451"/>
-            <a:ext cx="4500926" cy="1169551"/>
-          </a:xfrm>
-          <a:prstGeom prst="rect">
-            <a:avLst/>
-          </a:prstGeom>
-        </p:spPr>
-        <p:txBody>
-          <a:bodyPr wrap="square">
-            <a:spAutoFit/>
-          </a:bodyPr>
-          <a:lstStyle/>
-          <a:p>
-            <a:pPr>
-              <a:buClr>
-                <a:srgbClr val="D50000"/>
-              </a:buClr>
-            </a:pPr>
-            <a:r>
-              <a:rPr lang="en-US" sz="1400" b="1" dirty="0">
-                <a:latin typeface="Jost Light" pitchFamily="2" charset="77"/>
-                <a:ea typeface="Jost Light" pitchFamily="2" charset="77"/>
-              </a:rPr>
-              <a:t>LM vs. Newton</a:t>
-            </a:r>
-            <a:r>
-              <a:rPr lang="en-US" sz="1400" dirty="0">
-                <a:latin typeface="Jost Light" pitchFamily="2" charset="77"/>
-                <a:ea typeface="Jost Light" pitchFamily="2" charset="77"/>
-              </a:rPr>
-              <a:t>:</a:t>
-            </a:r>
-          </a:p>
-          <a:p>
-            <a:pPr marL="285750" indent="-285750">
-              <a:buClr>
-                <a:srgbClr val="D50000"/>
-              </a:buClr>
-              <a:buFont typeface="Wingdings" pitchFamily="2" charset="2"/>
-              <a:buChar char="Ø"/>
-            </a:pPr>
-            <a:r>
-              <a:rPr lang="en-US" sz="1400" dirty="0">
-                <a:latin typeface="Jost Light" pitchFamily="2" charset="77"/>
-                <a:ea typeface="Jost Light" pitchFamily="2" charset="77"/>
-              </a:rPr>
-              <a:t>Newton converges fast if the optimal parameters chosen correctly, and yield curve has standard shape.</a:t>
-            </a:r>
-          </a:p>
-          <a:p>
-            <a:pPr marL="285750" indent="-285750">
-              <a:buClr>
-                <a:srgbClr val="D50000"/>
-              </a:buClr>
-              <a:buFont typeface="Wingdings" pitchFamily="2" charset="2"/>
-              <a:buChar char="Ø"/>
-            </a:pPr>
-            <a:r>
-              <a:rPr lang="en-US" sz="1400" dirty="0">
-                <a:latin typeface="Jost Light" pitchFamily="2" charset="77"/>
                 <a:ea typeface="Jost Light" pitchFamily="2" charset="77"/>
               </a:rPr>
               <a:t>Newton Method can struggle to provide solutions when starting far from the final minimum.</a:t>
@@ -13721,8 +14140,8 @@
         </p:nvCxnSpPr>
         <p:spPr>
           <a:xfrm>
-            <a:off x="4800600" y="6107227"/>
-            <a:ext cx="215900" cy="0"/>
+            <a:off x="4782870" y="5811981"/>
+            <a:ext cx="704023" cy="0"/>
           </a:xfrm>
           <a:prstGeom prst="straightConnector1">
             <a:avLst/>
@@ -13765,8 +14184,8 @@
         </p:nvSpPr>
         <p:spPr>
           <a:xfrm>
-            <a:off x="5016500" y="5522451"/>
-            <a:ext cx="6311901" cy="1169551"/>
+            <a:off x="5486893" y="5027151"/>
+            <a:ext cx="6311901" cy="1569660"/>
           </a:xfrm>
           <a:prstGeom prst="rect">
             <a:avLst/>
@@ -13784,15 +14203,15 @@
               </a:buClr>
             </a:pPr>
             <a:r>
-              <a:rPr lang="en-US" sz="1400" b="1" dirty="0">
-                <a:latin typeface="Jost Light" pitchFamily="2" charset="77"/>
+              <a:rPr lang="en-US" sz="2400" b="1" dirty="0">
+                <a:latin typeface="+mj-lt"/>
                 <a:ea typeface="Jost Light" pitchFamily="2" charset="77"/>
               </a:rPr>
               <a:t>Conclusion</a:t>
             </a:r>
             <a:r>
-              <a:rPr lang="en-US" sz="1400" dirty="0">
-                <a:latin typeface="Jost Light" pitchFamily="2" charset="77"/>
+              <a:rPr lang="en-US" sz="2400" dirty="0">
+                <a:latin typeface="+mj-lt"/>
                 <a:ea typeface="Jost Light" pitchFamily="2" charset="77"/>
               </a:rPr>
               <a:t>:</a:t>
@@ -13807,11 +14226,11 @@
               <a:buChar char="v"/>
             </a:pPr>
             <a:r>
-              <a:rPr lang="en-US" sz="1400" dirty="0">
-                <a:latin typeface="Jost Light" pitchFamily="2" charset="77"/>
+              <a:rPr lang="en-US" sz="2400" dirty="0">
+                <a:latin typeface="+mj-lt"/>
                 <a:ea typeface="Jost Light" pitchFamily="2" charset="77"/>
               </a:rPr>
-              <a:t>The LM method is preferred for balancing speed and accuracy, excelling with limited data or complex non-linear models.</a:t>
+              <a:t>The LM method is preferred for balancing speed and accuracy.</a:t>
             </a:r>
           </a:p>
           <a:p>
@@ -13823,26 +14242,23 @@
               <a:buChar char="v"/>
             </a:pPr>
             <a:r>
-              <a:rPr lang="en-US" sz="1400" dirty="0">
-                <a:latin typeface="Jost Light" pitchFamily="2" charset="77"/>
+              <a:rPr lang="en-US" sz="2400" dirty="0">
+                <a:latin typeface="+mj-lt"/>
                 <a:ea typeface="Jost Light" pitchFamily="2" charset="77"/>
               </a:rPr>
               <a:t>Requires careful calibration of </a:t>
             </a:r>
             <a:r>
-              <a:rPr lang="el-GR" sz="1400" dirty="0">
-                <a:latin typeface="Jost Light" pitchFamily="2" charset="77"/>
+              <a:rPr lang="el-GR" sz="2400" dirty="0">
+                <a:latin typeface="+mj-lt"/>
                 <a:ea typeface="Jost Light" pitchFamily="2" charset="77"/>
               </a:rPr>
-              <a:t>λ, </a:t>
-            </a:r>
-            <a:r>
-              <a:rPr lang="en-US" sz="1400" dirty="0">
-                <a:latin typeface="Jost Light" pitchFamily="2" charset="77"/>
-                <a:ea typeface="Jost Light" pitchFamily="2" charset="77"/>
-              </a:rPr>
-              <a:t>but its ability to converge from distant starting points makes it a strong choice for non-linear least squares optimization.</a:t>
-            </a:r>
+              <a:t>λ</a:t>
+            </a:r>
+            <a:endParaRPr lang="en-US" sz="2400" dirty="0">
+              <a:latin typeface="+mj-lt"/>
+              <a:ea typeface="Jost Light" pitchFamily="2" charset="77"/>
+            </a:endParaRPr>
           </a:p>
         </p:txBody>
       </p:sp>
@@ -13859,195 +14275,7 @@
 </p:sld>
 </file>
 
-<file path=ppt/slides/slide2.xml><?xml version="1.0" encoding="utf-8"?>
-<p:sld xmlns:a="http://schemas.openxmlformats.org/drawingml/2006/main" xmlns:r="http://schemas.openxmlformats.org/officeDocument/2006/relationships" xmlns:p="http://schemas.openxmlformats.org/presentationml/2006/main">
-  <p:cSld>
-    <p:spTree>
-      <p:nvGrpSpPr>
-        <p:cNvPr id="1" name=""/>
-        <p:cNvGrpSpPr/>
-        <p:nvPr/>
-      </p:nvGrpSpPr>
-      <p:grpSpPr>
-        <a:xfrm>
-          <a:off x="0" y="0"/>
-          <a:ext cx="0" cy="0"/>
-          <a:chOff x="0" y="0"/>
-          <a:chExt cx="0" cy="0"/>
-        </a:xfrm>
-      </p:grpSpPr>
-      <p:sp>
-        <p:nvSpPr>
-          <p:cNvPr id="10" name="Titolo 9">
-            <a:extLst>
-              <a:ext uri="{FF2B5EF4-FFF2-40B4-BE49-F238E27FC236}">
-                <a16:creationId xmlns:a16="http://schemas.microsoft.com/office/drawing/2014/main" id="{81572802-B089-87B8-F0BC-08BC8B6917DA}"/>
-              </a:ext>
-            </a:extLst>
-          </p:cNvPr>
-          <p:cNvSpPr>
-            <a:spLocks noGrp="1"/>
-          </p:cNvSpPr>
-          <p:nvPr>
-            <p:ph type="title"/>
-          </p:nvPr>
-        </p:nvSpPr>
-        <p:spPr>
-          <a:xfrm>
-            <a:off x="838200" y="1028699"/>
-            <a:ext cx="10515600" cy="755323"/>
-          </a:xfrm>
-        </p:spPr>
-        <p:txBody>
-          <a:bodyPr/>
-          <a:lstStyle/>
-          <a:p>
-            <a:pPr algn="ctr"/>
-            <a:r>
-              <a:rPr lang="it-IT" dirty="0"/>
-              <a:t>Index</a:t>
-            </a:r>
-            <a:endParaRPr lang="en-GB" dirty="0"/>
-          </a:p>
-        </p:txBody>
-      </p:sp>
-      <p:sp>
-        <p:nvSpPr>
-          <p:cNvPr id="11" name="Segnaposto contenuto 10">
-            <a:extLst>
-              <a:ext uri="{FF2B5EF4-FFF2-40B4-BE49-F238E27FC236}">
-                <a16:creationId xmlns:a16="http://schemas.microsoft.com/office/drawing/2014/main" id="{920BD547-8EAA-0995-27DD-58F0387692D2}"/>
-              </a:ext>
-            </a:extLst>
-          </p:cNvPr>
-          <p:cNvSpPr>
-            <a:spLocks noGrp="1"/>
-          </p:cNvSpPr>
-          <p:nvPr>
-            <p:ph idx="1"/>
-          </p:nvPr>
-        </p:nvSpPr>
-        <p:spPr>
-          <a:xfrm>
-            <a:off x="838200" y="1784023"/>
-            <a:ext cx="10515600" cy="4045277"/>
-          </a:xfrm>
-        </p:spPr>
-        <p:txBody>
-          <a:bodyPr>
-            <a:normAutofit/>
-          </a:bodyPr>
-          <a:lstStyle/>
-          <a:p>
-            <a:pPr marL="0" indent="0" algn="ctr">
-              <a:lnSpc>
-                <a:spcPct val="150000"/>
-              </a:lnSpc>
-              <a:buNone/>
-            </a:pPr>
-            <a:r>
-              <a:rPr lang="it-IT" dirty="0"/>
-              <a:t>The Nelson-Siegel and Nelson-Siegel-Svensson model</a:t>
-            </a:r>
-          </a:p>
-          <a:p>
-            <a:pPr marL="0" indent="0" algn="ctr">
-              <a:lnSpc>
-                <a:spcPct val="150000"/>
-              </a:lnSpc>
-              <a:buNone/>
-            </a:pPr>
-            <a:r>
-              <a:rPr lang="it-IT" dirty="0" err="1"/>
-              <a:t>Gradient</a:t>
-            </a:r>
-            <a:r>
-              <a:rPr lang="it-IT" dirty="0"/>
-              <a:t> </a:t>
-            </a:r>
-            <a:r>
-              <a:rPr lang="it-IT" dirty="0" err="1"/>
-              <a:t>Descent</a:t>
-            </a:r>
-            <a:r>
-              <a:rPr lang="it-IT" dirty="0"/>
-              <a:t> </a:t>
-            </a:r>
-            <a:r>
-              <a:rPr lang="it-IT" dirty="0" err="1"/>
-              <a:t>method</a:t>
-            </a:r>
-            <a:endParaRPr lang="it-IT" dirty="0"/>
-          </a:p>
-          <a:p>
-            <a:pPr marL="0" indent="0" algn="ctr">
-              <a:lnSpc>
-                <a:spcPct val="150000"/>
-              </a:lnSpc>
-              <a:buNone/>
-            </a:pPr>
-            <a:r>
-              <a:rPr lang="it-IT" dirty="0">
-                <a:effectLst/>
-                <a:ea typeface="Calibri" panose="020F0502020204030204" pitchFamily="34" charset="0"/>
-              </a:rPr>
-              <a:t>Newton </a:t>
-            </a:r>
-            <a:r>
-              <a:rPr lang="it-IT" dirty="0" err="1">
-                <a:effectLst/>
-                <a:ea typeface="Calibri" panose="020F0502020204030204" pitchFamily="34" charset="0"/>
-              </a:rPr>
-              <a:t>method</a:t>
-            </a:r>
-            <a:endParaRPr lang="it-IT" dirty="0">
-              <a:effectLst/>
-              <a:ea typeface="Calibri" panose="020F0502020204030204" pitchFamily="34" charset="0"/>
-            </a:endParaRPr>
-          </a:p>
-          <a:p>
-            <a:pPr marL="0" indent="0" algn="ctr">
-              <a:lnSpc>
-                <a:spcPct val="150000"/>
-              </a:lnSpc>
-              <a:buNone/>
-            </a:pPr>
-            <a:r>
-              <a:rPr lang="en-GB" dirty="0"/>
-              <a:t>BFGS method</a:t>
-            </a:r>
-          </a:p>
-          <a:p>
-            <a:pPr marL="0" indent="0" algn="ctr">
-              <a:lnSpc>
-                <a:spcPct val="150000"/>
-              </a:lnSpc>
-              <a:buNone/>
-            </a:pPr>
-            <a:r>
-              <a:rPr lang="en-GB" dirty="0"/>
-              <a:t>LM method</a:t>
-            </a:r>
-          </a:p>
-          <a:p>
-            <a:endParaRPr lang="en-GB" dirty="0"/>
-          </a:p>
-        </p:txBody>
-      </p:sp>
-    </p:spTree>
-    <p:extLst>
-      <p:ext uri="{BB962C8B-B14F-4D97-AF65-F5344CB8AC3E}">
-        <p14:creationId xmlns:p14="http://schemas.microsoft.com/office/powerpoint/2010/main" val="2903334426"/>
-      </p:ext>
-    </p:extLst>
-  </p:cSld>
-  <p:clrMapOvr>
-    <a:masterClrMapping/>
-  </p:clrMapOvr>
-</p:sld>
-</file>
-
-<file path=ppt/slides/slide20.xml><?xml version="1.0" encoding="utf-8"?>
+<file path=ppt/slides/slide22.xml><?xml version="1.0" encoding="utf-8"?>
 <p:sld xmlns:a="http://schemas.openxmlformats.org/drawingml/2006/main" xmlns:r="http://schemas.openxmlformats.org/officeDocument/2006/relationships" xmlns:p="http://schemas.openxmlformats.org/presentationml/2006/main">
   <p:cSld>
     <p:spTree>
@@ -14244,6 +14472,11 @@
                   <a:spcAft>
                     <a:spcPts val="800"/>
                   </a:spcAft>
+                  <a:buClr>
+                    <a:srgbClr val="FF0000"/>
+                  </a:buClr>
+                  <a:buFont typeface="Wingdings" panose="05000000000000000000" pitchFamily="2" charset="2"/>
+                  <a:buChar char="Ø"/>
                 </a:pPr>
                 <a14:m>
                   <m:oMath xmlns:m="http://schemas.openxmlformats.org/officeDocument/2006/math">
@@ -15506,7 +15739,7 @@
                 <a:ext cx="10515600" cy="3258272"/>
               </a:xfrm>
               <a:blipFill>
-                <a:blip r:embed="rId2"/>
+                <a:blip r:embed="rId3"/>
                 <a:stretch>
                   <a:fillRect/>
                 </a:stretch>
@@ -16123,7 +16356,7 @@
                 <a:avLst/>
               </a:prstGeom>
               <a:blipFill>
-                <a:blip r:embed="rId3"/>
+                <a:blip r:embed="rId4"/>
                 <a:stretch>
                   <a:fillRect l="-1737" t="-3974" b="-9934"/>
                 </a:stretch>
@@ -16381,9 +16614,12 @@
             <a:endParaRPr lang="it-IT" sz="2200" dirty="0"/>
           </a:p>
           <a:p>
-            <a:pPr marL="285750" indent="-285750">
-              <a:buFont typeface="Arial" panose="020B0604020202020204" pitchFamily="34" charset="0"/>
-              <a:buChar char="•"/>
+            <a:pPr marL="342900" indent="-342900">
+              <a:buClr>
+                <a:srgbClr val="FF0000"/>
+              </a:buClr>
+              <a:buFont typeface="Wingdings" panose="05000000000000000000" pitchFamily="2" charset="2"/>
+              <a:buChar char="Ø"/>
             </a:pPr>
             <a:r>
               <a:rPr lang="it-IT" sz="2200" dirty="0"/>
@@ -16391,16 +16627,22 @@
             </a:r>
           </a:p>
           <a:p>
-            <a:pPr marL="285750" indent="-285750">
-              <a:buFont typeface="Arial" panose="020B0604020202020204" pitchFamily="34" charset="0"/>
-              <a:buChar char="•"/>
+            <a:pPr marL="342900" indent="-342900">
+              <a:buClr>
+                <a:srgbClr val="FF0000"/>
+              </a:buClr>
+              <a:buFont typeface="Wingdings" panose="05000000000000000000" pitchFamily="2" charset="2"/>
+              <a:buChar char="Ø"/>
             </a:pPr>
             <a:endParaRPr lang="it-IT" sz="2200" dirty="0"/>
           </a:p>
           <a:p>
-            <a:pPr marL="285750" indent="-285750">
-              <a:buFont typeface="Arial" panose="020B0604020202020204" pitchFamily="34" charset="0"/>
-              <a:buChar char="•"/>
+            <a:pPr marL="342900" indent="-342900">
+              <a:buClr>
+                <a:srgbClr val="FF0000"/>
+              </a:buClr>
+              <a:buFont typeface="Wingdings" panose="05000000000000000000" pitchFamily="2" charset="2"/>
+              <a:buChar char="Ø"/>
             </a:pPr>
             <a:r>
               <a:rPr lang="it-IT" sz="2200" dirty="0"/>
@@ -16408,16 +16650,22 @@
             </a:r>
           </a:p>
           <a:p>
-            <a:pPr marL="285750" indent="-285750">
-              <a:buFont typeface="Arial" panose="020B0604020202020204" pitchFamily="34" charset="0"/>
-              <a:buChar char="•"/>
+            <a:pPr marL="342900" indent="-342900">
+              <a:buClr>
+                <a:srgbClr val="FF0000"/>
+              </a:buClr>
+              <a:buFont typeface="Wingdings" panose="05000000000000000000" pitchFamily="2" charset="2"/>
+              <a:buChar char="Ø"/>
             </a:pPr>
             <a:endParaRPr lang="it-IT" sz="2200" dirty="0"/>
           </a:p>
           <a:p>
-            <a:pPr marL="285750" indent="-285750">
-              <a:buFont typeface="Arial" panose="020B0604020202020204" pitchFamily="34" charset="0"/>
-              <a:buChar char="•"/>
+            <a:pPr marL="342900" indent="-342900">
+              <a:buClr>
+                <a:srgbClr val="FF0000"/>
+              </a:buClr>
+              <a:buFont typeface="Wingdings" panose="05000000000000000000" pitchFamily="2" charset="2"/>
+              <a:buChar char="Ø"/>
             </a:pPr>
             <a:r>
               <a:rPr lang="it-IT" sz="2200" dirty="0"/>
@@ -16425,16 +16673,22 @@
             </a:r>
           </a:p>
           <a:p>
-            <a:pPr marL="285750" indent="-285750">
-              <a:buFont typeface="Arial" panose="020B0604020202020204" pitchFamily="34" charset="0"/>
-              <a:buChar char="•"/>
+            <a:pPr marL="342900" indent="-342900">
+              <a:buClr>
+                <a:srgbClr val="FF0000"/>
+              </a:buClr>
+              <a:buFont typeface="Wingdings" panose="05000000000000000000" pitchFamily="2" charset="2"/>
+              <a:buChar char="Ø"/>
             </a:pPr>
             <a:endParaRPr lang="it-IT" sz="2200" dirty="0"/>
           </a:p>
           <a:p>
-            <a:pPr marL="285750" indent="-285750">
-              <a:buFont typeface="Arial" panose="020B0604020202020204" pitchFamily="34" charset="0"/>
-              <a:buChar char="•"/>
+            <a:pPr marL="342900" indent="-342900">
+              <a:buClr>
+                <a:srgbClr val="FF0000"/>
+              </a:buClr>
+              <a:buFont typeface="Wingdings" panose="05000000000000000000" pitchFamily="2" charset="2"/>
+              <a:buChar char="Ø"/>
             </a:pPr>
             <a:r>
               <a:rPr lang="it-IT" sz="2200" dirty="0"/>
@@ -16474,9 +16728,12 @@
             <a:endParaRPr lang="it-IT" sz="2200" dirty="0"/>
           </a:p>
           <a:p>
-            <a:pPr marL="285750" indent="-285750">
-              <a:buFont typeface="Arial" panose="020B0604020202020204" pitchFamily="34" charset="0"/>
-              <a:buChar char="•"/>
+            <a:pPr marL="342900" indent="-342900">
+              <a:buClr>
+                <a:srgbClr val="FF0000"/>
+              </a:buClr>
+              <a:buFont typeface="Wingdings" panose="05000000000000000000" pitchFamily="2" charset="2"/>
+              <a:buChar char="Ø"/>
             </a:pPr>
             <a:r>
               <a:rPr lang="it-IT" sz="2200" dirty="0"/>
@@ -16489,16 +16746,22 @@
             <a:endParaRPr lang="it-IT" sz="2200" dirty="0"/>
           </a:p>
           <a:p>
-            <a:pPr marL="285750" indent="-285750">
-              <a:buFont typeface="Arial" panose="020B0604020202020204" pitchFamily="34" charset="0"/>
-              <a:buChar char="•"/>
+            <a:pPr marL="342900" indent="-342900">
+              <a:buClr>
+                <a:srgbClr val="FF0000"/>
+              </a:buClr>
+              <a:buFont typeface="Wingdings" panose="05000000000000000000" pitchFamily="2" charset="2"/>
+              <a:buChar char="Ø"/>
             </a:pPr>
             <a:endParaRPr lang="it-IT" sz="2200" dirty="0"/>
           </a:p>
           <a:p>
-            <a:pPr marL="285750" indent="-285750">
-              <a:buFont typeface="Arial" panose="020B0604020202020204" pitchFamily="34" charset="0"/>
-              <a:buChar char="•"/>
+            <a:pPr marL="342900" indent="-342900">
+              <a:buClr>
+                <a:srgbClr val="FF0000"/>
+              </a:buClr>
+              <a:buFont typeface="Wingdings" panose="05000000000000000000" pitchFamily="2" charset="2"/>
+              <a:buChar char="Ø"/>
             </a:pPr>
             <a:r>
               <a:rPr lang="it-IT" sz="2200" dirty="0"/>
@@ -16511,16 +16774,22 @@
             <a:endParaRPr lang="it-IT" sz="2200" dirty="0"/>
           </a:p>
           <a:p>
-            <a:pPr marL="285750" indent="-285750">
-              <a:buFont typeface="Arial" panose="020B0604020202020204" pitchFamily="34" charset="0"/>
-              <a:buChar char="•"/>
+            <a:pPr marL="342900" indent="-342900">
+              <a:buClr>
+                <a:srgbClr val="FF0000"/>
+              </a:buClr>
+              <a:buFont typeface="Wingdings" panose="05000000000000000000" pitchFamily="2" charset="2"/>
+              <a:buChar char="Ø"/>
             </a:pPr>
             <a:endParaRPr lang="it-IT" sz="2200" dirty="0"/>
           </a:p>
           <a:p>
-            <a:pPr marL="285750" indent="-285750">
-              <a:buFont typeface="Arial" panose="020B0604020202020204" pitchFamily="34" charset="0"/>
-              <a:buChar char="•"/>
+            <a:pPr marL="342900" indent="-342900">
+              <a:buClr>
+                <a:srgbClr val="FF0000"/>
+              </a:buClr>
+              <a:buFont typeface="Wingdings" panose="05000000000000000000" pitchFamily="2" charset="2"/>
+              <a:buChar char="Ø"/>
             </a:pPr>
             <a:r>
               <a:rPr lang="it-IT" sz="2200" dirty="0"/>
@@ -16533,16 +16802,22 @@
             <a:endParaRPr lang="it-IT" sz="2200" dirty="0"/>
           </a:p>
           <a:p>
-            <a:pPr marL="285750" indent="-285750">
-              <a:buFont typeface="Arial" panose="020B0604020202020204" pitchFamily="34" charset="0"/>
-              <a:buChar char="•"/>
+            <a:pPr marL="342900" indent="-342900">
+              <a:buClr>
+                <a:srgbClr val="FF0000"/>
+              </a:buClr>
+              <a:buFont typeface="Wingdings" panose="05000000000000000000" pitchFamily="2" charset="2"/>
+              <a:buChar char="Ø"/>
             </a:pPr>
             <a:endParaRPr lang="it-IT" sz="2200" dirty="0"/>
           </a:p>
           <a:p>
-            <a:pPr marL="285750" indent="-285750">
-              <a:buFont typeface="Arial" panose="020B0604020202020204" pitchFamily="34" charset="0"/>
-              <a:buChar char="•"/>
+            <a:pPr marL="342900" indent="-342900">
+              <a:buClr>
+                <a:srgbClr val="FF0000"/>
+              </a:buClr>
+              <a:buFont typeface="Wingdings" panose="05000000000000000000" pitchFamily="2" charset="2"/>
+              <a:buChar char="Ø"/>
             </a:pPr>
             <a:r>
               <a:rPr lang="it-IT" sz="2200" dirty="0"/>
@@ -16558,16 +16833,22 @@
             </a:r>
           </a:p>
           <a:p>
-            <a:pPr marL="285750" indent="-285750">
-              <a:buFont typeface="Arial" panose="020B0604020202020204" pitchFamily="34" charset="0"/>
-              <a:buChar char="•"/>
+            <a:pPr marL="342900" indent="-342900">
+              <a:buClr>
+                <a:srgbClr val="FF0000"/>
+              </a:buClr>
+              <a:buFont typeface="Wingdings" panose="05000000000000000000" pitchFamily="2" charset="2"/>
+              <a:buChar char="Ø"/>
             </a:pPr>
             <a:endParaRPr lang="it-IT" sz="2200" dirty="0"/>
           </a:p>
           <a:p>
-            <a:pPr marL="285750" indent="-285750">
-              <a:buFont typeface="Arial" panose="020B0604020202020204" pitchFamily="34" charset="0"/>
-              <a:buChar char="•"/>
+            <a:pPr marL="342900" indent="-342900">
+              <a:buClr>
+                <a:srgbClr val="FF0000"/>
+              </a:buClr>
+              <a:buFont typeface="Wingdings" panose="05000000000000000000" pitchFamily="2" charset="2"/>
+              <a:buChar char="Ø"/>
             </a:pPr>
             <a:r>
               <a:rPr lang="it-IT" sz="2200" dirty="0"/>
@@ -19166,6 +19447,11 @@
               <a:lnSpc>
                 <a:spcPct val="150000"/>
               </a:lnSpc>
+              <a:buClr>
+                <a:srgbClr val="FF0000"/>
+              </a:buClr>
+              <a:buFont typeface="Wingdings" panose="05000000000000000000" pitchFamily="2" charset="2"/>
+              <a:buChar char="Ø"/>
             </a:pPr>
             <a:r>
               <a:rPr lang="it-IT" sz="2400" dirty="0"/>
@@ -19254,6 +19540,11 @@
               <a:lnSpc>
                 <a:spcPct val="150000"/>
               </a:lnSpc>
+              <a:buClr>
+                <a:srgbClr val="FF0000"/>
+              </a:buClr>
+              <a:buFont typeface="Wingdings" panose="05000000000000000000" pitchFamily="2" charset="2"/>
+              <a:buChar char="Ø"/>
             </a:pPr>
             <a:r>
               <a:rPr lang="it-IT" sz="2400" dirty="0" err="1"/>
@@ -19322,6 +19613,35 @@
           </a:p>
         </p:txBody>
       </p:sp>
+      <p:pic>
+        <p:nvPicPr>
+          <p:cNvPr id="4" name="Immagine 3">
+            <a:extLst>
+              <a:ext uri="{FF2B5EF4-FFF2-40B4-BE49-F238E27FC236}">
+                <a16:creationId xmlns:a16="http://schemas.microsoft.com/office/drawing/2014/main" id="{2F2B2A1A-AFB6-75BE-20ED-63C42DA45EA1}"/>
+              </a:ext>
+            </a:extLst>
+          </p:cNvPr>
+          <p:cNvPicPr>
+            <a:picLocks noChangeAspect="1"/>
+          </p:cNvPicPr>
+          <p:nvPr/>
+        </p:nvPicPr>
+        <p:blipFill rotWithShape="1">
+          <a:blip r:embed="rId2"/>
+          <a:srcRect t="6343" b="1"/>
+          <a:stretch/>
+        </p:blipFill>
+        <p:spPr>
+          <a:xfrm>
+            <a:off x="3408633" y="4283802"/>
+            <a:ext cx="5619854" cy="679902"/>
+          </a:xfrm>
+          <a:prstGeom prst="rect">
+            <a:avLst/>
+          </a:prstGeom>
+        </p:spPr>
+      </p:pic>
     </p:spTree>
     <p:extLst>
       <p:ext uri="{BB962C8B-B14F-4D97-AF65-F5344CB8AC3E}">
